--- a/Class4_LinAlg.pptx
+++ b/Class4_LinAlg.pptx
@@ -5,57 +5,58 @@
     <p:sldMasterId id="2147483648" r:id="rId1"/>
   </p:sldMasterIdLst>
   <p:notesMasterIdLst>
-    <p:notesMasterId r:id="rId50"/>
+    <p:notesMasterId r:id="rId51"/>
   </p:notesMasterIdLst>
   <p:sldIdLst>
     <p:sldId id="256" r:id="rId2"/>
-    <p:sldId id="270" r:id="rId3"/>
-    <p:sldId id="258" r:id="rId4"/>
-    <p:sldId id="259" r:id="rId5"/>
-    <p:sldId id="268" r:id="rId6"/>
-    <p:sldId id="269" r:id="rId7"/>
-    <p:sldId id="261" r:id="rId8"/>
-    <p:sldId id="260" r:id="rId9"/>
-    <p:sldId id="262" r:id="rId10"/>
-    <p:sldId id="263" r:id="rId11"/>
-    <p:sldId id="264" r:id="rId12"/>
-    <p:sldId id="265" r:id="rId13"/>
-    <p:sldId id="267" r:id="rId14"/>
-    <p:sldId id="271" r:id="rId15"/>
-    <p:sldId id="277" r:id="rId16"/>
-    <p:sldId id="272" r:id="rId17"/>
-    <p:sldId id="275" r:id="rId18"/>
-    <p:sldId id="274" r:id="rId19"/>
-    <p:sldId id="273" r:id="rId20"/>
-    <p:sldId id="278" r:id="rId21"/>
-    <p:sldId id="279" r:id="rId22"/>
-    <p:sldId id="281" r:id="rId23"/>
-    <p:sldId id="373" r:id="rId24"/>
-    <p:sldId id="280" r:id="rId25"/>
-    <p:sldId id="282" r:id="rId26"/>
-    <p:sldId id="283" r:id="rId27"/>
-    <p:sldId id="285" r:id="rId28"/>
-    <p:sldId id="364" r:id="rId29"/>
-    <p:sldId id="284" r:id="rId30"/>
-    <p:sldId id="313" r:id="rId31"/>
-    <p:sldId id="366" r:id="rId32"/>
-    <p:sldId id="367" r:id="rId33"/>
-    <p:sldId id="368" r:id="rId34"/>
-    <p:sldId id="369" r:id="rId35"/>
-    <p:sldId id="370" r:id="rId36"/>
-    <p:sldId id="312" r:id="rId37"/>
-    <p:sldId id="371" r:id="rId38"/>
-    <p:sldId id="354" r:id="rId39"/>
-    <p:sldId id="302" r:id="rId40"/>
-    <p:sldId id="372" r:id="rId41"/>
-    <p:sldId id="301" r:id="rId42"/>
-    <p:sldId id="315" r:id="rId43"/>
-    <p:sldId id="355" r:id="rId44"/>
-    <p:sldId id="356" r:id="rId45"/>
-    <p:sldId id="316" r:id="rId46"/>
-    <p:sldId id="360" r:id="rId47"/>
-    <p:sldId id="357" r:id="rId48"/>
-    <p:sldId id="359" r:id="rId49"/>
+    <p:sldId id="374" r:id="rId3"/>
+    <p:sldId id="270" r:id="rId4"/>
+    <p:sldId id="258" r:id="rId5"/>
+    <p:sldId id="259" r:id="rId6"/>
+    <p:sldId id="268" r:id="rId7"/>
+    <p:sldId id="269" r:id="rId8"/>
+    <p:sldId id="261" r:id="rId9"/>
+    <p:sldId id="260" r:id="rId10"/>
+    <p:sldId id="262" r:id="rId11"/>
+    <p:sldId id="263" r:id="rId12"/>
+    <p:sldId id="264" r:id="rId13"/>
+    <p:sldId id="265" r:id="rId14"/>
+    <p:sldId id="267" r:id="rId15"/>
+    <p:sldId id="271" r:id="rId16"/>
+    <p:sldId id="277" r:id="rId17"/>
+    <p:sldId id="272" r:id="rId18"/>
+    <p:sldId id="275" r:id="rId19"/>
+    <p:sldId id="274" r:id="rId20"/>
+    <p:sldId id="273" r:id="rId21"/>
+    <p:sldId id="278" r:id="rId22"/>
+    <p:sldId id="279" r:id="rId23"/>
+    <p:sldId id="281" r:id="rId24"/>
+    <p:sldId id="373" r:id="rId25"/>
+    <p:sldId id="280" r:id="rId26"/>
+    <p:sldId id="282" r:id="rId27"/>
+    <p:sldId id="283" r:id="rId28"/>
+    <p:sldId id="285" r:id="rId29"/>
+    <p:sldId id="364" r:id="rId30"/>
+    <p:sldId id="284" r:id="rId31"/>
+    <p:sldId id="313" r:id="rId32"/>
+    <p:sldId id="366" r:id="rId33"/>
+    <p:sldId id="367" r:id="rId34"/>
+    <p:sldId id="368" r:id="rId35"/>
+    <p:sldId id="369" r:id="rId36"/>
+    <p:sldId id="370" r:id="rId37"/>
+    <p:sldId id="312" r:id="rId38"/>
+    <p:sldId id="371" r:id="rId39"/>
+    <p:sldId id="354" r:id="rId40"/>
+    <p:sldId id="302" r:id="rId41"/>
+    <p:sldId id="372" r:id="rId42"/>
+    <p:sldId id="301" r:id="rId43"/>
+    <p:sldId id="315" r:id="rId44"/>
+    <p:sldId id="355" r:id="rId45"/>
+    <p:sldId id="356" r:id="rId46"/>
+    <p:sldId id="316" r:id="rId47"/>
+    <p:sldId id="360" r:id="rId48"/>
+    <p:sldId id="357" r:id="rId49"/>
+    <p:sldId id="359" r:id="rId50"/>
   </p:sldIdLst>
   <p:sldSz cx="12192000" cy="6858000"/>
   <p:notesSz cx="6858000" cy="9144000"/>
@@ -244,7 +245,7 @@
           <a:p>
             <a:fld id="{AF04B1F0-8F92-B641-A0C6-A25FE25AA83A}" type="datetimeFigureOut">
               <a:rPr lang="en-US" smtClean="0"/>
-              <a:t>9/7/21</a:t>
+              <a:t>9/8/21</a:t>
             </a:fld>
             <a:endParaRPr lang="en-US"/>
           </a:p>
@@ -576,7 +577,7 @@
           <a:p>
             <a:fld id="{E8FF933B-B1A4-C246-AE65-4CA72B74D501}" type="slidenum">
               <a:rPr lang="en-US" smtClean="0"/>
-              <a:t>38</a:t>
+              <a:t>39</a:t>
             </a:fld>
             <a:endParaRPr lang="en-US"/>
           </a:p>
@@ -660,7 +661,7 @@
           <a:p>
             <a:fld id="{E8FF933B-B1A4-C246-AE65-4CA72B74D501}" type="slidenum">
               <a:rPr lang="en-US" smtClean="0"/>
-              <a:t>39</a:t>
+              <a:t>40</a:t>
             </a:fld>
             <a:endParaRPr lang="en-US"/>
           </a:p>
@@ -744,7 +745,7 @@
           <a:p>
             <a:fld id="{E8FF933B-B1A4-C246-AE65-4CA72B74D501}" type="slidenum">
               <a:rPr lang="en-US" smtClean="0"/>
-              <a:t>40</a:t>
+              <a:t>41</a:t>
             </a:fld>
             <a:endParaRPr lang="en-US"/>
           </a:p>
@@ -910,7 +911,7 @@
           <a:p>
             <a:fld id="{DE9396C5-E05B-1249-B12F-2FE64102EDB1}" type="datetimeFigureOut">
               <a:rPr lang="en-US" smtClean="0"/>
-              <a:t>9/7/21</a:t>
+              <a:t>9/8/21</a:t>
             </a:fld>
             <a:endParaRPr lang="en-US"/>
           </a:p>
@@ -1108,7 +1109,7 @@
           <a:p>
             <a:fld id="{DE9396C5-E05B-1249-B12F-2FE64102EDB1}" type="datetimeFigureOut">
               <a:rPr lang="en-US" smtClean="0"/>
-              <a:t>9/7/21</a:t>
+              <a:t>9/8/21</a:t>
             </a:fld>
             <a:endParaRPr lang="en-US"/>
           </a:p>
@@ -1316,7 +1317,7 @@
           <a:p>
             <a:fld id="{DE9396C5-E05B-1249-B12F-2FE64102EDB1}" type="datetimeFigureOut">
               <a:rPr lang="en-US" smtClean="0"/>
-              <a:t>9/7/21</a:t>
+              <a:t>9/8/21</a:t>
             </a:fld>
             <a:endParaRPr lang="en-US"/>
           </a:p>
@@ -1514,7 +1515,7 @@
           <a:p>
             <a:fld id="{DE9396C5-E05B-1249-B12F-2FE64102EDB1}" type="datetimeFigureOut">
               <a:rPr lang="en-US" smtClean="0"/>
-              <a:t>9/7/21</a:t>
+              <a:t>9/8/21</a:t>
             </a:fld>
             <a:endParaRPr lang="en-US"/>
           </a:p>
@@ -1789,7 +1790,7 @@
           <a:p>
             <a:fld id="{DE9396C5-E05B-1249-B12F-2FE64102EDB1}" type="datetimeFigureOut">
               <a:rPr lang="en-US" smtClean="0"/>
-              <a:t>9/7/21</a:t>
+              <a:t>9/8/21</a:t>
             </a:fld>
             <a:endParaRPr lang="en-US"/>
           </a:p>
@@ -2054,7 +2055,7 @@
           <a:p>
             <a:fld id="{DE9396C5-E05B-1249-B12F-2FE64102EDB1}" type="datetimeFigureOut">
               <a:rPr lang="en-US" smtClean="0"/>
-              <a:t>9/7/21</a:t>
+              <a:t>9/8/21</a:t>
             </a:fld>
             <a:endParaRPr lang="en-US"/>
           </a:p>
@@ -2466,7 +2467,7 @@
           <a:p>
             <a:fld id="{DE9396C5-E05B-1249-B12F-2FE64102EDB1}" type="datetimeFigureOut">
               <a:rPr lang="en-US" smtClean="0"/>
-              <a:t>9/7/21</a:t>
+              <a:t>9/8/21</a:t>
             </a:fld>
             <a:endParaRPr lang="en-US"/>
           </a:p>
@@ -2607,7 +2608,7 @@
           <a:p>
             <a:fld id="{DE9396C5-E05B-1249-B12F-2FE64102EDB1}" type="datetimeFigureOut">
               <a:rPr lang="en-US" smtClean="0"/>
-              <a:t>9/7/21</a:t>
+              <a:t>9/8/21</a:t>
             </a:fld>
             <a:endParaRPr lang="en-US"/>
           </a:p>
@@ -2720,7 +2721,7 @@
           <a:p>
             <a:fld id="{DE9396C5-E05B-1249-B12F-2FE64102EDB1}" type="datetimeFigureOut">
               <a:rPr lang="en-US" smtClean="0"/>
-              <a:t>9/7/21</a:t>
+              <a:t>9/8/21</a:t>
             </a:fld>
             <a:endParaRPr lang="en-US"/>
           </a:p>
@@ -3031,7 +3032,7 @@
           <a:p>
             <a:fld id="{DE9396C5-E05B-1249-B12F-2FE64102EDB1}" type="datetimeFigureOut">
               <a:rPr lang="en-US" smtClean="0"/>
-              <a:t>9/7/21</a:t>
+              <a:t>9/8/21</a:t>
             </a:fld>
             <a:endParaRPr lang="en-US"/>
           </a:p>
@@ -3319,7 +3320,7 @@
           <a:p>
             <a:fld id="{DE9396C5-E05B-1249-B12F-2FE64102EDB1}" type="datetimeFigureOut">
               <a:rPr lang="en-US" smtClean="0"/>
-              <a:t>9/7/21</a:t>
+              <a:t>9/8/21</a:t>
             </a:fld>
             <a:endParaRPr lang="en-US"/>
           </a:p>
@@ -3560,7 +3561,7 @@
           <a:p>
             <a:fld id="{DE9396C5-E05B-1249-B12F-2FE64102EDB1}" type="datetimeFigureOut">
               <a:rPr lang="en-US" smtClean="0"/>
-              <a:t>9/7/21</a:t>
+              <a:t>9/8/21</a:t>
             </a:fld>
             <a:endParaRPr lang="en-US"/>
           </a:p>
@@ -4080,67 +4081,12 @@
           </a:p>
         </p:txBody>
       </p:sp>
-      <p:sp>
-        <p:nvSpPr>
-          <p:cNvPr id="5" name="TextBox 4">
-            <a:extLst>
-              <a:ext uri="{FF2B5EF4-FFF2-40B4-BE49-F238E27FC236}">
-                <a16:creationId xmlns:a16="http://schemas.microsoft.com/office/drawing/2014/main" id="{404127EB-2BE2-B845-B20A-2B64848A593A}"/>
-              </a:ext>
-            </a:extLst>
-          </p:cNvPr>
-          <p:cNvSpPr txBox="1"/>
-          <p:nvPr/>
-        </p:nvSpPr>
-        <p:spPr>
-          <a:xfrm>
-            <a:off x="6709024" y="3013501"/>
-            <a:ext cx="4644775" cy="830997"/>
-          </a:xfrm>
-          <a:prstGeom prst="rect">
-            <a:avLst/>
-          </a:prstGeom>
-          <a:noFill/>
-        </p:spPr>
-        <p:txBody>
-          <a:bodyPr wrap="square" rtlCol="0">
-            <a:spAutoFit/>
-          </a:bodyPr>
-          <a:lstStyle/>
-          <a:p>
-            <a:r>
-              <a:rPr lang="en-US" sz="2400" dirty="0"/>
-              <a:t>Let’s subtract mean of </a:t>
-            </a:r>
-            <a:r>
-              <a:rPr lang="en-US" sz="2400" b="1" dirty="0"/>
-              <a:t>x </a:t>
-            </a:r>
-            <a:r>
-              <a:rPr lang="en-US" sz="2400" dirty="0"/>
-              <a:t>from all elements, so </a:t>
-            </a:r>
-            <a:r>
-              <a:rPr lang="en-US" sz="2400" b="1" dirty="0"/>
-              <a:t>x</a:t>
-            </a:r>
-            <a:r>
-              <a:rPr lang="en-US" sz="2400" dirty="0"/>
-              <a:t> becomes </a:t>
-            </a:r>
-            <a:r>
-              <a:rPr lang="en-US" sz="2400" b="1" dirty="0"/>
-              <a:t>x’</a:t>
-            </a:r>
-          </a:p>
-        </p:txBody>
-      </p:sp>
       <p:pic>
         <p:nvPicPr>
-          <p:cNvPr id="6" name="Picture 5">
-            <a:extLst>
-              <a:ext uri="{FF2B5EF4-FFF2-40B4-BE49-F238E27FC236}">
-                <a16:creationId xmlns:a16="http://schemas.microsoft.com/office/drawing/2014/main" id="{638523A8-0814-1249-9C7F-91E70CDA3CAA}"/>
+          <p:cNvPr id="4" name="Picture 3">
+            <a:extLst>
+              <a:ext uri="{FF2B5EF4-FFF2-40B4-BE49-F238E27FC236}">
+                <a16:creationId xmlns:a16="http://schemas.microsoft.com/office/drawing/2014/main" id="{39C16AA7-6DDA-B447-851C-8D8FF6336463}"/>
               </a:ext>
             </a:extLst>
           </p:cNvPr>
@@ -4157,18 +4103,53 @@
         </p:blipFill>
         <p:spPr>
           <a:xfrm>
-            <a:off x="1038047" y="2190749"/>
-            <a:ext cx="4711700" cy="2476500"/>
+            <a:off x="1117529" y="2314040"/>
+            <a:ext cx="1943100" cy="2476500"/>
           </a:xfrm>
           <a:prstGeom prst="rect">
             <a:avLst/>
           </a:prstGeom>
         </p:spPr>
       </p:pic>
+      <p:sp>
+        <p:nvSpPr>
+          <p:cNvPr id="5" name="TextBox 4">
+            <a:extLst>
+              <a:ext uri="{FF2B5EF4-FFF2-40B4-BE49-F238E27FC236}">
+                <a16:creationId xmlns:a16="http://schemas.microsoft.com/office/drawing/2014/main" id="{404127EB-2BE2-B845-B20A-2B64848A593A}"/>
+              </a:ext>
+            </a:extLst>
+          </p:cNvPr>
+          <p:cNvSpPr txBox="1"/>
+          <p:nvPr/>
+        </p:nvSpPr>
+        <p:spPr>
+          <a:xfrm>
+            <a:off x="4767208" y="2644170"/>
+            <a:ext cx="5661061" cy="1569660"/>
+          </a:xfrm>
+          <a:prstGeom prst="rect">
+            <a:avLst/>
+          </a:prstGeom>
+          <a:noFill/>
+        </p:spPr>
+        <p:txBody>
+          <a:bodyPr wrap="square" rtlCol="0">
+            <a:spAutoFit/>
+          </a:bodyPr>
+          <a:lstStyle/>
+          <a:p>
+            <a:r>
+              <a:rPr lang="en-US" sz="2400" dirty="0"/>
+              <a:t>In data analysis, vector can contain a collection of measurements (e.g. mean August temperature of Atlanta from last 140 years)</a:t>
+            </a:r>
+          </a:p>
+        </p:txBody>
+      </p:sp>
     </p:spTree>
     <p:extLst>
       <p:ext uri="{BB962C8B-B14F-4D97-AF65-F5344CB8AC3E}">
-        <p14:creationId xmlns:p14="http://schemas.microsoft.com/office/powerpoint/2010/main" val="1536875848"/>
+        <p14:creationId xmlns:p14="http://schemas.microsoft.com/office/powerpoint/2010/main" val="3400138912"/>
       </p:ext>
     </p:extLst>
   </p:cSld>
@@ -4237,8 +4218,8 @@
         </p:nvSpPr>
         <p:spPr>
           <a:xfrm>
-            <a:off x="6096000" y="3461802"/>
-            <a:ext cx="5801474" cy="2677656"/>
+            <a:off x="6709024" y="3013501"/>
+            <a:ext cx="4644775" cy="830997"/>
           </a:xfrm>
           <a:prstGeom prst="rect">
             <a:avLst/>
@@ -4253,64 +4234,7 @@
           <a:p>
             <a:r>
               <a:rPr lang="en-US" sz="2400" dirty="0"/>
-              <a:t>Inner product of </a:t>
-            </a:r>
-            <a:r>
-              <a:rPr lang="en-US" sz="2400" b="1" dirty="0"/>
-              <a:t>x’ </a:t>
-            </a:r>
-            <a:r>
-              <a:rPr lang="en-US" sz="2400" dirty="0"/>
-              <a:t>with itself the square of the </a:t>
-            </a:r>
-            <a:r>
-              <a:rPr lang="en-US" sz="2400" b="1" dirty="0"/>
-              <a:t>”length” of the x’ vector. </a:t>
-            </a:r>
-          </a:p>
-          <a:p>
-            <a:endParaRPr lang="en-US" sz="2400" dirty="0"/>
-          </a:p>
-          <a:p>
-            <a:r>
-              <a:rPr lang="en-US" sz="2400" dirty="0"/>
-              <a:t>It is equal to the </a:t>
-            </a:r>
-            <a:r>
-              <a:rPr lang="en-US" sz="2400" b="1" dirty="0"/>
-              <a:t>variance (</a:t>
-            </a:r>
-            <a:r>
-              <a:rPr lang="en-US" sz="2400" b="1" dirty="0">
-                <a:latin typeface="Symbol" pitchFamily="2" charset="2"/>
-              </a:rPr>
-              <a:t>s</a:t>
-            </a:r>
-            <a:r>
-              <a:rPr lang="en-US" sz="2400" b="1" baseline="30000" dirty="0"/>
-              <a:t>2</a:t>
-            </a:r>
-            <a:r>
-              <a:rPr lang="en-US" sz="2400" b="1" dirty="0"/>
-              <a:t> or </a:t>
-            </a:r>
-            <a:r>
-              <a:rPr lang="en-US" sz="2400" b="1" dirty="0" err="1">
-                <a:latin typeface="Symbol" pitchFamily="2" charset="2"/>
-              </a:rPr>
-              <a:t>s</a:t>
-            </a:r>
-            <a:r>
-              <a:rPr lang="en-US" sz="2400" b="1" baseline="-25000" dirty="0" err="1"/>
-              <a:t>xx</a:t>
-            </a:r>
-            <a:r>
-              <a:rPr lang="en-US" sz="2400" b="1" dirty="0"/>
-              <a:t>) </a:t>
-            </a:r>
-            <a:r>
-              <a:rPr lang="en-US" sz="2400" dirty="0"/>
-              <a:t>of the data contained in vector </a:t>
+              <a:t>Let’s subtract mean of </a:t>
             </a:r>
             <a:r>
               <a:rPr lang="en-US" sz="2400" b="1" dirty="0"/>
@@ -4318,38 +4242,29 @@
             </a:r>
             <a:r>
               <a:rPr lang="en-US" sz="2400" dirty="0"/>
-              <a:t>multiplied by N-1</a:t>
-            </a:r>
-          </a:p>
-          <a:p>
-            <a:endParaRPr lang="en-US" sz="2400" dirty="0"/>
-          </a:p>
-          <a:p>
+              <a:t>from all elements, so </a:t>
+            </a:r>
+            <a:r>
+              <a:rPr lang="en-US" sz="2400" b="1" dirty="0"/>
+              <a:t>x</a:t>
+            </a:r>
             <a:r>
               <a:rPr lang="en-US" sz="2400" dirty="0"/>
-              <a:t>The “length” |</a:t>
+              <a:t> becomes </a:t>
             </a:r>
             <a:r>
               <a:rPr lang="en-US" sz="2400" b="1" dirty="0"/>
               <a:t>x’</a:t>
             </a:r>
-            <a:r>
-              <a:rPr lang="en-US" sz="2400" dirty="0"/>
-              <a:t>| is also called the </a:t>
-            </a:r>
-            <a:r>
-              <a:rPr lang="en-US" sz="2400" b="1" dirty="0"/>
-              <a:t>L2 norm</a:t>
-            </a:r>
           </a:p>
         </p:txBody>
       </p:sp>
       <p:pic>
         <p:nvPicPr>
-          <p:cNvPr id="9" name="Picture 8">
-            <a:extLst>
-              <a:ext uri="{FF2B5EF4-FFF2-40B4-BE49-F238E27FC236}">
-                <a16:creationId xmlns:a16="http://schemas.microsoft.com/office/drawing/2014/main" id="{1C3A3FCA-DDA0-FE4F-82ED-FDAF5B3F08C8}"/>
+          <p:cNvPr id="6" name="Picture 5">
+            <a:extLst>
+              <a:ext uri="{FF2B5EF4-FFF2-40B4-BE49-F238E27FC236}">
+                <a16:creationId xmlns:a16="http://schemas.microsoft.com/office/drawing/2014/main" id="{638523A8-0814-1249-9C7F-91E70CDA3CAA}"/>
               </a:ext>
             </a:extLst>
           </p:cNvPr>
@@ -4366,8 +4281,8 @@
         </p:blipFill>
         <p:spPr>
           <a:xfrm>
-            <a:off x="1308100" y="2141235"/>
-            <a:ext cx="9575800" cy="520700"/>
+            <a:off x="1038047" y="2190749"/>
+            <a:ext cx="4711700" cy="2476500"/>
           </a:xfrm>
           <a:prstGeom prst="rect">
             <a:avLst/>
@@ -4377,7 +4292,7 @@
     </p:spTree>
     <p:extLst>
       <p:ext uri="{BB962C8B-B14F-4D97-AF65-F5344CB8AC3E}">
-        <p14:creationId xmlns:p14="http://schemas.microsoft.com/office/powerpoint/2010/main" val="3699537249"/>
+        <p14:creationId xmlns:p14="http://schemas.microsoft.com/office/powerpoint/2010/main" val="1536875848"/>
       </p:ext>
     </p:extLst>
   </p:cSld>
@@ -4446,8 +4361,8 @@
         </p:nvSpPr>
         <p:spPr>
           <a:xfrm>
-            <a:off x="1240604" y="3461802"/>
-            <a:ext cx="10113196" cy="2677656"/>
+            <a:off x="6096000" y="3461802"/>
+            <a:ext cx="5801474" cy="2677656"/>
           </a:xfrm>
           <a:prstGeom prst="rect">
             <a:avLst/>
@@ -4470,35 +4385,56 @@
             </a:r>
             <a:r>
               <a:rPr lang="en-US" sz="2400" dirty="0"/>
-              <a:t>and </a:t>
+              <a:t>with itself the square of the </a:t>
             </a:r>
             <a:r>
               <a:rPr lang="en-US" sz="2400" b="1" dirty="0"/>
-              <a:t>y’</a:t>
-            </a:r>
+              <a:t>”length” of the x’ vector. </a:t>
+            </a:r>
+          </a:p>
+          <a:p>
+            <a:endParaRPr lang="en-US" sz="2400" dirty="0"/>
+          </a:p>
+          <a:p>
             <a:r>
               <a:rPr lang="en-US" sz="2400" dirty="0"/>
-              <a:t> is: </a:t>
-            </a:r>
-          </a:p>
-          <a:p>
-            <a:endParaRPr lang="en-US" sz="2400" dirty="0"/>
-          </a:p>
-          <a:p>
-            <a:pPr marL="457200" indent="-457200">
-              <a:buAutoNum type="arabicParenBoth"/>
-            </a:pPr>
+              <a:t>It is equal to the </a:t>
+            </a:r>
+            <a:r>
+              <a:rPr lang="en-US" sz="2400" b="1" dirty="0"/>
+              <a:t>variance (</a:t>
+            </a:r>
+            <a:r>
+              <a:rPr lang="en-US" sz="2400" b="1" dirty="0">
+                <a:latin typeface="Symbol" pitchFamily="2" charset="2"/>
+              </a:rPr>
+              <a:t>s</a:t>
+            </a:r>
+            <a:r>
+              <a:rPr lang="en-US" sz="2400" b="1" baseline="30000" dirty="0"/>
+              <a:t>2</a:t>
+            </a:r>
+            <a:r>
+              <a:rPr lang="en-US" sz="2400" b="1" dirty="0"/>
+              <a:t> or </a:t>
+            </a:r>
+            <a:r>
+              <a:rPr lang="en-US" sz="2400" b="1" dirty="0" err="1">
+                <a:latin typeface="Symbol" pitchFamily="2" charset="2"/>
+              </a:rPr>
+              <a:t>s</a:t>
+            </a:r>
+            <a:r>
+              <a:rPr lang="en-US" sz="2400" b="1" baseline="-25000" dirty="0" err="1"/>
+              <a:t>xx</a:t>
+            </a:r>
+            <a:r>
+              <a:rPr lang="en-US" sz="2400" b="1" dirty="0"/>
+              <a:t>) </a:t>
+            </a:r>
             <a:r>
               <a:rPr lang="en-US" sz="2400" dirty="0"/>
-              <a:t>the </a:t>
-            </a:r>
-            <a:r>
-              <a:rPr lang="en-US" sz="2400" b="1" dirty="0"/>
-              <a:t>covariance</a:t>
-            </a:r>
-            <a:r>
-              <a:rPr lang="en-US" sz="2400" dirty="0"/>
-              <a:t> of the data contained in vector </a:t>
+              <a:t>of the data contained in vector </a:t>
             </a:r>
             <a:r>
               <a:rPr lang="en-US" sz="2400" b="1" dirty="0"/>
@@ -4506,98 +4442,38 @@
             </a:r>
             <a:r>
               <a:rPr lang="en-US" sz="2400" dirty="0"/>
-              <a:t>and</a:t>
+              <a:t>multiplied by N-1</a:t>
+            </a:r>
+          </a:p>
+          <a:p>
+            <a:endParaRPr lang="en-US" sz="2400" dirty="0"/>
+          </a:p>
+          <a:p>
+            <a:r>
+              <a:rPr lang="en-US" sz="2400" dirty="0"/>
+              <a:t>The “length” |</a:t>
             </a:r>
             <a:r>
               <a:rPr lang="en-US" sz="2400" b="1" dirty="0"/>
-              <a:t> y </a:t>
+              <a:t>x’</a:t>
             </a:r>
             <a:r>
               <a:rPr lang="en-US" sz="2400" dirty="0"/>
-              <a:t>(multiplied by N-1)</a:t>
-            </a:r>
-          </a:p>
-          <a:p>
-            <a:pPr marL="457200" indent="-457200">
-              <a:buAutoNum type="arabicParenBoth"/>
-            </a:pPr>
-            <a:endParaRPr lang="en-US" sz="2400" dirty="0"/>
-          </a:p>
-          <a:p>
-            <a:r>
-              <a:rPr lang="en-US" sz="2400" dirty="0"/>
-              <a:t>(2) the </a:t>
+              <a:t>| is also called the </a:t>
             </a:r>
             <a:r>
               <a:rPr lang="en-US" sz="2400" b="1" dirty="0"/>
-              <a:t>projection</a:t>
-            </a:r>
-            <a:r>
-              <a:rPr lang="en-US" sz="2400" dirty="0"/>
-              <a:t> of </a:t>
-            </a:r>
-            <a:r>
-              <a:rPr lang="en-US" sz="2400" b="1" dirty="0"/>
-              <a:t>x</a:t>
-            </a:r>
-            <a:r>
-              <a:rPr lang="en-US" sz="2400" dirty="0"/>
-              <a:t> onto </a:t>
-            </a:r>
-            <a:r>
-              <a:rPr lang="en-US" sz="2400" b="1" dirty="0"/>
-              <a:t>y </a:t>
-            </a:r>
-            <a:r>
-              <a:rPr lang="en-US" sz="2400" dirty="0"/>
-              <a:t>(multiplied by |</a:t>
-            </a:r>
-            <a:r>
-              <a:rPr lang="en-US" sz="2400" b="1" dirty="0"/>
-              <a:t>y’</a:t>
-            </a:r>
-            <a:r>
-              <a:rPr lang="en-US" sz="2400" dirty="0"/>
-              <a:t>|)</a:t>
-            </a:r>
-          </a:p>
-          <a:p>
-            <a:endParaRPr lang="en-US" sz="2400" dirty="0"/>
-          </a:p>
-          <a:p>
-            <a:r>
-              <a:rPr lang="en-US" sz="2400" dirty="0"/>
-              <a:t>(3) Proportional to the </a:t>
-            </a:r>
-            <a:r>
-              <a:rPr lang="en-US" sz="2400" b="1" dirty="0"/>
-              <a:t>correlation</a:t>
-            </a:r>
-            <a:r>
-              <a:rPr lang="en-US" sz="2400" dirty="0"/>
-              <a:t> between </a:t>
-            </a:r>
-            <a:r>
-              <a:rPr lang="en-US" sz="2400" b="1" dirty="0"/>
-              <a:t>x</a:t>
-            </a:r>
-            <a:r>
-              <a:rPr lang="en-US" sz="2400" dirty="0"/>
-              <a:t> and </a:t>
-            </a:r>
-            <a:r>
-              <a:rPr lang="en-US" sz="2400" b="1" dirty="0"/>
-              <a:t>y</a:t>
+              <a:t>L2 norm</a:t>
             </a:r>
           </a:p>
         </p:txBody>
       </p:sp>
       <p:pic>
         <p:nvPicPr>
-          <p:cNvPr id="3" name="Picture 2">
-            <a:extLst>
-              <a:ext uri="{FF2B5EF4-FFF2-40B4-BE49-F238E27FC236}">
-                <a16:creationId xmlns:a16="http://schemas.microsoft.com/office/drawing/2014/main" id="{190DEA06-91F0-DD4E-817D-157EBD5BDD71}"/>
+          <p:cNvPr id="9" name="Picture 8">
+            <a:extLst>
+              <a:ext uri="{FF2B5EF4-FFF2-40B4-BE49-F238E27FC236}">
+                <a16:creationId xmlns:a16="http://schemas.microsoft.com/office/drawing/2014/main" id="{1C3A3FCA-DDA0-FE4F-82ED-FDAF5B3F08C8}"/>
               </a:ext>
             </a:extLst>
           </p:cNvPr>
@@ -4614,8 +4490,8 @@
         </p:blipFill>
         <p:spPr>
           <a:xfrm>
-            <a:off x="1456790" y="2322245"/>
-            <a:ext cx="5867400" cy="508000"/>
+            <a:off x="1308100" y="2141235"/>
+            <a:ext cx="9575800" cy="520700"/>
           </a:xfrm>
           <a:prstGeom prst="rect">
             <a:avLst/>
@@ -4625,7 +4501,7 @@
     </p:spTree>
     <p:extLst>
       <p:ext uri="{BB962C8B-B14F-4D97-AF65-F5344CB8AC3E}">
-        <p14:creationId xmlns:p14="http://schemas.microsoft.com/office/powerpoint/2010/main" val="3905130896"/>
+        <p14:creationId xmlns:p14="http://schemas.microsoft.com/office/powerpoint/2010/main" val="3699537249"/>
       </p:ext>
     </p:extLst>
   </p:cSld>
@@ -4695,7 +4571,7 @@
         <p:spPr>
           <a:xfrm>
             <a:off x="1240604" y="3461802"/>
-            <a:ext cx="10113196" cy="2308324"/>
+            <a:ext cx="10113196" cy="2677656"/>
           </a:xfrm>
           <a:prstGeom prst="rect">
             <a:avLst/>
@@ -4811,6 +4687,32 @@
           </a:p>
           <a:p>
             <a:endParaRPr lang="en-US" sz="2400" dirty="0"/>
+          </a:p>
+          <a:p>
+            <a:r>
+              <a:rPr lang="en-US" sz="2400" dirty="0"/>
+              <a:t>(3) Proportional to the </a:t>
+            </a:r>
+            <a:r>
+              <a:rPr lang="en-US" sz="2400" b="1" dirty="0"/>
+              <a:t>correlation</a:t>
+            </a:r>
+            <a:r>
+              <a:rPr lang="en-US" sz="2400" dirty="0"/>
+              <a:t> between </a:t>
+            </a:r>
+            <a:r>
+              <a:rPr lang="en-US" sz="2400" b="1" dirty="0"/>
+              <a:t>x</a:t>
+            </a:r>
+            <a:r>
+              <a:rPr lang="en-US" sz="2400" dirty="0"/>
+              <a:t> and </a:t>
+            </a:r>
+            <a:r>
+              <a:rPr lang="en-US" sz="2400" b="1" dirty="0"/>
+              <a:t>y</a:t>
+            </a:r>
           </a:p>
         </p:txBody>
       </p:sp>
@@ -4847,7 +4749,7 @@
     </p:spTree>
     <p:extLst>
       <p:ext uri="{BB962C8B-B14F-4D97-AF65-F5344CB8AC3E}">
-        <p14:creationId xmlns:p14="http://schemas.microsoft.com/office/powerpoint/2010/main" val="3664549438"/>
+        <p14:creationId xmlns:p14="http://schemas.microsoft.com/office/powerpoint/2010/main" val="3905130896"/>
       </p:ext>
     </p:extLst>
   </p:cSld>
@@ -4879,7 +4781,7 @@
           <p:cNvPr id="2" name="Title 1">
             <a:extLst>
               <a:ext uri="{FF2B5EF4-FFF2-40B4-BE49-F238E27FC236}">
-                <a16:creationId xmlns:a16="http://schemas.microsoft.com/office/drawing/2014/main" id="{54A2FE5B-4E65-514A-B561-4D65EB41C6D6}"/>
+                <a16:creationId xmlns:a16="http://schemas.microsoft.com/office/drawing/2014/main" id="{F797BC71-2A28-424B-982C-10D2454404C4}"/>
               </a:ext>
             </a:extLst>
           </p:cNvPr>
@@ -4897,17 +4799,151 @@
           <a:p>
             <a:r>
               <a:rPr lang="en-US" dirty="0"/>
-              <a:t>Matrix-vector product and </a:t>
-            </a:r>
+              <a:t>Inner product and (co)variance</a:t>
+            </a:r>
+          </a:p>
+        </p:txBody>
+      </p:sp>
+      <p:sp>
+        <p:nvSpPr>
+          <p:cNvPr id="5" name="TextBox 4">
+            <a:extLst>
+              <a:ext uri="{FF2B5EF4-FFF2-40B4-BE49-F238E27FC236}">
+                <a16:creationId xmlns:a16="http://schemas.microsoft.com/office/drawing/2014/main" id="{404127EB-2BE2-B845-B20A-2B64848A593A}"/>
+              </a:ext>
+            </a:extLst>
+          </p:cNvPr>
+          <p:cNvSpPr txBox="1"/>
+          <p:nvPr/>
+        </p:nvSpPr>
+        <p:spPr>
+          <a:xfrm>
+            <a:off x="1240604" y="3461802"/>
+            <a:ext cx="10113196" cy="2308324"/>
+          </a:xfrm>
+          <a:prstGeom prst="rect">
+            <a:avLst/>
+          </a:prstGeom>
+          <a:noFill/>
+        </p:spPr>
+        <p:txBody>
+          <a:bodyPr wrap="square" rtlCol="0">
+            <a:spAutoFit/>
+          </a:bodyPr>
+          <a:lstStyle/>
+          <a:p>
+            <a:r>
+              <a:rPr lang="en-US" sz="2400" dirty="0"/>
+              <a:t>Inner product of </a:t>
+            </a:r>
+            <a:r>
+              <a:rPr lang="en-US" sz="2400" b="1" dirty="0"/>
+              <a:t>x’ </a:t>
+            </a:r>
+            <a:r>
+              <a:rPr lang="en-US" sz="2400" dirty="0"/>
+              <a:t>and </a:t>
+            </a:r>
+            <a:r>
+              <a:rPr lang="en-US" sz="2400" b="1" dirty="0"/>
+              <a:t>y’</a:t>
+            </a:r>
+            <a:r>
+              <a:rPr lang="en-US" sz="2400" dirty="0"/>
+              <a:t> is: </a:t>
+            </a:r>
+          </a:p>
+          <a:p>
+            <a:endParaRPr lang="en-US" sz="2400" dirty="0"/>
+          </a:p>
+          <a:p>
+            <a:pPr marL="457200" indent="-457200">
+              <a:buAutoNum type="arabicParenBoth"/>
+            </a:pPr>
+            <a:r>
+              <a:rPr lang="en-US" sz="2400" dirty="0"/>
+              <a:t>the </a:t>
+            </a:r>
+            <a:r>
+              <a:rPr lang="en-US" sz="2400" b="1" dirty="0"/>
+              <a:t>covariance</a:t>
+            </a:r>
+            <a:r>
+              <a:rPr lang="en-US" sz="2400" dirty="0"/>
+              <a:t> of the data contained in vector </a:t>
+            </a:r>
+            <a:r>
+              <a:rPr lang="en-US" sz="2400" b="1" dirty="0"/>
+              <a:t>x </a:t>
+            </a:r>
+            <a:r>
+              <a:rPr lang="en-US" sz="2400" dirty="0"/>
+              <a:t>and</a:t>
+            </a:r>
+            <a:r>
+              <a:rPr lang="en-US" sz="2400" b="1" dirty="0"/>
+              <a:t> y </a:t>
+            </a:r>
+            <a:r>
+              <a:rPr lang="en-US" sz="2400" dirty="0"/>
+              <a:t>(multiplied by N-1)</a:t>
+            </a:r>
+          </a:p>
+          <a:p>
+            <a:pPr marL="457200" indent="-457200">
+              <a:buAutoNum type="arabicParenBoth"/>
+            </a:pPr>
+            <a:endParaRPr lang="en-US" sz="2400" dirty="0"/>
+          </a:p>
+          <a:p>
+            <a:r>
+              <a:rPr lang="en-US" sz="2400" dirty="0"/>
+              <a:t>(2) the </a:t>
+            </a:r>
+            <a:r>
+              <a:rPr lang="en-US" sz="2400" b="1" dirty="0"/>
+              <a:t>projection</a:t>
+            </a:r>
+            <a:r>
+              <a:rPr lang="en-US" sz="2400" dirty="0"/>
+              <a:t> of </a:t>
+            </a:r>
+            <a:r>
+              <a:rPr lang="en-US" sz="2400" b="1" dirty="0"/>
+              <a:t>x</a:t>
+            </a:r>
+            <a:r>
+              <a:rPr lang="en-US" sz="2400" dirty="0"/>
+              <a:t> onto </a:t>
+            </a:r>
+            <a:r>
+              <a:rPr lang="en-US" sz="2400" b="1" dirty="0"/>
+              <a:t>y </a:t>
+            </a:r>
+            <a:r>
+              <a:rPr lang="en-US" sz="2400" dirty="0"/>
+              <a:t>(multiplied by |</a:t>
+            </a:r>
+            <a:r>
+              <a:rPr lang="en-US" sz="2400" b="1" dirty="0"/>
+              <a:t>y’</a:t>
+            </a:r>
+            <a:r>
+              <a:rPr lang="en-US" sz="2400" dirty="0"/>
+              <a:t>|)</a:t>
+            </a:r>
+          </a:p>
+          <a:p>
+            <a:endParaRPr lang="en-US" sz="2400" dirty="0"/>
           </a:p>
         </p:txBody>
       </p:sp>
       <p:pic>
         <p:nvPicPr>
-          <p:cNvPr id="4" name="Picture 3">
-            <a:extLst>
-              <a:ext uri="{FF2B5EF4-FFF2-40B4-BE49-F238E27FC236}">
-                <a16:creationId xmlns:a16="http://schemas.microsoft.com/office/drawing/2014/main" id="{EE5C3723-3AE6-B343-A541-4657E9E3D272}"/>
+          <p:cNvPr id="3" name="Picture 2">
+            <a:extLst>
+              <a:ext uri="{FF2B5EF4-FFF2-40B4-BE49-F238E27FC236}">
+                <a16:creationId xmlns:a16="http://schemas.microsoft.com/office/drawing/2014/main" id="{190DEA06-91F0-DD4E-817D-157EBD5BDD71}"/>
               </a:ext>
             </a:extLst>
           </p:cNvPr>
@@ -4924,223 +4960,18 @@
         </p:blipFill>
         <p:spPr>
           <a:xfrm>
-            <a:off x="7176997" y="791489"/>
-            <a:ext cx="2200497" cy="472834"/>
+            <a:off x="1456790" y="2322245"/>
+            <a:ext cx="5867400" cy="508000"/>
           </a:xfrm>
           <a:prstGeom prst="rect">
             <a:avLst/>
           </a:prstGeom>
         </p:spPr>
       </p:pic>
-      <p:sp>
-        <p:nvSpPr>
-          <p:cNvPr id="5" name="TextBox 4">
-            <a:extLst>
-              <a:ext uri="{FF2B5EF4-FFF2-40B4-BE49-F238E27FC236}">
-                <a16:creationId xmlns:a16="http://schemas.microsoft.com/office/drawing/2014/main" id="{02721168-5878-DA4A-A4E3-4D1863AAFC0B}"/>
-              </a:ext>
-            </a:extLst>
-          </p:cNvPr>
-          <p:cNvSpPr txBox="1"/>
-          <p:nvPr/>
-        </p:nvSpPr>
-        <p:spPr>
-          <a:xfrm>
-            <a:off x="1150706" y="1839074"/>
-            <a:ext cx="5835721" cy="461665"/>
-          </a:xfrm>
-          <a:prstGeom prst="rect">
-            <a:avLst/>
-          </a:prstGeom>
-          <a:noFill/>
-        </p:spPr>
-        <p:txBody>
-          <a:bodyPr wrap="square" rtlCol="0">
-            <a:spAutoFit/>
-          </a:bodyPr>
-          <a:lstStyle/>
-          <a:p>
-            <a:r>
-              <a:rPr lang="en-US" sz="2400" dirty="0"/>
-              <a:t>A (2 x 2) example</a:t>
-            </a:r>
-          </a:p>
-        </p:txBody>
-      </p:sp>
-      <p:pic>
-        <p:nvPicPr>
-          <p:cNvPr id="6" name="Picture 5">
-            <a:extLst>
-              <a:ext uri="{FF2B5EF4-FFF2-40B4-BE49-F238E27FC236}">
-                <a16:creationId xmlns:a16="http://schemas.microsoft.com/office/drawing/2014/main" id="{1CBEE1DF-BDAF-E24F-8DF2-E4CC502DA876}"/>
-              </a:ext>
-            </a:extLst>
-          </p:cNvPr>
-          <p:cNvPicPr>
-            <a:picLocks noChangeAspect="1"/>
-          </p:cNvPicPr>
-          <p:nvPr/>
-        </p:nvPicPr>
-        <p:blipFill>
-          <a:blip r:embed="rId3"/>
-          <a:stretch>
-            <a:fillRect/>
-          </a:stretch>
-        </p:blipFill>
-        <p:spPr>
-          <a:xfrm>
-            <a:off x="1575372" y="2794356"/>
-            <a:ext cx="3657600" cy="1104900"/>
-          </a:xfrm>
-          <a:prstGeom prst="rect">
-            <a:avLst/>
-          </a:prstGeom>
-        </p:spPr>
-      </p:pic>
-      <p:sp>
-        <p:nvSpPr>
-          <p:cNvPr id="7" name="TextBox 6">
-            <a:extLst>
-              <a:ext uri="{FF2B5EF4-FFF2-40B4-BE49-F238E27FC236}">
-                <a16:creationId xmlns:a16="http://schemas.microsoft.com/office/drawing/2014/main" id="{BA37140D-4E5A-F443-BCFD-DF84EB1CFC1D}"/>
-              </a:ext>
-            </a:extLst>
-          </p:cNvPr>
-          <p:cNvSpPr txBox="1"/>
-          <p:nvPr/>
-        </p:nvSpPr>
-        <p:spPr>
-          <a:xfrm>
-            <a:off x="2157572" y="4095597"/>
-            <a:ext cx="380144" cy="461665"/>
-          </a:xfrm>
-          <a:prstGeom prst="rect">
-            <a:avLst/>
-          </a:prstGeom>
-          <a:noFill/>
-        </p:spPr>
-        <p:txBody>
-          <a:bodyPr wrap="square" rtlCol="0">
-            <a:spAutoFit/>
-          </a:bodyPr>
-          <a:lstStyle/>
-          <a:p>
-            <a:r>
-              <a:rPr lang="en-US" sz="2400" b="1" dirty="0"/>
-              <a:t>A</a:t>
-            </a:r>
-          </a:p>
-        </p:txBody>
-      </p:sp>
-      <p:sp>
-        <p:nvSpPr>
-          <p:cNvPr id="8" name="TextBox 7">
-            <a:extLst>
-              <a:ext uri="{FF2B5EF4-FFF2-40B4-BE49-F238E27FC236}">
-                <a16:creationId xmlns:a16="http://schemas.microsoft.com/office/drawing/2014/main" id="{597551E1-585F-E94D-9ED4-A9D5E4C6BA38}"/>
-              </a:ext>
-            </a:extLst>
-          </p:cNvPr>
-          <p:cNvSpPr txBox="1"/>
-          <p:nvPr/>
-        </p:nvSpPr>
-        <p:spPr>
-          <a:xfrm>
-            <a:off x="3501775" y="4095596"/>
-            <a:ext cx="380144" cy="461665"/>
-          </a:xfrm>
-          <a:prstGeom prst="rect">
-            <a:avLst/>
-          </a:prstGeom>
-          <a:noFill/>
-        </p:spPr>
-        <p:txBody>
-          <a:bodyPr wrap="square" rtlCol="0">
-            <a:spAutoFit/>
-          </a:bodyPr>
-          <a:lstStyle/>
-          <a:p>
-            <a:r>
-              <a:rPr lang="en-US" sz="2400" b="1" dirty="0"/>
-              <a:t>x</a:t>
-            </a:r>
-          </a:p>
-        </p:txBody>
-      </p:sp>
-      <p:sp>
-        <p:nvSpPr>
-          <p:cNvPr id="9" name="TextBox 8">
-            <a:extLst>
-              <a:ext uri="{FF2B5EF4-FFF2-40B4-BE49-F238E27FC236}">
-                <a16:creationId xmlns:a16="http://schemas.microsoft.com/office/drawing/2014/main" id="{293160A4-F675-894F-B653-1E0655A7AACC}"/>
-              </a:ext>
-            </a:extLst>
-          </p:cNvPr>
-          <p:cNvSpPr txBox="1"/>
-          <p:nvPr/>
-        </p:nvSpPr>
-        <p:spPr>
-          <a:xfrm>
-            <a:off x="4794606" y="4095596"/>
-            <a:ext cx="380144" cy="461665"/>
-          </a:xfrm>
-          <a:prstGeom prst="rect">
-            <a:avLst/>
-          </a:prstGeom>
-          <a:noFill/>
-        </p:spPr>
-        <p:txBody>
-          <a:bodyPr wrap="square" rtlCol="0">
-            <a:spAutoFit/>
-          </a:bodyPr>
-          <a:lstStyle/>
-          <a:p>
-            <a:r>
-              <a:rPr lang="en-US" sz="2400" b="1" dirty="0"/>
-              <a:t>b</a:t>
-            </a:r>
-          </a:p>
-        </p:txBody>
-      </p:sp>
-      <p:sp>
-        <p:nvSpPr>
-          <p:cNvPr id="10" name="TextBox 9">
-            <a:extLst>
-              <a:ext uri="{FF2B5EF4-FFF2-40B4-BE49-F238E27FC236}">
-                <a16:creationId xmlns:a16="http://schemas.microsoft.com/office/drawing/2014/main" id="{19453A70-4C4F-4841-A335-FA064A55BB84}"/>
-              </a:ext>
-            </a:extLst>
-          </p:cNvPr>
-          <p:cNvSpPr txBox="1"/>
-          <p:nvPr/>
-        </p:nvSpPr>
-        <p:spPr>
-          <a:xfrm>
-            <a:off x="4148190" y="4095595"/>
-            <a:ext cx="380144" cy="461665"/>
-          </a:xfrm>
-          <a:prstGeom prst="rect">
-            <a:avLst/>
-          </a:prstGeom>
-          <a:noFill/>
-        </p:spPr>
-        <p:txBody>
-          <a:bodyPr wrap="square" rtlCol="0">
-            <a:spAutoFit/>
-          </a:bodyPr>
-          <a:lstStyle/>
-          <a:p>
-            <a:r>
-              <a:rPr lang="en-US" sz="2400" dirty="0"/>
-              <a:t>=</a:t>
-            </a:r>
-          </a:p>
-        </p:txBody>
-      </p:sp>
     </p:spTree>
     <p:extLst>
       <p:ext uri="{BB962C8B-B14F-4D97-AF65-F5344CB8AC3E}">
-        <p14:creationId xmlns:p14="http://schemas.microsoft.com/office/powerpoint/2010/main" val="1645855680"/>
+        <p14:creationId xmlns:p14="http://schemas.microsoft.com/office/powerpoint/2010/main" val="3664549438"/>
       </p:ext>
     </p:extLst>
   </p:cSld>
@@ -5430,149 +5261,10 @@
           </a:p>
         </p:txBody>
       </p:sp>
-      <p:sp>
-        <p:nvSpPr>
-          <p:cNvPr id="3" name="TextBox 2">
-            <a:extLst>
-              <a:ext uri="{FF2B5EF4-FFF2-40B4-BE49-F238E27FC236}">
-                <a16:creationId xmlns:a16="http://schemas.microsoft.com/office/drawing/2014/main" id="{F9E4858D-D345-5F4F-BAA1-F1E088CA2CD3}"/>
-              </a:ext>
-            </a:extLst>
-          </p:cNvPr>
-          <p:cNvSpPr txBox="1"/>
-          <p:nvPr/>
-        </p:nvSpPr>
-        <p:spPr>
-          <a:xfrm>
-            <a:off x="1150707" y="4753599"/>
-            <a:ext cx="3524036" cy="1200329"/>
-          </a:xfrm>
-          <a:prstGeom prst="rect">
-            <a:avLst/>
-          </a:prstGeom>
-          <a:noFill/>
-        </p:spPr>
-        <p:txBody>
-          <a:bodyPr wrap="square" rtlCol="0">
-            <a:spAutoFit/>
-          </a:bodyPr>
-          <a:lstStyle/>
-          <a:p>
-            <a:r>
-              <a:rPr lang="en-US" sz="2400" dirty="0"/>
-              <a:t>The “row” point of view:</a:t>
-            </a:r>
-          </a:p>
-          <a:p>
-            <a:endParaRPr lang="en-US" sz="2400" dirty="0"/>
-          </a:p>
-          <a:p>
-            <a:r>
-              <a:rPr lang="en-US" sz="2400" b="1" i="1" dirty="0"/>
-              <a:t>Inner products </a:t>
-            </a:r>
-          </a:p>
-        </p:txBody>
-      </p:sp>
-      <p:pic>
-        <p:nvPicPr>
-          <p:cNvPr id="11" name="Picture 10">
-            <a:extLst>
-              <a:ext uri="{FF2B5EF4-FFF2-40B4-BE49-F238E27FC236}">
-                <a16:creationId xmlns:a16="http://schemas.microsoft.com/office/drawing/2014/main" id="{EBE0C3AA-6D67-CF46-9096-7626ED16260B}"/>
-              </a:ext>
-            </a:extLst>
-          </p:cNvPr>
-          <p:cNvPicPr>
-            <a:picLocks noChangeAspect="1"/>
-          </p:cNvPicPr>
-          <p:nvPr/>
-        </p:nvPicPr>
-        <p:blipFill>
-          <a:blip r:embed="rId4"/>
-          <a:stretch>
-            <a:fillRect/>
-          </a:stretch>
-        </p:blipFill>
-        <p:spPr>
-          <a:xfrm>
-            <a:off x="4794606" y="4792127"/>
-            <a:ext cx="1879600" cy="406400"/>
-          </a:xfrm>
-          <a:prstGeom prst="rect">
-            <a:avLst/>
-          </a:prstGeom>
-        </p:spPr>
-      </p:pic>
-      <p:pic>
-        <p:nvPicPr>
-          <p:cNvPr id="12" name="Picture 11">
-            <a:extLst>
-              <a:ext uri="{FF2B5EF4-FFF2-40B4-BE49-F238E27FC236}">
-                <a16:creationId xmlns:a16="http://schemas.microsoft.com/office/drawing/2014/main" id="{235BF98B-0787-2449-AE4B-C78B7FB4BFF3}"/>
-              </a:ext>
-            </a:extLst>
-          </p:cNvPr>
-          <p:cNvPicPr>
-            <a:picLocks noChangeAspect="1"/>
-          </p:cNvPicPr>
-          <p:nvPr/>
-        </p:nvPicPr>
-        <p:blipFill>
-          <a:blip r:embed="rId5"/>
-          <a:stretch>
-            <a:fillRect/>
-          </a:stretch>
-        </p:blipFill>
-        <p:spPr>
-          <a:xfrm>
-            <a:off x="4794606" y="5659487"/>
-            <a:ext cx="1866900" cy="406400"/>
-          </a:xfrm>
-          <a:prstGeom prst="rect">
-            <a:avLst/>
-          </a:prstGeom>
-        </p:spPr>
-      </p:pic>
-      <p:sp>
-        <p:nvSpPr>
-          <p:cNvPr id="15" name="TextBox 14">
-            <a:extLst>
-              <a:ext uri="{FF2B5EF4-FFF2-40B4-BE49-F238E27FC236}">
-                <a16:creationId xmlns:a16="http://schemas.microsoft.com/office/drawing/2014/main" id="{D802B1EA-0329-CF4E-9F43-FB23755B237C}"/>
-              </a:ext>
-            </a:extLst>
-          </p:cNvPr>
-          <p:cNvSpPr txBox="1"/>
-          <p:nvPr/>
-        </p:nvSpPr>
-        <p:spPr>
-          <a:xfrm>
-            <a:off x="6986427" y="2373330"/>
-            <a:ext cx="4448710" cy="1200329"/>
-          </a:xfrm>
-          <a:prstGeom prst="rect">
-            <a:avLst/>
-          </a:prstGeom>
-          <a:noFill/>
-        </p:spPr>
-        <p:txBody>
-          <a:bodyPr wrap="square" rtlCol="0">
-            <a:spAutoFit/>
-          </a:bodyPr>
-          <a:lstStyle/>
-          <a:p>
-            <a:r>
-              <a:rPr lang="en-US" sz="2400" dirty="0"/>
-              <a:t>Matrix-vector product is essentially a collection of inner products, i.e. (rows) x (column)</a:t>
-            </a:r>
-          </a:p>
-        </p:txBody>
-      </p:sp>
     </p:spTree>
     <p:extLst>
       <p:ext uri="{BB962C8B-B14F-4D97-AF65-F5344CB8AC3E}">
-        <p14:creationId xmlns:p14="http://schemas.microsoft.com/office/powerpoint/2010/main" val="2132552336"/>
+        <p14:creationId xmlns:p14="http://schemas.microsoft.com/office/powerpoint/2010/main" val="1645855680"/>
       </p:ext>
     </p:extLst>
   </p:cSld>
@@ -5901,7 +5593,7 @@
           <a:p>
             <a:r>
               <a:rPr lang="en-US" sz="2400" b="1" i="1" dirty="0"/>
-              <a:t>Intersection of two lines </a:t>
+              <a:t>Inner products </a:t>
             </a:r>
           </a:p>
         </p:txBody>
@@ -5968,282 +5660,10 @@
       </p:pic>
       <p:sp>
         <p:nvSpPr>
-          <p:cNvPr id="13" name="Rectangle 12">
-            <a:extLst>
-              <a:ext uri="{FF2B5EF4-FFF2-40B4-BE49-F238E27FC236}">
-                <a16:creationId xmlns:a16="http://schemas.microsoft.com/office/drawing/2014/main" id="{DDAE5A61-ADD0-9E48-B4E9-26CCA236763A}"/>
-              </a:ext>
-            </a:extLst>
-          </p:cNvPr>
-          <p:cNvSpPr/>
-          <p:nvPr/>
-        </p:nvSpPr>
-        <p:spPr>
-          <a:xfrm>
-            <a:off x="4528334" y="4733051"/>
-            <a:ext cx="2458093" cy="537592"/>
-          </a:xfrm>
-          <a:prstGeom prst="rect">
-            <a:avLst/>
-          </a:prstGeom>
-          <a:noFill/>
-          <a:ln>
-            <a:solidFill>
-              <a:srgbClr val="FF0000"/>
-            </a:solidFill>
-          </a:ln>
-        </p:spPr>
-        <p:style>
-          <a:lnRef idx="2">
-            <a:schemeClr val="accent1">
-              <a:shade val="50000"/>
-            </a:schemeClr>
-          </a:lnRef>
-          <a:fillRef idx="1">
-            <a:schemeClr val="accent1"/>
-          </a:fillRef>
-          <a:effectRef idx="0">
-            <a:schemeClr val="accent1"/>
-          </a:effectRef>
-          <a:fontRef idx="minor">
-            <a:schemeClr val="lt1"/>
-          </a:fontRef>
-        </p:style>
-        <p:txBody>
-          <a:bodyPr rtlCol="0" anchor="ctr"/>
-          <a:lstStyle/>
-          <a:p>
-            <a:pPr algn="ctr"/>
-            <a:endParaRPr lang="en-US"/>
-          </a:p>
-        </p:txBody>
-      </p:sp>
-      <p:sp>
-        <p:nvSpPr>
-          <p:cNvPr id="14" name="Rectangle 13">
-            <a:extLst>
-              <a:ext uri="{FF2B5EF4-FFF2-40B4-BE49-F238E27FC236}">
-                <a16:creationId xmlns:a16="http://schemas.microsoft.com/office/drawing/2014/main" id="{DA92F2F4-E738-6B4C-B8A0-FCC3AD460B29}"/>
-              </a:ext>
-            </a:extLst>
-          </p:cNvPr>
-          <p:cNvSpPr/>
-          <p:nvPr/>
-        </p:nvSpPr>
-        <p:spPr>
-          <a:xfrm>
-            <a:off x="4528334" y="5593891"/>
-            <a:ext cx="2458093" cy="537592"/>
-          </a:xfrm>
-          <a:prstGeom prst="rect">
-            <a:avLst/>
-          </a:prstGeom>
-          <a:noFill/>
-          <a:ln>
-            <a:solidFill>
-              <a:schemeClr val="accent1"/>
-            </a:solidFill>
-          </a:ln>
-        </p:spPr>
-        <p:style>
-          <a:lnRef idx="2">
-            <a:schemeClr val="accent1">
-              <a:shade val="50000"/>
-            </a:schemeClr>
-          </a:lnRef>
-          <a:fillRef idx="1">
-            <a:schemeClr val="accent1"/>
-          </a:fillRef>
-          <a:effectRef idx="0">
-            <a:schemeClr val="accent1"/>
-          </a:effectRef>
-          <a:fontRef idx="minor">
-            <a:schemeClr val="lt1"/>
-          </a:fontRef>
-        </p:style>
-        <p:txBody>
-          <a:bodyPr rtlCol="0" anchor="ctr"/>
-          <a:lstStyle/>
-          <a:p>
-            <a:pPr algn="ctr"/>
-            <a:endParaRPr lang="en-US"/>
-          </a:p>
-        </p:txBody>
-      </p:sp>
-      <p:cxnSp>
-        <p:nvCxnSpPr>
-          <p:cNvPr id="16" name="Straight Arrow Connector 15">
-            <a:extLst>
-              <a:ext uri="{FF2B5EF4-FFF2-40B4-BE49-F238E27FC236}">
-                <a16:creationId xmlns:a16="http://schemas.microsoft.com/office/drawing/2014/main" id="{51ADCEC8-5D15-A141-B794-5D314FAA0A24}"/>
-              </a:ext>
-            </a:extLst>
-          </p:cNvPr>
-          <p:cNvCxnSpPr/>
-          <p:nvPr/>
-        </p:nvCxnSpPr>
-        <p:spPr>
-          <a:xfrm>
-            <a:off x="7438490" y="4608172"/>
-            <a:ext cx="4017195" cy="0"/>
-          </a:xfrm>
-          <a:prstGeom prst="straightConnector1">
-            <a:avLst/>
-          </a:prstGeom>
-          <a:ln>
-            <a:solidFill>
-              <a:schemeClr val="tx1"/>
-            </a:solidFill>
-            <a:tailEnd type="triangle"/>
-          </a:ln>
-        </p:spPr>
-        <p:style>
-          <a:lnRef idx="1">
-            <a:schemeClr val="accent1"/>
-          </a:lnRef>
-          <a:fillRef idx="0">
-            <a:schemeClr val="accent1"/>
-          </a:fillRef>
-          <a:effectRef idx="0">
-            <a:schemeClr val="accent1"/>
-          </a:effectRef>
-          <a:fontRef idx="minor">
-            <a:schemeClr val="tx1"/>
-          </a:fontRef>
-        </p:style>
-      </p:cxnSp>
-      <p:cxnSp>
-        <p:nvCxnSpPr>
-          <p:cNvPr id="17" name="Straight Arrow Connector 16">
-            <a:extLst>
-              <a:ext uri="{FF2B5EF4-FFF2-40B4-BE49-F238E27FC236}">
-                <a16:creationId xmlns:a16="http://schemas.microsoft.com/office/drawing/2014/main" id="{E992957B-B2D8-024E-8307-5A7E743CE8D6}"/>
-              </a:ext>
-            </a:extLst>
-          </p:cNvPr>
-          <p:cNvCxnSpPr>
-            <a:cxnSpLocks/>
-          </p:cNvCxnSpPr>
-          <p:nvPr/>
-        </p:nvCxnSpPr>
-        <p:spPr>
-          <a:xfrm flipV="1">
-            <a:off x="8414535" y="2399603"/>
-            <a:ext cx="0" cy="3062913"/>
-          </a:xfrm>
-          <a:prstGeom prst="straightConnector1">
-            <a:avLst/>
-          </a:prstGeom>
-          <a:ln>
-            <a:solidFill>
-              <a:schemeClr val="tx1"/>
-            </a:solidFill>
-            <a:tailEnd type="triangle"/>
-          </a:ln>
-        </p:spPr>
-        <p:style>
-          <a:lnRef idx="1">
-            <a:schemeClr val="accent1"/>
-          </a:lnRef>
-          <a:fillRef idx="0">
-            <a:schemeClr val="accent1"/>
-          </a:fillRef>
-          <a:effectRef idx="0">
-            <a:schemeClr val="accent1"/>
-          </a:effectRef>
-          <a:fontRef idx="minor">
-            <a:schemeClr val="tx1"/>
-          </a:fontRef>
-        </p:style>
-      </p:cxnSp>
-      <p:cxnSp>
-        <p:nvCxnSpPr>
-          <p:cNvPr id="21" name="Straight Connector 20">
-            <a:extLst>
-              <a:ext uri="{FF2B5EF4-FFF2-40B4-BE49-F238E27FC236}">
-                <a16:creationId xmlns:a16="http://schemas.microsoft.com/office/drawing/2014/main" id="{517BA0D0-7AC6-6B40-92AD-52287A34A813}"/>
-              </a:ext>
-            </a:extLst>
-          </p:cNvPr>
-          <p:cNvCxnSpPr/>
-          <p:nvPr/>
-        </p:nvCxnSpPr>
-        <p:spPr>
-          <a:xfrm flipV="1">
-            <a:off x="7941924" y="2547990"/>
-            <a:ext cx="2691829" cy="2487353"/>
-          </a:xfrm>
-          <a:prstGeom prst="line">
-            <a:avLst/>
-          </a:prstGeom>
-          <a:ln w="28575">
-            <a:solidFill>
-              <a:srgbClr val="FF0000"/>
-            </a:solidFill>
-          </a:ln>
-        </p:spPr>
-        <p:style>
-          <a:lnRef idx="1">
-            <a:schemeClr val="accent1"/>
-          </a:lnRef>
-          <a:fillRef idx="0">
-            <a:schemeClr val="accent1"/>
-          </a:fillRef>
-          <a:effectRef idx="0">
-            <a:schemeClr val="accent1"/>
-          </a:effectRef>
-          <a:fontRef idx="minor">
-            <a:schemeClr val="tx1"/>
-          </a:fontRef>
-        </p:style>
-      </p:cxnSp>
-      <p:cxnSp>
-        <p:nvCxnSpPr>
-          <p:cNvPr id="23" name="Straight Connector 22">
-            <a:extLst>
-              <a:ext uri="{FF2B5EF4-FFF2-40B4-BE49-F238E27FC236}">
-                <a16:creationId xmlns:a16="http://schemas.microsoft.com/office/drawing/2014/main" id="{455AEDFE-5271-4446-B247-3C9DDF786094}"/>
-              </a:ext>
-            </a:extLst>
-          </p:cNvPr>
-          <p:cNvCxnSpPr/>
-          <p:nvPr/>
-        </p:nvCxnSpPr>
-        <p:spPr>
-          <a:xfrm>
-            <a:off x="7777537" y="2650732"/>
-            <a:ext cx="3421294" cy="2615444"/>
-          </a:xfrm>
-          <a:prstGeom prst="line">
-            <a:avLst/>
-          </a:prstGeom>
-          <a:ln w="28575">
-            <a:solidFill>
-              <a:schemeClr val="accent1"/>
-            </a:solidFill>
-          </a:ln>
-        </p:spPr>
-        <p:style>
-          <a:lnRef idx="1">
-            <a:schemeClr val="accent1"/>
-          </a:lnRef>
-          <a:fillRef idx="0">
-            <a:schemeClr val="accent1"/>
-          </a:fillRef>
-          <a:effectRef idx="0">
-            <a:schemeClr val="accent1"/>
-          </a:effectRef>
-          <a:fontRef idx="minor">
-            <a:schemeClr val="tx1"/>
-          </a:fontRef>
-        </p:style>
-      </p:cxnSp>
-      <p:sp>
-        <p:nvSpPr>
-          <p:cNvPr id="24" name="TextBox 23">
-            <a:extLst>
-              <a:ext uri="{FF2B5EF4-FFF2-40B4-BE49-F238E27FC236}">
-                <a16:creationId xmlns:a16="http://schemas.microsoft.com/office/drawing/2014/main" id="{D9D5C588-B75D-2C49-A2D3-F64E5A119D68}"/>
+          <p:cNvPr id="15" name="TextBox 14">
+            <a:extLst>
+              <a:ext uri="{FF2B5EF4-FFF2-40B4-BE49-F238E27FC236}">
+                <a16:creationId xmlns:a16="http://schemas.microsoft.com/office/drawing/2014/main" id="{D802B1EA-0329-CF4E-9F43-FB23755B237C}"/>
               </a:ext>
             </a:extLst>
           </p:cNvPr>
@@ -6252,47 +5672,8 @@
         </p:nvSpPr>
         <p:spPr>
           <a:xfrm>
-            <a:off x="10412628" y="2824989"/>
-            <a:ext cx="503664" cy="369332"/>
-          </a:xfrm>
-          <a:prstGeom prst="rect">
-            <a:avLst/>
-          </a:prstGeom>
-          <a:noFill/>
-        </p:spPr>
-        <p:txBody>
-          <a:bodyPr wrap="none" rtlCol="0">
-            <a:spAutoFit/>
-          </a:bodyPr>
-          <a:lstStyle/>
-          <a:p>
-            <a:r>
-              <a:rPr lang="en-US" dirty="0">
-                <a:solidFill>
-                  <a:srgbClr val="FF0000"/>
-                </a:solidFill>
-              </a:rPr>
-              <a:t>y=x</a:t>
-            </a:r>
-          </a:p>
-        </p:txBody>
-      </p:sp>
-      <p:sp>
-        <p:nvSpPr>
-          <p:cNvPr id="25" name="TextBox 24">
-            <a:extLst>
-              <a:ext uri="{FF2B5EF4-FFF2-40B4-BE49-F238E27FC236}">
-                <a16:creationId xmlns:a16="http://schemas.microsoft.com/office/drawing/2014/main" id="{C6C03B66-F13C-7649-8DA3-C2320C90DAC7}"/>
-              </a:ext>
-            </a:extLst>
-          </p:cNvPr>
-          <p:cNvSpPr txBox="1"/>
-          <p:nvPr/>
-        </p:nvSpPr>
-        <p:spPr>
-          <a:xfrm>
-            <a:off x="9839843" y="4859301"/>
-            <a:ext cx="1145569" cy="369332"/>
+            <a:off x="6986427" y="2373330"/>
+            <a:ext cx="4448710" cy="1200329"/>
           </a:xfrm>
           <a:prstGeom prst="rect">
             <a:avLst/>
@@ -6306,75 +5687,16 @@
           <a:lstStyle/>
           <a:p>
             <a:r>
-              <a:rPr lang="en-US" dirty="0">
-                <a:solidFill>
-                  <a:schemeClr val="accent1"/>
-                </a:solidFill>
-              </a:rPr>
-              <a:t>y=-x+2</a:t>
-            </a:r>
-          </a:p>
-        </p:txBody>
-      </p:sp>
-      <p:sp>
-        <p:nvSpPr>
-          <p:cNvPr id="26" name="Rectangle 25">
-            <a:extLst>
-              <a:ext uri="{FF2B5EF4-FFF2-40B4-BE49-F238E27FC236}">
-                <a16:creationId xmlns:a16="http://schemas.microsoft.com/office/drawing/2014/main" id="{D8A92C5F-BE72-EF40-B4A2-38CCD6B90900}"/>
-              </a:ext>
-            </a:extLst>
-          </p:cNvPr>
-          <p:cNvSpPr/>
-          <p:nvPr/>
-        </p:nvSpPr>
-        <p:spPr>
-          <a:xfrm>
-            <a:off x="7471648" y="5630762"/>
-            <a:ext cx="3468617" cy="646331"/>
-          </a:xfrm>
-          <a:prstGeom prst="rect">
-            <a:avLst/>
-          </a:prstGeom>
-        </p:spPr>
-        <p:txBody>
-          <a:bodyPr wrap="square">
-            <a:spAutoFit/>
-          </a:bodyPr>
-          <a:lstStyle/>
-          <a:p>
-            <a:r>
-              <a:rPr lang="en-US" dirty="0"/>
-              <a:t>The problem </a:t>
-            </a:r>
-            <a:r>
-              <a:rPr lang="en-US" b="1" dirty="0"/>
-              <a:t>Ax</a:t>
-            </a:r>
-            <a:r>
-              <a:rPr lang="en-US" dirty="0"/>
-              <a:t> = </a:t>
-            </a:r>
-            <a:r>
-              <a:rPr lang="en-US" b="1" dirty="0"/>
-              <a:t>b</a:t>
-            </a:r>
-            <a:r>
-              <a:rPr lang="en-US" dirty="0"/>
-              <a:t> is solvable only if </a:t>
-            </a:r>
-            <a:r>
-              <a:rPr lang="en-US" b="1" dirty="0"/>
-              <a:t>the two lines intersect at a point</a:t>
-            </a:r>
-            <a:endParaRPr lang="en-US" dirty="0"/>
+              <a:rPr lang="en-US" sz="2400" dirty="0"/>
+              <a:t>Matrix-vector product is essentially a collection of inner products, i.e. (rows) x (column)</a:t>
+            </a:r>
           </a:p>
         </p:txBody>
       </p:sp>
     </p:spTree>
     <p:extLst>
       <p:ext uri="{BB962C8B-B14F-4D97-AF65-F5344CB8AC3E}">
-        <p14:creationId xmlns:p14="http://schemas.microsoft.com/office/powerpoint/2010/main" val="1741720741"/>
+        <p14:creationId xmlns:p14="http://schemas.microsoft.com/office/powerpoint/2010/main" val="2132552336"/>
       </p:ext>
     </p:extLst>
   </p:cSld>
@@ -6679,7 +6001,7 @@
         <p:spPr>
           <a:xfrm>
             <a:off x="1150707" y="4753599"/>
-            <a:ext cx="3524036" cy="830997"/>
+            <a:ext cx="3524036" cy="1200329"/>
           </a:xfrm>
           <a:prstGeom prst="rect">
             <a:avLst/>
@@ -6694,8 +6016,181 @@
           <a:p>
             <a:r>
               <a:rPr lang="en-US" sz="2400" dirty="0"/>
-              <a:t>The “column” point of view: </a:t>
-            </a:r>
+              <a:t>The “row” point of view:</a:t>
+            </a:r>
+          </a:p>
+          <a:p>
+            <a:endParaRPr lang="en-US" sz="2400" dirty="0"/>
+          </a:p>
+          <a:p>
+            <a:r>
+              <a:rPr lang="en-US" sz="2400" b="1" i="1" dirty="0"/>
+              <a:t>Intersection of two lines </a:t>
+            </a:r>
+          </a:p>
+        </p:txBody>
+      </p:sp>
+      <p:pic>
+        <p:nvPicPr>
+          <p:cNvPr id="11" name="Picture 10">
+            <a:extLst>
+              <a:ext uri="{FF2B5EF4-FFF2-40B4-BE49-F238E27FC236}">
+                <a16:creationId xmlns:a16="http://schemas.microsoft.com/office/drawing/2014/main" id="{EBE0C3AA-6D67-CF46-9096-7626ED16260B}"/>
+              </a:ext>
+            </a:extLst>
+          </p:cNvPr>
+          <p:cNvPicPr>
+            <a:picLocks noChangeAspect="1"/>
+          </p:cNvPicPr>
+          <p:nvPr/>
+        </p:nvPicPr>
+        <p:blipFill>
+          <a:blip r:embed="rId4"/>
+          <a:stretch>
+            <a:fillRect/>
+          </a:stretch>
+        </p:blipFill>
+        <p:spPr>
+          <a:xfrm>
+            <a:off x="4794606" y="4792127"/>
+            <a:ext cx="1879600" cy="406400"/>
+          </a:xfrm>
+          <a:prstGeom prst="rect">
+            <a:avLst/>
+          </a:prstGeom>
+        </p:spPr>
+      </p:pic>
+      <p:pic>
+        <p:nvPicPr>
+          <p:cNvPr id="12" name="Picture 11">
+            <a:extLst>
+              <a:ext uri="{FF2B5EF4-FFF2-40B4-BE49-F238E27FC236}">
+                <a16:creationId xmlns:a16="http://schemas.microsoft.com/office/drawing/2014/main" id="{235BF98B-0787-2449-AE4B-C78B7FB4BFF3}"/>
+              </a:ext>
+            </a:extLst>
+          </p:cNvPr>
+          <p:cNvPicPr>
+            <a:picLocks noChangeAspect="1"/>
+          </p:cNvPicPr>
+          <p:nvPr/>
+        </p:nvPicPr>
+        <p:blipFill>
+          <a:blip r:embed="rId5"/>
+          <a:stretch>
+            <a:fillRect/>
+          </a:stretch>
+        </p:blipFill>
+        <p:spPr>
+          <a:xfrm>
+            <a:off x="4794606" y="5659487"/>
+            <a:ext cx="1866900" cy="406400"/>
+          </a:xfrm>
+          <a:prstGeom prst="rect">
+            <a:avLst/>
+          </a:prstGeom>
+        </p:spPr>
+      </p:pic>
+      <p:sp>
+        <p:nvSpPr>
+          <p:cNvPr id="13" name="Rectangle 12">
+            <a:extLst>
+              <a:ext uri="{FF2B5EF4-FFF2-40B4-BE49-F238E27FC236}">
+                <a16:creationId xmlns:a16="http://schemas.microsoft.com/office/drawing/2014/main" id="{DDAE5A61-ADD0-9E48-B4E9-26CCA236763A}"/>
+              </a:ext>
+            </a:extLst>
+          </p:cNvPr>
+          <p:cNvSpPr/>
+          <p:nvPr/>
+        </p:nvSpPr>
+        <p:spPr>
+          <a:xfrm>
+            <a:off x="4528334" y="4733051"/>
+            <a:ext cx="2458093" cy="537592"/>
+          </a:xfrm>
+          <a:prstGeom prst="rect">
+            <a:avLst/>
+          </a:prstGeom>
+          <a:noFill/>
+          <a:ln>
+            <a:solidFill>
+              <a:srgbClr val="FF0000"/>
+            </a:solidFill>
+          </a:ln>
+        </p:spPr>
+        <p:style>
+          <a:lnRef idx="2">
+            <a:schemeClr val="accent1">
+              <a:shade val="50000"/>
+            </a:schemeClr>
+          </a:lnRef>
+          <a:fillRef idx="1">
+            <a:schemeClr val="accent1"/>
+          </a:fillRef>
+          <a:effectRef idx="0">
+            <a:schemeClr val="accent1"/>
+          </a:effectRef>
+          <a:fontRef idx="minor">
+            <a:schemeClr val="lt1"/>
+          </a:fontRef>
+        </p:style>
+        <p:txBody>
+          <a:bodyPr rtlCol="0" anchor="ctr"/>
+          <a:lstStyle/>
+          <a:p>
+            <a:pPr algn="ctr"/>
+            <a:endParaRPr lang="en-US"/>
+          </a:p>
+        </p:txBody>
+      </p:sp>
+      <p:sp>
+        <p:nvSpPr>
+          <p:cNvPr id="14" name="Rectangle 13">
+            <a:extLst>
+              <a:ext uri="{FF2B5EF4-FFF2-40B4-BE49-F238E27FC236}">
+                <a16:creationId xmlns:a16="http://schemas.microsoft.com/office/drawing/2014/main" id="{DA92F2F4-E738-6B4C-B8A0-FCC3AD460B29}"/>
+              </a:ext>
+            </a:extLst>
+          </p:cNvPr>
+          <p:cNvSpPr/>
+          <p:nvPr/>
+        </p:nvSpPr>
+        <p:spPr>
+          <a:xfrm>
+            <a:off x="4528334" y="5593891"/>
+            <a:ext cx="2458093" cy="537592"/>
+          </a:xfrm>
+          <a:prstGeom prst="rect">
+            <a:avLst/>
+          </a:prstGeom>
+          <a:noFill/>
+          <a:ln>
+            <a:solidFill>
+              <a:schemeClr val="accent1"/>
+            </a:solidFill>
+          </a:ln>
+        </p:spPr>
+        <p:style>
+          <a:lnRef idx="2">
+            <a:schemeClr val="accent1">
+              <a:shade val="50000"/>
+            </a:schemeClr>
+          </a:lnRef>
+          <a:fillRef idx="1">
+            <a:schemeClr val="accent1"/>
+          </a:fillRef>
+          <a:effectRef idx="0">
+            <a:schemeClr val="accent1"/>
+          </a:effectRef>
+          <a:fontRef idx="minor">
+            <a:schemeClr val="lt1"/>
+          </a:fontRef>
+        </p:style>
+        <p:txBody>
+          <a:bodyPr rtlCol="0" anchor="ctr"/>
+          <a:lstStyle/>
+          <a:p>
+            <a:pPr algn="ctr"/>
+            <a:endParaRPr lang="en-US"/>
           </a:p>
         </p:txBody>
       </p:sp>
@@ -6785,40 +6280,225 @@
           </a:fontRef>
         </p:style>
       </p:cxnSp>
-      <p:pic>
-        <p:nvPicPr>
-          <p:cNvPr id="15" name="Picture 14">
-            <a:extLst>
-              <a:ext uri="{FF2B5EF4-FFF2-40B4-BE49-F238E27FC236}">
-                <a16:creationId xmlns:a16="http://schemas.microsoft.com/office/drawing/2014/main" id="{A3A77988-6A3D-A54A-87F9-86741CCC287D}"/>
-              </a:ext>
-            </a:extLst>
-          </p:cNvPr>
-          <p:cNvPicPr>
-            <a:picLocks noChangeAspect="1"/>
-          </p:cNvPicPr>
-          <p:nvPr/>
-        </p:nvPicPr>
-        <p:blipFill>
-          <a:blip r:embed="rId4"/>
-          <a:stretch>
-            <a:fillRect/>
-          </a:stretch>
-        </p:blipFill>
-        <p:spPr>
-          <a:xfrm>
-            <a:off x="3881919" y="5169097"/>
-            <a:ext cx="4178300" cy="1104900"/>
-          </a:xfrm>
-          <a:prstGeom prst="rect">
-            <a:avLst/>
-          </a:prstGeom>
-        </p:spPr>
-      </p:pic>
+      <p:cxnSp>
+        <p:nvCxnSpPr>
+          <p:cNvPr id="21" name="Straight Connector 20">
+            <a:extLst>
+              <a:ext uri="{FF2B5EF4-FFF2-40B4-BE49-F238E27FC236}">
+                <a16:creationId xmlns:a16="http://schemas.microsoft.com/office/drawing/2014/main" id="{517BA0D0-7AC6-6B40-92AD-52287A34A813}"/>
+              </a:ext>
+            </a:extLst>
+          </p:cNvPr>
+          <p:cNvCxnSpPr/>
+          <p:nvPr/>
+        </p:nvCxnSpPr>
+        <p:spPr>
+          <a:xfrm flipV="1">
+            <a:off x="7941924" y="2547990"/>
+            <a:ext cx="2691829" cy="2487353"/>
+          </a:xfrm>
+          <a:prstGeom prst="line">
+            <a:avLst/>
+          </a:prstGeom>
+          <a:ln w="28575">
+            <a:solidFill>
+              <a:srgbClr val="FF0000"/>
+            </a:solidFill>
+          </a:ln>
+        </p:spPr>
+        <p:style>
+          <a:lnRef idx="1">
+            <a:schemeClr val="accent1"/>
+          </a:lnRef>
+          <a:fillRef idx="0">
+            <a:schemeClr val="accent1"/>
+          </a:fillRef>
+          <a:effectRef idx="0">
+            <a:schemeClr val="accent1"/>
+          </a:effectRef>
+          <a:fontRef idx="minor">
+            <a:schemeClr val="tx1"/>
+          </a:fontRef>
+        </p:style>
+      </p:cxnSp>
+      <p:cxnSp>
+        <p:nvCxnSpPr>
+          <p:cNvPr id="23" name="Straight Connector 22">
+            <a:extLst>
+              <a:ext uri="{FF2B5EF4-FFF2-40B4-BE49-F238E27FC236}">
+                <a16:creationId xmlns:a16="http://schemas.microsoft.com/office/drawing/2014/main" id="{455AEDFE-5271-4446-B247-3C9DDF786094}"/>
+              </a:ext>
+            </a:extLst>
+          </p:cNvPr>
+          <p:cNvCxnSpPr/>
+          <p:nvPr/>
+        </p:nvCxnSpPr>
+        <p:spPr>
+          <a:xfrm>
+            <a:off x="7777537" y="2650732"/>
+            <a:ext cx="3421294" cy="2615444"/>
+          </a:xfrm>
+          <a:prstGeom prst="line">
+            <a:avLst/>
+          </a:prstGeom>
+          <a:ln w="28575">
+            <a:solidFill>
+              <a:schemeClr val="accent1"/>
+            </a:solidFill>
+          </a:ln>
+        </p:spPr>
+        <p:style>
+          <a:lnRef idx="1">
+            <a:schemeClr val="accent1"/>
+          </a:lnRef>
+          <a:fillRef idx="0">
+            <a:schemeClr val="accent1"/>
+          </a:fillRef>
+          <a:effectRef idx="0">
+            <a:schemeClr val="accent1"/>
+          </a:effectRef>
+          <a:fontRef idx="minor">
+            <a:schemeClr val="tx1"/>
+          </a:fontRef>
+        </p:style>
+      </p:cxnSp>
+      <p:sp>
+        <p:nvSpPr>
+          <p:cNvPr id="24" name="TextBox 23">
+            <a:extLst>
+              <a:ext uri="{FF2B5EF4-FFF2-40B4-BE49-F238E27FC236}">
+                <a16:creationId xmlns:a16="http://schemas.microsoft.com/office/drawing/2014/main" id="{D9D5C588-B75D-2C49-A2D3-F64E5A119D68}"/>
+              </a:ext>
+            </a:extLst>
+          </p:cNvPr>
+          <p:cNvSpPr txBox="1"/>
+          <p:nvPr/>
+        </p:nvSpPr>
+        <p:spPr>
+          <a:xfrm>
+            <a:off x="10412628" y="2824989"/>
+            <a:ext cx="503664" cy="369332"/>
+          </a:xfrm>
+          <a:prstGeom prst="rect">
+            <a:avLst/>
+          </a:prstGeom>
+          <a:noFill/>
+        </p:spPr>
+        <p:txBody>
+          <a:bodyPr wrap="none" rtlCol="0">
+            <a:spAutoFit/>
+          </a:bodyPr>
+          <a:lstStyle/>
+          <a:p>
+            <a:r>
+              <a:rPr lang="en-US" dirty="0">
+                <a:solidFill>
+                  <a:srgbClr val="FF0000"/>
+                </a:solidFill>
+              </a:rPr>
+              <a:t>y=x</a:t>
+            </a:r>
+          </a:p>
+        </p:txBody>
+      </p:sp>
+      <p:sp>
+        <p:nvSpPr>
+          <p:cNvPr id="25" name="TextBox 24">
+            <a:extLst>
+              <a:ext uri="{FF2B5EF4-FFF2-40B4-BE49-F238E27FC236}">
+                <a16:creationId xmlns:a16="http://schemas.microsoft.com/office/drawing/2014/main" id="{C6C03B66-F13C-7649-8DA3-C2320C90DAC7}"/>
+              </a:ext>
+            </a:extLst>
+          </p:cNvPr>
+          <p:cNvSpPr txBox="1"/>
+          <p:nvPr/>
+        </p:nvSpPr>
+        <p:spPr>
+          <a:xfrm>
+            <a:off x="9839843" y="4859301"/>
+            <a:ext cx="1145569" cy="369332"/>
+          </a:xfrm>
+          <a:prstGeom prst="rect">
+            <a:avLst/>
+          </a:prstGeom>
+          <a:noFill/>
+        </p:spPr>
+        <p:txBody>
+          <a:bodyPr wrap="square" rtlCol="0">
+            <a:spAutoFit/>
+          </a:bodyPr>
+          <a:lstStyle/>
+          <a:p>
+            <a:r>
+              <a:rPr lang="en-US" dirty="0">
+                <a:solidFill>
+                  <a:schemeClr val="accent1"/>
+                </a:solidFill>
+              </a:rPr>
+              <a:t>y=-x+2</a:t>
+            </a:r>
+          </a:p>
+        </p:txBody>
+      </p:sp>
+      <p:sp>
+        <p:nvSpPr>
+          <p:cNvPr id="26" name="Rectangle 25">
+            <a:extLst>
+              <a:ext uri="{FF2B5EF4-FFF2-40B4-BE49-F238E27FC236}">
+                <a16:creationId xmlns:a16="http://schemas.microsoft.com/office/drawing/2014/main" id="{D8A92C5F-BE72-EF40-B4A2-38CCD6B90900}"/>
+              </a:ext>
+            </a:extLst>
+          </p:cNvPr>
+          <p:cNvSpPr/>
+          <p:nvPr/>
+        </p:nvSpPr>
+        <p:spPr>
+          <a:xfrm>
+            <a:off x="7471648" y="5630762"/>
+            <a:ext cx="3468617" cy="646331"/>
+          </a:xfrm>
+          <a:prstGeom prst="rect">
+            <a:avLst/>
+          </a:prstGeom>
+        </p:spPr>
+        <p:txBody>
+          <a:bodyPr wrap="square">
+            <a:spAutoFit/>
+          </a:bodyPr>
+          <a:lstStyle/>
+          <a:p>
+            <a:r>
+              <a:rPr lang="en-US" dirty="0"/>
+              <a:t>The problem </a:t>
+            </a:r>
+            <a:r>
+              <a:rPr lang="en-US" b="1" dirty="0"/>
+              <a:t>Ax</a:t>
+            </a:r>
+            <a:r>
+              <a:rPr lang="en-US" dirty="0"/>
+              <a:t> = </a:t>
+            </a:r>
+            <a:r>
+              <a:rPr lang="en-US" b="1" dirty="0"/>
+              <a:t>b</a:t>
+            </a:r>
+            <a:r>
+              <a:rPr lang="en-US" dirty="0"/>
+              <a:t> is solvable only if </a:t>
+            </a:r>
+            <a:r>
+              <a:rPr lang="en-US" b="1" dirty="0"/>
+              <a:t>the two lines intersect at a point</a:t>
+            </a:r>
+            <a:endParaRPr lang="en-US" dirty="0"/>
+          </a:p>
+        </p:txBody>
+      </p:sp>
     </p:spTree>
     <p:extLst>
       <p:ext uri="{BB962C8B-B14F-4D97-AF65-F5344CB8AC3E}">
-        <p14:creationId xmlns:p14="http://schemas.microsoft.com/office/powerpoint/2010/main" val="3364042111"/>
+        <p14:creationId xmlns:p14="http://schemas.microsoft.com/office/powerpoint/2010/main" val="1741720741"/>
       </p:ext>
     </p:extLst>
   </p:cSld>
@@ -7259,248 +6939,10 @@
           </a:prstGeom>
         </p:spPr>
       </p:pic>
-      <p:cxnSp>
-        <p:nvCxnSpPr>
-          <p:cNvPr id="19" name="Straight Arrow Connector 18">
-            <a:extLst>
-              <a:ext uri="{FF2B5EF4-FFF2-40B4-BE49-F238E27FC236}">
-                <a16:creationId xmlns:a16="http://schemas.microsoft.com/office/drawing/2014/main" id="{13E33E8E-0AE9-A040-8956-C62A2C2D44B2}"/>
-              </a:ext>
-            </a:extLst>
-          </p:cNvPr>
-          <p:cNvCxnSpPr>
-            <a:cxnSpLocks/>
-          </p:cNvCxnSpPr>
-          <p:nvPr/>
-        </p:nvCxnSpPr>
-        <p:spPr>
-          <a:xfrm flipV="1">
-            <a:off x="8414535" y="3667873"/>
-            <a:ext cx="958067" cy="940299"/>
-          </a:xfrm>
-          <a:prstGeom prst="straightConnector1">
-            <a:avLst/>
-          </a:prstGeom>
-          <a:ln>
-            <a:tailEnd type="triangle"/>
-          </a:ln>
-        </p:spPr>
-        <p:style>
-          <a:lnRef idx="1">
-            <a:schemeClr val="accent1"/>
-          </a:lnRef>
-          <a:fillRef idx="0">
-            <a:schemeClr val="accent1"/>
-          </a:fillRef>
-          <a:effectRef idx="0">
-            <a:schemeClr val="accent1"/>
-          </a:effectRef>
-          <a:fontRef idx="minor">
-            <a:schemeClr val="tx1"/>
-          </a:fontRef>
-        </p:style>
-      </p:cxnSp>
-      <p:cxnSp>
-        <p:nvCxnSpPr>
-          <p:cNvPr id="26" name="Straight Arrow Connector 25">
-            <a:extLst>
-              <a:ext uri="{FF2B5EF4-FFF2-40B4-BE49-F238E27FC236}">
-                <a16:creationId xmlns:a16="http://schemas.microsoft.com/office/drawing/2014/main" id="{400B3A06-5D9B-544A-9D10-635F34D3CF84}"/>
-              </a:ext>
-            </a:extLst>
-          </p:cNvPr>
-          <p:cNvCxnSpPr>
-            <a:cxnSpLocks/>
-          </p:cNvCxnSpPr>
-          <p:nvPr/>
-        </p:nvCxnSpPr>
-        <p:spPr>
-          <a:xfrm flipH="1" flipV="1">
-            <a:off x="7381984" y="3667873"/>
-            <a:ext cx="1030841" cy="959137"/>
-          </a:xfrm>
-          <a:prstGeom prst="straightConnector1">
-            <a:avLst/>
-          </a:prstGeom>
-          <a:ln>
-            <a:solidFill>
-              <a:srgbClr val="FF0000"/>
-            </a:solidFill>
-            <a:tailEnd type="triangle"/>
-          </a:ln>
-        </p:spPr>
-        <p:style>
-          <a:lnRef idx="1">
-            <a:schemeClr val="accent1"/>
-          </a:lnRef>
-          <a:fillRef idx="0">
-            <a:schemeClr val="accent1"/>
-          </a:fillRef>
-          <a:effectRef idx="0">
-            <a:schemeClr val="accent1"/>
-          </a:effectRef>
-          <a:fontRef idx="minor">
-            <a:schemeClr val="tx1"/>
-          </a:fontRef>
-        </p:style>
-      </p:cxnSp>
-      <p:sp>
-        <p:nvSpPr>
-          <p:cNvPr id="28" name="Oval 27">
-            <a:extLst>
-              <a:ext uri="{FF2B5EF4-FFF2-40B4-BE49-F238E27FC236}">
-                <a16:creationId xmlns:a16="http://schemas.microsoft.com/office/drawing/2014/main" id="{5BAC758B-731A-464F-90B9-BE43BF46EC26}"/>
-              </a:ext>
-            </a:extLst>
-          </p:cNvPr>
-          <p:cNvSpPr/>
-          <p:nvPr/>
-        </p:nvSpPr>
-        <p:spPr>
-          <a:xfrm>
-            <a:off x="8351181" y="2650733"/>
-            <a:ext cx="135274" cy="123075"/>
-          </a:xfrm>
-          <a:prstGeom prst="ellipse">
-            <a:avLst/>
-          </a:prstGeom>
-          <a:solidFill>
-            <a:srgbClr val="FFFF00"/>
-          </a:solidFill>
-        </p:spPr>
-        <p:style>
-          <a:lnRef idx="2">
-            <a:schemeClr val="accent1">
-              <a:shade val="50000"/>
-            </a:schemeClr>
-          </a:lnRef>
-          <a:fillRef idx="1">
-            <a:schemeClr val="accent1"/>
-          </a:fillRef>
-          <a:effectRef idx="0">
-            <a:schemeClr val="accent1"/>
-          </a:effectRef>
-          <a:fontRef idx="minor">
-            <a:schemeClr val="lt1"/>
-          </a:fontRef>
-        </p:style>
-        <p:txBody>
-          <a:bodyPr rtlCol="0" anchor="ctr"/>
-          <a:lstStyle/>
-          <a:p>
-            <a:pPr algn="ctr"/>
-            <a:endParaRPr lang="en-US"/>
-          </a:p>
-        </p:txBody>
-      </p:sp>
-      <p:sp>
-        <p:nvSpPr>
-          <p:cNvPr id="30" name="Rectangle 29">
-            <a:extLst>
-              <a:ext uri="{FF2B5EF4-FFF2-40B4-BE49-F238E27FC236}">
-                <a16:creationId xmlns:a16="http://schemas.microsoft.com/office/drawing/2014/main" id="{2FEA64CB-875F-5141-B079-9FAB32DB6A46}"/>
-              </a:ext>
-            </a:extLst>
-          </p:cNvPr>
-          <p:cNvSpPr/>
-          <p:nvPr/>
-        </p:nvSpPr>
-        <p:spPr>
-          <a:xfrm>
-            <a:off x="4222679" y="4911047"/>
-            <a:ext cx="688368" cy="1613043"/>
-          </a:xfrm>
-          <a:prstGeom prst="rect">
-            <a:avLst/>
-          </a:prstGeom>
-          <a:noFill/>
-          <a:ln>
-            <a:solidFill>
-              <a:schemeClr val="accent1"/>
-            </a:solidFill>
-          </a:ln>
-        </p:spPr>
-        <p:style>
-          <a:lnRef idx="2">
-            <a:schemeClr val="accent1">
-              <a:shade val="50000"/>
-            </a:schemeClr>
-          </a:lnRef>
-          <a:fillRef idx="1">
-            <a:schemeClr val="accent1"/>
-          </a:fillRef>
-          <a:effectRef idx="0">
-            <a:schemeClr val="accent1"/>
-          </a:effectRef>
-          <a:fontRef idx="minor">
-            <a:schemeClr val="lt1"/>
-          </a:fontRef>
-        </p:style>
-        <p:txBody>
-          <a:bodyPr rtlCol="0" anchor="ctr"/>
-          <a:lstStyle/>
-          <a:p>
-            <a:pPr algn="ctr"/>
-            <a:endParaRPr lang="en-US"/>
-          </a:p>
-        </p:txBody>
-      </p:sp>
-      <p:sp>
-        <p:nvSpPr>
-          <p:cNvPr id="31" name="Rectangle 30">
-            <a:extLst>
-              <a:ext uri="{FF2B5EF4-FFF2-40B4-BE49-F238E27FC236}">
-                <a16:creationId xmlns:a16="http://schemas.microsoft.com/office/drawing/2014/main" id="{D4D6A743-B545-3145-9257-CA1E33DBB685}"/>
-              </a:ext>
-            </a:extLst>
-          </p:cNvPr>
-          <p:cNvSpPr/>
-          <p:nvPr/>
-        </p:nvSpPr>
-        <p:spPr>
-          <a:xfrm>
-            <a:off x="5801046" y="4879832"/>
-            <a:ext cx="1062085" cy="1613043"/>
-          </a:xfrm>
-          <a:prstGeom prst="rect">
-            <a:avLst/>
-          </a:prstGeom>
-          <a:noFill/>
-          <a:ln>
-            <a:solidFill>
-              <a:srgbClr val="FF0000"/>
-            </a:solidFill>
-          </a:ln>
-        </p:spPr>
-        <p:style>
-          <a:lnRef idx="2">
-            <a:schemeClr val="accent1">
-              <a:shade val="50000"/>
-            </a:schemeClr>
-          </a:lnRef>
-          <a:fillRef idx="1">
-            <a:schemeClr val="accent1"/>
-          </a:fillRef>
-          <a:effectRef idx="0">
-            <a:schemeClr val="accent1"/>
-          </a:effectRef>
-          <a:fontRef idx="minor">
-            <a:schemeClr val="lt1"/>
-          </a:fontRef>
-        </p:style>
-        <p:txBody>
-          <a:bodyPr rtlCol="0" anchor="ctr"/>
-          <a:lstStyle/>
-          <a:p>
-            <a:pPr algn="ctr"/>
-            <a:endParaRPr lang="en-US"/>
-          </a:p>
-        </p:txBody>
-      </p:sp>
     </p:spTree>
     <p:extLst>
       <p:ext uri="{BB962C8B-B14F-4D97-AF65-F5344CB8AC3E}">
-        <p14:creationId xmlns:p14="http://schemas.microsoft.com/office/powerpoint/2010/main" val="2427014392"/>
+        <p14:creationId xmlns:p14="http://schemas.microsoft.com/office/powerpoint/2010/main" val="3364042111"/>
       </p:ext>
     </p:extLst>
   </p:cSld>
@@ -8075,48 +7517,6 @@
           </a:p>
         </p:txBody>
       </p:sp>
-      <p:cxnSp>
-        <p:nvCxnSpPr>
-          <p:cNvPr id="29" name="Straight Arrow Connector 28">
-            <a:extLst>
-              <a:ext uri="{FF2B5EF4-FFF2-40B4-BE49-F238E27FC236}">
-                <a16:creationId xmlns:a16="http://schemas.microsoft.com/office/drawing/2014/main" id="{994A3166-1466-6C42-A1A8-6C400B99330A}"/>
-              </a:ext>
-            </a:extLst>
-          </p:cNvPr>
-          <p:cNvCxnSpPr>
-            <a:cxnSpLocks/>
-          </p:cNvCxnSpPr>
-          <p:nvPr/>
-        </p:nvCxnSpPr>
-        <p:spPr>
-          <a:xfrm flipV="1">
-            <a:off x="7393114" y="2758502"/>
-            <a:ext cx="958067" cy="940299"/>
-          </a:xfrm>
-          <a:prstGeom prst="straightConnector1">
-            <a:avLst/>
-          </a:prstGeom>
-          <a:ln>
-            <a:prstDash val="dash"/>
-            <a:tailEnd type="triangle"/>
-          </a:ln>
-        </p:spPr>
-        <p:style>
-          <a:lnRef idx="1">
-            <a:schemeClr val="accent1"/>
-          </a:lnRef>
-          <a:fillRef idx="0">
-            <a:schemeClr val="accent1"/>
-          </a:fillRef>
-          <a:effectRef idx="0">
-            <a:schemeClr val="accent1"/>
-          </a:effectRef>
-          <a:fontRef idx="minor">
-            <a:schemeClr val="tx1"/>
-          </a:fontRef>
-        </p:style>
-      </p:cxnSp>
       <p:sp>
         <p:nvSpPr>
           <p:cNvPr id="30" name="Rectangle 29">
@@ -8224,7 +7624,7 @@
     </p:spTree>
     <p:extLst>
       <p:ext uri="{BB962C8B-B14F-4D97-AF65-F5344CB8AC3E}">
-        <p14:creationId xmlns:p14="http://schemas.microsoft.com/office/powerpoint/2010/main" val="514472269"/>
+        <p14:creationId xmlns:p14="http://schemas.microsoft.com/office/powerpoint/2010/main" val="2427014392"/>
       </p:ext>
     </p:extLst>
   </p:cSld>
@@ -8256,7 +7656,7 @@
           <p:cNvPr id="2" name="Title 1">
             <a:extLst>
               <a:ext uri="{FF2B5EF4-FFF2-40B4-BE49-F238E27FC236}">
-                <a16:creationId xmlns:a16="http://schemas.microsoft.com/office/drawing/2014/main" id="{1745A517-9B32-3C4F-AD4E-6BDC62A00540}"/>
+                <a16:creationId xmlns:a16="http://schemas.microsoft.com/office/drawing/2014/main" id="{A8789B5E-0CF9-8441-B706-7D720D49FEFE}"/>
               </a:ext>
             </a:extLst>
           </p:cNvPr>
@@ -8274,122 +7674,62 @@
           <a:p>
             <a:r>
               <a:rPr lang="en-US" dirty="0"/>
-              <a:t>Vector</a:t>
-            </a:r>
-          </a:p>
-        </p:txBody>
-      </p:sp>
-      <p:pic>
-        <p:nvPicPr>
-          <p:cNvPr id="4" name="Picture 3">
-            <a:extLst>
-              <a:ext uri="{FF2B5EF4-FFF2-40B4-BE49-F238E27FC236}">
-                <a16:creationId xmlns:a16="http://schemas.microsoft.com/office/drawing/2014/main" id="{95D05495-A375-804C-AC65-7EAB76DF7C02}"/>
-              </a:ext>
-            </a:extLst>
-          </p:cNvPr>
-          <p:cNvPicPr>
-            <a:picLocks noChangeAspect="1"/>
-          </p:cNvPicPr>
-          <p:nvPr/>
-        </p:nvPicPr>
-        <p:blipFill>
-          <a:blip r:embed="rId2"/>
-          <a:stretch>
-            <a:fillRect/>
-          </a:stretch>
-        </p:blipFill>
-        <p:spPr>
-          <a:xfrm>
-            <a:off x="1117530" y="2314041"/>
-            <a:ext cx="1943100" cy="2476500"/>
-          </a:xfrm>
-          <a:prstGeom prst="rect">
-            <a:avLst/>
-          </a:prstGeom>
-        </p:spPr>
-      </p:pic>
-      <p:sp>
-        <p:nvSpPr>
-          <p:cNvPr id="5" name="TextBox 4">
-            <a:extLst>
-              <a:ext uri="{FF2B5EF4-FFF2-40B4-BE49-F238E27FC236}">
-                <a16:creationId xmlns:a16="http://schemas.microsoft.com/office/drawing/2014/main" id="{113A8768-E820-1446-904F-5B2A9AC47F5B}"/>
-              </a:ext>
-            </a:extLst>
-          </p:cNvPr>
-          <p:cNvSpPr txBox="1"/>
-          <p:nvPr/>
-        </p:nvSpPr>
-        <p:spPr>
-          <a:xfrm>
-            <a:off x="4597947" y="1564028"/>
-            <a:ext cx="6755853" cy="4154984"/>
-          </a:xfrm>
-          <a:prstGeom prst="rect">
-            <a:avLst/>
-          </a:prstGeom>
-          <a:noFill/>
-        </p:spPr>
-        <p:txBody>
-          <a:bodyPr wrap="square" rtlCol="0">
-            <a:spAutoFit/>
-          </a:bodyPr>
-          <a:lstStyle/>
-          <a:p>
-            <a:r>
-              <a:rPr lang="en-US" sz="2400" dirty="0"/>
-              <a:t>In physics, vector has a direction and magnitude, like velocity of a moving object. </a:t>
-            </a:r>
-          </a:p>
-          <a:p>
-            <a:endParaRPr lang="en-US" sz="2400" dirty="0"/>
-          </a:p>
-          <a:p>
-            <a:r>
-              <a:rPr lang="en-US" sz="2400" dirty="0"/>
-              <a:t>In data analysis, a series of discrete data can be expressed as a vector (let’s say there are </a:t>
-            </a:r>
-            <a:r>
-              <a:rPr lang="en-US" sz="2400" i="1" dirty="0"/>
-              <a:t>m</a:t>
-            </a:r>
-            <a:r>
-              <a:rPr lang="en-US" sz="2400" dirty="0"/>
-              <a:t> data points, then you have a </a:t>
-            </a:r>
-            <a:r>
-              <a:rPr lang="en-US" sz="2400" i="1" dirty="0"/>
-              <a:t>m</a:t>
-            </a:r>
-            <a:r>
-              <a:rPr lang="en-US" sz="2400" dirty="0"/>
-              <a:t>-dimensional vector)</a:t>
-            </a:r>
-          </a:p>
-          <a:p>
-            <a:endParaRPr lang="en-US" sz="2400" dirty="0"/>
-          </a:p>
-          <a:p>
-            <a:r>
-              <a:rPr lang="en-US" sz="2400" dirty="0"/>
-              <a:t>In computational model, model state can be expressed as a vector (e.g. chemical concentrations in box models, dynamic height in </a:t>
-            </a:r>
-            <a:r>
-              <a:rPr lang="en-US" sz="2400" dirty="0" err="1"/>
-              <a:t>geophys</a:t>
-            </a:r>
-            <a:r>
-              <a:rPr lang="en-US" sz="2400" dirty="0"/>
-              <a:t> fluid dynamics, with m being the number of grid points)</a:t>
-            </a:r>
+              <a:t>Reference</a:t>
+            </a:r>
+          </a:p>
+        </p:txBody>
+      </p:sp>
+      <p:sp>
+        <p:nvSpPr>
+          <p:cNvPr id="3" name="Content Placeholder 2">
+            <a:extLst>
+              <a:ext uri="{FF2B5EF4-FFF2-40B4-BE49-F238E27FC236}">
+                <a16:creationId xmlns:a16="http://schemas.microsoft.com/office/drawing/2014/main" id="{507BC43C-C41C-8449-B929-F94A6891C4B4}"/>
+              </a:ext>
+            </a:extLst>
+          </p:cNvPr>
+          <p:cNvSpPr>
+            <a:spLocks noGrp="1"/>
+          </p:cNvSpPr>
+          <p:nvPr>
+            <p:ph idx="1"/>
+          </p:nvPr>
+        </p:nvSpPr>
+        <p:spPr/>
+        <p:txBody>
+          <a:bodyPr/>
+          <a:lstStyle/>
+          <a:p>
+            <a:r>
+              <a:rPr lang="en-US" i="1" dirty="0"/>
+              <a:t>Linear Algebra by Gilbert Strang, MIT open courseware 18.06, especially the video lectures </a:t>
+            </a:r>
+            <a:r>
+              <a:rPr lang="en-US" i="1" u="sng" dirty="0">
+                <a:hlinkClick r:id="rId2"/>
+              </a:rPr>
+              <a:t>https://ocw.mit.edu/courses/mathematics/18-06-linear-algebra-spring-2010/</a:t>
+            </a:r>
+            <a:endParaRPr lang="en-US" dirty="0"/>
+          </a:p>
+          <a:p>
+            <a:r>
+              <a:rPr lang="en-US" i="1" u="sng" dirty="0">
+                <a:hlinkClick r:id="rId3"/>
+              </a:rPr>
+              <a:t>https://mitmath.github.io/1806/</a:t>
+            </a:r>
+            <a:endParaRPr lang="en-US" dirty="0"/>
+          </a:p>
+          <a:p>
+            <a:endParaRPr lang="en-US" dirty="0"/>
           </a:p>
         </p:txBody>
       </p:sp>
     </p:spTree>
     <p:extLst>
       <p:ext uri="{BB962C8B-B14F-4D97-AF65-F5344CB8AC3E}">
-        <p14:creationId xmlns:p14="http://schemas.microsoft.com/office/powerpoint/2010/main" val="2216921114"/>
+        <p14:creationId xmlns:p14="http://schemas.microsoft.com/office/powerpoint/2010/main" val="2375197712"/>
       </p:ext>
     </p:extLst>
   </p:cSld>
@@ -8400,6 +7740,730 @@
 </file>
 
 <file path=ppt/slides/slide20.xml><?xml version="1.0" encoding="utf-8"?>
+<p:sld xmlns:a="http://schemas.openxmlformats.org/drawingml/2006/main" xmlns:r="http://schemas.openxmlformats.org/officeDocument/2006/relationships" xmlns:p="http://schemas.openxmlformats.org/presentationml/2006/main">
+  <p:cSld>
+    <p:spTree>
+      <p:nvGrpSpPr>
+        <p:cNvPr id="1" name=""/>
+        <p:cNvGrpSpPr/>
+        <p:nvPr/>
+      </p:nvGrpSpPr>
+      <p:grpSpPr>
+        <a:xfrm>
+          <a:off x="0" y="0"/>
+          <a:ext cx="0" cy="0"/>
+          <a:chOff x="0" y="0"/>
+          <a:chExt cx="0" cy="0"/>
+        </a:xfrm>
+      </p:grpSpPr>
+      <p:sp>
+        <p:nvSpPr>
+          <p:cNvPr id="2" name="Title 1">
+            <a:extLst>
+              <a:ext uri="{FF2B5EF4-FFF2-40B4-BE49-F238E27FC236}">
+                <a16:creationId xmlns:a16="http://schemas.microsoft.com/office/drawing/2014/main" id="{54A2FE5B-4E65-514A-B561-4D65EB41C6D6}"/>
+              </a:ext>
+            </a:extLst>
+          </p:cNvPr>
+          <p:cNvSpPr>
+            <a:spLocks noGrp="1"/>
+          </p:cNvSpPr>
+          <p:nvPr>
+            <p:ph type="title"/>
+          </p:nvPr>
+        </p:nvSpPr>
+        <p:spPr/>
+        <p:txBody>
+          <a:bodyPr/>
+          <a:lstStyle/>
+          <a:p>
+            <a:r>
+              <a:rPr lang="en-US" dirty="0"/>
+              <a:t>Matrix-vector product and </a:t>
+            </a:r>
+          </a:p>
+        </p:txBody>
+      </p:sp>
+      <p:pic>
+        <p:nvPicPr>
+          <p:cNvPr id="4" name="Picture 3">
+            <a:extLst>
+              <a:ext uri="{FF2B5EF4-FFF2-40B4-BE49-F238E27FC236}">
+                <a16:creationId xmlns:a16="http://schemas.microsoft.com/office/drawing/2014/main" id="{EE5C3723-3AE6-B343-A541-4657E9E3D272}"/>
+              </a:ext>
+            </a:extLst>
+          </p:cNvPr>
+          <p:cNvPicPr>
+            <a:picLocks noChangeAspect="1"/>
+          </p:cNvPicPr>
+          <p:nvPr/>
+        </p:nvPicPr>
+        <p:blipFill>
+          <a:blip r:embed="rId2"/>
+          <a:stretch>
+            <a:fillRect/>
+          </a:stretch>
+        </p:blipFill>
+        <p:spPr>
+          <a:xfrm>
+            <a:off x="7176997" y="791489"/>
+            <a:ext cx="2200497" cy="472834"/>
+          </a:xfrm>
+          <a:prstGeom prst="rect">
+            <a:avLst/>
+          </a:prstGeom>
+        </p:spPr>
+      </p:pic>
+      <p:sp>
+        <p:nvSpPr>
+          <p:cNvPr id="5" name="TextBox 4">
+            <a:extLst>
+              <a:ext uri="{FF2B5EF4-FFF2-40B4-BE49-F238E27FC236}">
+                <a16:creationId xmlns:a16="http://schemas.microsoft.com/office/drawing/2014/main" id="{02721168-5878-DA4A-A4E3-4D1863AAFC0B}"/>
+              </a:ext>
+            </a:extLst>
+          </p:cNvPr>
+          <p:cNvSpPr txBox="1"/>
+          <p:nvPr/>
+        </p:nvSpPr>
+        <p:spPr>
+          <a:xfrm>
+            <a:off x="1150706" y="1839074"/>
+            <a:ext cx="5835721" cy="461665"/>
+          </a:xfrm>
+          <a:prstGeom prst="rect">
+            <a:avLst/>
+          </a:prstGeom>
+          <a:noFill/>
+        </p:spPr>
+        <p:txBody>
+          <a:bodyPr wrap="square" rtlCol="0">
+            <a:spAutoFit/>
+          </a:bodyPr>
+          <a:lstStyle/>
+          <a:p>
+            <a:r>
+              <a:rPr lang="en-US" sz="2400" dirty="0"/>
+              <a:t>A (2 x 2) example</a:t>
+            </a:r>
+          </a:p>
+        </p:txBody>
+      </p:sp>
+      <p:pic>
+        <p:nvPicPr>
+          <p:cNvPr id="6" name="Picture 5">
+            <a:extLst>
+              <a:ext uri="{FF2B5EF4-FFF2-40B4-BE49-F238E27FC236}">
+                <a16:creationId xmlns:a16="http://schemas.microsoft.com/office/drawing/2014/main" id="{1CBEE1DF-BDAF-E24F-8DF2-E4CC502DA876}"/>
+              </a:ext>
+            </a:extLst>
+          </p:cNvPr>
+          <p:cNvPicPr>
+            <a:picLocks noChangeAspect="1"/>
+          </p:cNvPicPr>
+          <p:nvPr/>
+        </p:nvPicPr>
+        <p:blipFill>
+          <a:blip r:embed="rId3"/>
+          <a:stretch>
+            <a:fillRect/>
+          </a:stretch>
+        </p:blipFill>
+        <p:spPr>
+          <a:xfrm>
+            <a:off x="1575372" y="2794356"/>
+            <a:ext cx="3657600" cy="1104900"/>
+          </a:xfrm>
+          <a:prstGeom prst="rect">
+            <a:avLst/>
+          </a:prstGeom>
+        </p:spPr>
+      </p:pic>
+      <p:sp>
+        <p:nvSpPr>
+          <p:cNvPr id="7" name="TextBox 6">
+            <a:extLst>
+              <a:ext uri="{FF2B5EF4-FFF2-40B4-BE49-F238E27FC236}">
+                <a16:creationId xmlns:a16="http://schemas.microsoft.com/office/drawing/2014/main" id="{BA37140D-4E5A-F443-BCFD-DF84EB1CFC1D}"/>
+              </a:ext>
+            </a:extLst>
+          </p:cNvPr>
+          <p:cNvSpPr txBox="1"/>
+          <p:nvPr/>
+        </p:nvSpPr>
+        <p:spPr>
+          <a:xfrm>
+            <a:off x="2157572" y="4095597"/>
+            <a:ext cx="380144" cy="461665"/>
+          </a:xfrm>
+          <a:prstGeom prst="rect">
+            <a:avLst/>
+          </a:prstGeom>
+          <a:noFill/>
+        </p:spPr>
+        <p:txBody>
+          <a:bodyPr wrap="square" rtlCol="0">
+            <a:spAutoFit/>
+          </a:bodyPr>
+          <a:lstStyle/>
+          <a:p>
+            <a:r>
+              <a:rPr lang="en-US" sz="2400" b="1" dirty="0"/>
+              <a:t>A</a:t>
+            </a:r>
+          </a:p>
+        </p:txBody>
+      </p:sp>
+      <p:sp>
+        <p:nvSpPr>
+          <p:cNvPr id="8" name="TextBox 7">
+            <a:extLst>
+              <a:ext uri="{FF2B5EF4-FFF2-40B4-BE49-F238E27FC236}">
+                <a16:creationId xmlns:a16="http://schemas.microsoft.com/office/drawing/2014/main" id="{597551E1-585F-E94D-9ED4-A9D5E4C6BA38}"/>
+              </a:ext>
+            </a:extLst>
+          </p:cNvPr>
+          <p:cNvSpPr txBox="1"/>
+          <p:nvPr/>
+        </p:nvSpPr>
+        <p:spPr>
+          <a:xfrm>
+            <a:off x="3501775" y="4095596"/>
+            <a:ext cx="380144" cy="461665"/>
+          </a:xfrm>
+          <a:prstGeom prst="rect">
+            <a:avLst/>
+          </a:prstGeom>
+          <a:noFill/>
+        </p:spPr>
+        <p:txBody>
+          <a:bodyPr wrap="square" rtlCol="0">
+            <a:spAutoFit/>
+          </a:bodyPr>
+          <a:lstStyle/>
+          <a:p>
+            <a:r>
+              <a:rPr lang="en-US" sz="2400" b="1" dirty="0"/>
+              <a:t>x</a:t>
+            </a:r>
+          </a:p>
+        </p:txBody>
+      </p:sp>
+      <p:sp>
+        <p:nvSpPr>
+          <p:cNvPr id="9" name="TextBox 8">
+            <a:extLst>
+              <a:ext uri="{FF2B5EF4-FFF2-40B4-BE49-F238E27FC236}">
+                <a16:creationId xmlns:a16="http://schemas.microsoft.com/office/drawing/2014/main" id="{293160A4-F675-894F-B653-1E0655A7AACC}"/>
+              </a:ext>
+            </a:extLst>
+          </p:cNvPr>
+          <p:cNvSpPr txBox="1"/>
+          <p:nvPr/>
+        </p:nvSpPr>
+        <p:spPr>
+          <a:xfrm>
+            <a:off x="4794606" y="4095596"/>
+            <a:ext cx="380144" cy="461665"/>
+          </a:xfrm>
+          <a:prstGeom prst="rect">
+            <a:avLst/>
+          </a:prstGeom>
+          <a:noFill/>
+        </p:spPr>
+        <p:txBody>
+          <a:bodyPr wrap="square" rtlCol="0">
+            <a:spAutoFit/>
+          </a:bodyPr>
+          <a:lstStyle/>
+          <a:p>
+            <a:r>
+              <a:rPr lang="en-US" sz="2400" b="1" dirty="0"/>
+              <a:t>b</a:t>
+            </a:r>
+          </a:p>
+        </p:txBody>
+      </p:sp>
+      <p:sp>
+        <p:nvSpPr>
+          <p:cNvPr id="10" name="TextBox 9">
+            <a:extLst>
+              <a:ext uri="{FF2B5EF4-FFF2-40B4-BE49-F238E27FC236}">
+                <a16:creationId xmlns:a16="http://schemas.microsoft.com/office/drawing/2014/main" id="{19453A70-4C4F-4841-A335-FA064A55BB84}"/>
+              </a:ext>
+            </a:extLst>
+          </p:cNvPr>
+          <p:cNvSpPr txBox="1"/>
+          <p:nvPr/>
+        </p:nvSpPr>
+        <p:spPr>
+          <a:xfrm>
+            <a:off x="4148190" y="4095595"/>
+            <a:ext cx="380144" cy="461665"/>
+          </a:xfrm>
+          <a:prstGeom prst="rect">
+            <a:avLst/>
+          </a:prstGeom>
+          <a:noFill/>
+        </p:spPr>
+        <p:txBody>
+          <a:bodyPr wrap="square" rtlCol="0">
+            <a:spAutoFit/>
+          </a:bodyPr>
+          <a:lstStyle/>
+          <a:p>
+            <a:r>
+              <a:rPr lang="en-US" sz="2400" dirty="0"/>
+              <a:t>=</a:t>
+            </a:r>
+          </a:p>
+        </p:txBody>
+      </p:sp>
+      <p:sp>
+        <p:nvSpPr>
+          <p:cNvPr id="3" name="TextBox 2">
+            <a:extLst>
+              <a:ext uri="{FF2B5EF4-FFF2-40B4-BE49-F238E27FC236}">
+                <a16:creationId xmlns:a16="http://schemas.microsoft.com/office/drawing/2014/main" id="{F9E4858D-D345-5F4F-BAA1-F1E088CA2CD3}"/>
+              </a:ext>
+            </a:extLst>
+          </p:cNvPr>
+          <p:cNvSpPr txBox="1"/>
+          <p:nvPr/>
+        </p:nvSpPr>
+        <p:spPr>
+          <a:xfrm>
+            <a:off x="1150707" y="4753599"/>
+            <a:ext cx="3524036" cy="830997"/>
+          </a:xfrm>
+          <a:prstGeom prst="rect">
+            <a:avLst/>
+          </a:prstGeom>
+          <a:noFill/>
+        </p:spPr>
+        <p:txBody>
+          <a:bodyPr wrap="square" rtlCol="0">
+            <a:spAutoFit/>
+          </a:bodyPr>
+          <a:lstStyle/>
+          <a:p>
+            <a:r>
+              <a:rPr lang="en-US" sz="2400" dirty="0"/>
+              <a:t>The “column” point of view: </a:t>
+            </a:r>
+          </a:p>
+        </p:txBody>
+      </p:sp>
+      <p:cxnSp>
+        <p:nvCxnSpPr>
+          <p:cNvPr id="16" name="Straight Arrow Connector 15">
+            <a:extLst>
+              <a:ext uri="{FF2B5EF4-FFF2-40B4-BE49-F238E27FC236}">
+                <a16:creationId xmlns:a16="http://schemas.microsoft.com/office/drawing/2014/main" id="{51ADCEC8-5D15-A141-B794-5D314FAA0A24}"/>
+              </a:ext>
+            </a:extLst>
+          </p:cNvPr>
+          <p:cNvCxnSpPr/>
+          <p:nvPr/>
+        </p:nvCxnSpPr>
+        <p:spPr>
+          <a:xfrm>
+            <a:off x="7438490" y="4608172"/>
+            <a:ext cx="4017195" cy="0"/>
+          </a:xfrm>
+          <a:prstGeom prst="straightConnector1">
+            <a:avLst/>
+          </a:prstGeom>
+          <a:ln>
+            <a:solidFill>
+              <a:schemeClr val="tx1"/>
+            </a:solidFill>
+            <a:tailEnd type="triangle"/>
+          </a:ln>
+        </p:spPr>
+        <p:style>
+          <a:lnRef idx="1">
+            <a:schemeClr val="accent1"/>
+          </a:lnRef>
+          <a:fillRef idx="0">
+            <a:schemeClr val="accent1"/>
+          </a:fillRef>
+          <a:effectRef idx="0">
+            <a:schemeClr val="accent1"/>
+          </a:effectRef>
+          <a:fontRef idx="minor">
+            <a:schemeClr val="tx1"/>
+          </a:fontRef>
+        </p:style>
+      </p:cxnSp>
+      <p:cxnSp>
+        <p:nvCxnSpPr>
+          <p:cNvPr id="17" name="Straight Arrow Connector 16">
+            <a:extLst>
+              <a:ext uri="{FF2B5EF4-FFF2-40B4-BE49-F238E27FC236}">
+                <a16:creationId xmlns:a16="http://schemas.microsoft.com/office/drawing/2014/main" id="{E992957B-B2D8-024E-8307-5A7E743CE8D6}"/>
+              </a:ext>
+            </a:extLst>
+          </p:cNvPr>
+          <p:cNvCxnSpPr>
+            <a:cxnSpLocks/>
+          </p:cNvCxnSpPr>
+          <p:nvPr/>
+        </p:nvCxnSpPr>
+        <p:spPr>
+          <a:xfrm flipV="1">
+            <a:off x="8414535" y="2399603"/>
+            <a:ext cx="0" cy="3062913"/>
+          </a:xfrm>
+          <a:prstGeom prst="straightConnector1">
+            <a:avLst/>
+          </a:prstGeom>
+          <a:ln>
+            <a:solidFill>
+              <a:schemeClr val="tx1"/>
+            </a:solidFill>
+            <a:tailEnd type="triangle"/>
+          </a:ln>
+        </p:spPr>
+        <p:style>
+          <a:lnRef idx="1">
+            <a:schemeClr val="accent1"/>
+          </a:lnRef>
+          <a:fillRef idx="0">
+            <a:schemeClr val="accent1"/>
+          </a:fillRef>
+          <a:effectRef idx="0">
+            <a:schemeClr val="accent1"/>
+          </a:effectRef>
+          <a:fontRef idx="minor">
+            <a:schemeClr val="tx1"/>
+          </a:fontRef>
+        </p:style>
+      </p:cxnSp>
+      <p:pic>
+        <p:nvPicPr>
+          <p:cNvPr id="15" name="Picture 14">
+            <a:extLst>
+              <a:ext uri="{FF2B5EF4-FFF2-40B4-BE49-F238E27FC236}">
+                <a16:creationId xmlns:a16="http://schemas.microsoft.com/office/drawing/2014/main" id="{A3A77988-6A3D-A54A-87F9-86741CCC287D}"/>
+              </a:ext>
+            </a:extLst>
+          </p:cNvPr>
+          <p:cNvPicPr>
+            <a:picLocks noChangeAspect="1"/>
+          </p:cNvPicPr>
+          <p:nvPr/>
+        </p:nvPicPr>
+        <p:blipFill>
+          <a:blip r:embed="rId4"/>
+          <a:stretch>
+            <a:fillRect/>
+          </a:stretch>
+        </p:blipFill>
+        <p:spPr>
+          <a:xfrm>
+            <a:off x="3881919" y="5169097"/>
+            <a:ext cx="4178300" cy="1104900"/>
+          </a:xfrm>
+          <a:prstGeom prst="rect">
+            <a:avLst/>
+          </a:prstGeom>
+        </p:spPr>
+      </p:pic>
+      <p:cxnSp>
+        <p:nvCxnSpPr>
+          <p:cNvPr id="19" name="Straight Arrow Connector 18">
+            <a:extLst>
+              <a:ext uri="{FF2B5EF4-FFF2-40B4-BE49-F238E27FC236}">
+                <a16:creationId xmlns:a16="http://schemas.microsoft.com/office/drawing/2014/main" id="{13E33E8E-0AE9-A040-8956-C62A2C2D44B2}"/>
+              </a:ext>
+            </a:extLst>
+          </p:cNvPr>
+          <p:cNvCxnSpPr>
+            <a:cxnSpLocks/>
+          </p:cNvCxnSpPr>
+          <p:nvPr/>
+        </p:nvCxnSpPr>
+        <p:spPr>
+          <a:xfrm flipV="1">
+            <a:off x="8414535" y="3667873"/>
+            <a:ext cx="958067" cy="940299"/>
+          </a:xfrm>
+          <a:prstGeom prst="straightConnector1">
+            <a:avLst/>
+          </a:prstGeom>
+          <a:ln>
+            <a:tailEnd type="triangle"/>
+          </a:ln>
+        </p:spPr>
+        <p:style>
+          <a:lnRef idx="1">
+            <a:schemeClr val="accent1"/>
+          </a:lnRef>
+          <a:fillRef idx="0">
+            <a:schemeClr val="accent1"/>
+          </a:fillRef>
+          <a:effectRef idx="0">
+            <a:schemeClr val="accent1"/>
+          </a:effectRef>
+          <a:fontRef idx="minor">
+            <a:schemeClr val="tx1"/>
+          </a:fontRef>
+        </p:style>
+      </p:cxnSp>
+      <p:cxnSp>
+        <p:nvCxnSpPr>
+          <p:cNvPr id="26" name="Straight Arrow Connector 25">
+            <a:extLst>
+              <a:ext uri="{FF2B5EF4-FFF2-40B4-BE49-F238E27FC236}">
+                <a16:creationId xmlns:a16="http://schemas.microsoft.com/office/drawing/2014/main" id="{400B3A06-5D9B-544A-9D10-635F34D3CF84}"/>
+              </a:ext>
+            </a:extLst>
+          </p:cNvPr>
+          <p:cNvCxnSpPr>
+            <a:cxnSpLocks/>
+          </p:cNvCxnSpPr>
+          <p:nvPr/>
+        </p:nvCxnSpPr>
+        <p:spPr>
+          <a:xfrm flipH="1" flipV="1">
+            <a:off x="7381984" y="3667873"/>
+            <a:ext cx="1030841" cy="959137"/>
+          </a:xfrm>
+          <a:prstGeom prst="straightConnector1">
+            <a:avLst/>
+          </a:prstGeom>
+          <a:ln>
+            <a:solidFill>
+              <a:srgbClr val="FF0000"/>
+            </a:solidFill>
+            <a:tailEnd type="triangle"/>
+          </a:ln>
+        </p:spPr>
+        <p:style>
+          <a:lnRef idx="1">
+            <a:schemeClr val="accent1"/>
+          </a:lnRef>
+          <a:fillRef idx="0">
+            <a:schemeClr val="accent1"/>
+          </a:fillRef>
+          <a:effectRef idx="0">
+            <a:schemeClr val="accent1"/>
+          </a:effectRef>
+          <a:fontRef idx="minor">
+            <a:schemeClr val="tx1"/>
+          </a:fontRef>
+        </p:style>
+      </p:cxnSp>
+      <p:sp>
+        <p:nvSpPr>
+          <p:cNvPr id="28" name="Oval 27">
+            <a:extLst>
+              <a:ext uri="{FF2B5EF4-FFF2-40B4-BE49-F238E27FC236}">
+                <a16:creationId xmlns:a16="http://schemas.microsoft.com/office/drawing/2014/main" id="{5BAC758B-731A-464F-90B9-BE43BF46EC26}"/>
+              </a:ext>
+            </a:extLst>
+          </p:cNvPr>
+          <p:cNvSpPr/>
+          <p:nvPr/>
+        </p:nvSpPr>
+        <p:spPr>
+          <a:xfrm>
+            <a:off x="8351181" y="2650733"/>
+            <a:ext cx="135274" cy="123075"/>
+          </a:xfrm>
+          <a:prstGeom prst="ellipse">
+            <a:avLst/>
+          </a:prstGeom>
+          <a:solidFill>
+            <a:srgbClr val="FFFF00"/>
+          </a:solidFill>
+        </p:spPr>
+        <p:style>
+          <a:lnRef idx="2">
+            <a:schemeClr val="accent1">
+              <a:shade val="50000"/>
+            </a:schemeClr>
+          </a:lnRef>
+          <a:fillRef idx="1">
+            <a:schemeClr val="accent1"/>
+          </a:fillRef>
+          <a:effectRef idx="0">
+            <a:schemeClr val="accent1"/>
+          </a:effectRef>
+          <a:fontRef idx="minor">
+            <a:schemeClr val="lt1"/>
+          </a:fontRef>
+        </p:style>
+        <p:txBody>
+          <a:bodyPr rtlCol="0" anchor="ctr"/>
+          <a:lstStyle/>
+          <a:p>
+            <a:pPr algn="ctr"/>
+            <a:endParaRPr lang="en-US"/>
+          </a:p>
+        </p:txBody>
+      </p:sp>
+      <p:cxnSp>
+        <p:nvCxnSpPr>
+          <p:cNvPr id="29" name="Straight Arrow Connector 28">
+            <a:extLst>
+              <a:ext uri="{FF2B5EF4-FFF2-40B4-BE49-F238E27FC236}">
+                <a16:creationId xmlns:a16="http://schemas.microsoft.com/office/drawing/2014/main" id="{994A3166-1466-6C42-A1A8-6C400B99330A}"/>
+              </a:ext>
+            </a:extLst>
+          </p:cNvPr>
+          <p:cNvCxnSpPr>
+            <a:cxnSpLocks/>
+          </p:cNvCxnSpPr>
+          <p:nvPr/>
+        </p:nvCxnSpPr>
+        <p:spPr>
+          <a:xfrm flipV="1">
+            <a:off x="7393114" y="2758502"/>
+            <a:ext cx="958067" cy="940299"/>
+          </a:xfrm>
+          <a:prstGeom prst="straightConnector1">
+            <a:avLst/>
+          </a:prstGeom>
+          <a:ln>
+            <a:prstDash val="dash"/>
+            <a:tailEnd type="triangle"/>
+          </a:ln>
+        </p:spPr>
+        <p:style>
+          <a:lnRef idx="1">
+            <a:schemeClr val="accent1"/>
+          </a:lnRef>
+          <a:fillRef idx="0">
+            <a:schemeClr val="accent1"/>
+          </a:fillRef>
+          <a:effectRef idx="0">
+            <a:schemeClr val="accent1"/>
+          </a:effectRef>
+          <a:fontRef idx="minor">
+            <a:schemeClr val="tx1"/>
+          </a:fontRef>
+        </p:style>
+      </p:cxnSp>
+      <p:sp>
+        <p:nvSpPr>
+          <p:cNvPr id="30" name="Rectangle 29">
+            <a:extLst>
+              <a:ext uri="{FF2B5EF4-FFF2-40B4-BE49-F238E27FC236}">
+                <a16:creationId xmlns:a16="http://schemas.microsoft.com/office/drawing/2014/main" id="{2FEA64CB-875F-5141-B079-9FAB32DB6A46}"/>
+              </a:ext>
+            </a:extLst>
+          </p:cNvPr>
+          <p:cNvSpPr/>
+          <p:nvPr/>
+        </p:nvSpPr>
+        <p:spPr>
+          <a:xfrm>
+            <a:off x="4222679" y="4911047"/>
+            <a:ext cx="688368" cy="1613043"/>
+          </a:xfrm>
+          <a:prstGeom prst="rect">
+            <a:avLst/>
+          </a:prstGeom>
+          <a:noFill/>
+          <a:ln>
+            <a:solidFill>
+              <a:schemeClr val="accent1"/>
+            </a:solidFill>
+          </a:ln>
+        </p:spPr>
+        <p:style>
+          <a:lnRef idx="2">
+            <a:schemeClr val="accent1">
+              <a:shade val="50000"/>
+            </a:schemeClr>
+          </a:lnRef>
+          <a:fillRef idx="1">
+            <a:schemeClr val="accent1"/>
+          </a:fillRef>
+          <a:effectRef idx="0">
+            <a:schemeClr val="accent1"/>
+          </a:effectRef>
+          <a:fontRef idx="minor">
+            <a:schemeClr val="lt1"/>
+          </a:fontRef>
+        </p:style>
+        <p:txBody>
+          <a:bodyPr rtlCol="0" anchor="ctr"/>
+          <a:lstStyle/>
+          <a:p>
+            <a:pPr algn="ctr"/>
+            <a:endParaRPr lang="en-US"/>
+          </a:p>
+        </p:txBody>
+      </p:sp>
+      <p:sp>
+        <p:nvSpPr>
+          <p:cNvPr id="31" name="Rectangle 30">
+            <a:extLst>
+              <a:ext uri="{FF2B5EF4-FFF2-40B4-BE49-F238E27FC236}">
+                <a16:creationId xmlns:a16="http://schemas.microsoft.com/office/drawing/2014/main" id="{D4D6A743-B545-3145-9257-CA1E33DBB685}"/>
+              </a:ext>
+            </a:extLst>
+          </p:cNvPr>
+          <p:cNvSpPr/>
+          <p:nvPr/>
+        </p:nvSpPr>
+        <p:spPr>
+          <a:xfrm>
+            <a:off x="5801046" y="4879832"/>
+            <a:ext cx="1062085" cy="1613043"/>
+          </a:xfrm>
+          <a:prstGeom prst="rect">
+            <a:avLst/>
+          </a:prstGeom>
+          <a:noFill/>
+          <a:ln>
+            <a:solidFill>
+              <a:srgbClr val="FF0000"/>
+            </a:solidFill>
+          </a:ln>
+        </p:spPr>
+        <p:style>
+          <a:lnRef idx="2">
+            <a:schemeClr val="accent1">
+              <a:shade val="50000"/>
+            </a:schemeClr>
+          </a:lnRef>
+          <a:fillRef idx="1">
+            <a:schemeClr val="accent1"/>
+          </a:fillRef>
+          <a:effectRef idx="0">
+            <a:schemeClr val="accent1"/>
+          </a:effectRef>
+          <a:fontRef idx="minor">
+            <a:schemeClr val="lt1"/>
+          </a:fontRef>
+        </p:style>
+        <p:txBody>
+          <a:bodyPr rtlCol="0" anchor="ctr"/>
+          <a:lstStyle/>
+          <a:p>
+            <a:pPr algn="ctr"/>
+            <a:endParaRPr lang="en-US"/>
+          </a:p>
+        </p:txBody>
+      </p:sp>
+    </p:spTree>
+    <p:extLst>
+      <p:ext uri="{BB962C8B-B14F-4D97-AF65-F5344CB8AC3E}">
+        <p14:creationId xmlns:p14="http://schemas.microsoft.com/office/powerpoint/2010/main" val="514472269"/>
+      </p:ext>
+    </p:extLst>
+  </p:cSld>
+  <p:clrMapOvr>
+    <a:masterClrMapping/>
+  </p:clrMapOvr>
+</p:sld>
+</file>
+
+<file path=ppt/slides/slide21.xml><?xml version="1.0" encoding="utf-8"?>
 <p:sld xmlns:a="http://schemas.openxmlformats.org/drawingml/2006/main" xmlns:r="http://schemas.openxmlformats.org/officeDocument/2006/relationships" xmlns:p="http://schemas.openxmlformats.org/presentationml/2006/main">
   <p:cSld>
     <p:spTree>
@@ -9021,7 +9085,7 @@
 </p:sld>
 </file>
 
-<file path=ppt/slides/slide21.xml><?xml version="1.0" encoding="utf-8"?>
+<file path=ppt/slides/slide22.xml><?xml version="1.0" encoding="utf-8"?>
 <p:sld xmlns:a="http://schemas.openxmlformats.org/drawingml/2006/main" xmlns:r="http://schemas.openxmlformats.org/officeDocument/2006/relationships" xmlns:p="http://schemas.openxmlformats.org/presentationml/2006/main">
   <p:cSld>
     <p:spTree>
@@ -9265,7 +9329,7 @@
 </p:sld>
 </file>
 
-<file path=ppt/slides/slide22.xml><?xml version="1.0" encoding="utf-8"?>
+<file path=ppt/slides/slide23.xml><?xml version="1.0" encoding="utf-8"?>
 <p:sld xmlns:a="http://schemas.openxmlformats.org/drawingml/2006/main" xmlns:r="http://schemas.openxmlformats.org/officeDocument/2006/relationships" xmlns:p="http://schemas.openxmlformats.org/presentationml/2006/main">
   <p:cSld>
     <p:spTree>
@@ -9644,7 +9708,7 @@
 </p:sld>
 </file>
 
-<file path=ppt/slides/slide23.xml><?xml version="1.0" encoding="utf-8"?>
+<file path=ppt/slides/slide24.xml><?xml version="1.0" encoding="utf-8"?>
 <p:sld xmlns:a="http://schemas.openxmlformats.org/drawingml/2006/main" xmlns:r="http://schemas.openxmlformats.org/officeDocument/2006/relationships" xmlns:p="http://schemas.openxmlformats.org/presentationml/2006/main">
   <p:cSld>
     <p:spTree>
@@ -10069,256 +10133,6 @@
     <p:extLst>
       <p:ext uri="{BB962C8B-B14F-4D97-AF65-F5344CB8AC3E}">
         <p14:creationId xmlns:p14="http://schemas.microsoft.com/office/powerpoint/2010/main" val="3445858652"/>
-      </p:ext>
-    </p:extLst>
-  </p:cSld>
-  <p:clrMapOvr>
-    <a:masterClrMapping/>
-  </p:clrMapOvr>
-</p:sld>
-</file>
-
-<file path=ppt/slides/slide24.xml><?xml version="1.0" encoding="utf-8"?>
-<p:sld xmlns:a="http://schemas.openxmlformats.org/drawingml/2006/main" xmlns:r="http://schemas.openxmlformats.org/officeDocument/2006/relationships" xmlns:p="http://schemas.openxmlformats.org/presentationml/2006/main">
-  <p:cSld>
-    <p:spTree>
-      <p:nvGrpSpPr>
-        <p:cNvPr id="1" name=""/>
-        <p:cNvGrpSpPr/>
-        <p:nvPr/>
-      </p:nvGrpSpPr>
-      <p:grpSpPr>
-        <a:xfrm>
-          <a:off x="0" y="0"/>
-          <a:ext cx="0" cy="0"/>
-          <a:chOff x="0" y="0"/>
-          <a:chExt cx="0" cy="0"/>
-        </a:xfrm>
-      </p:grpSpPr>
-      <p:sp>
-        <p:nvSpPr>
-          <p:cNvPr id="2" name="Title 1">
-            <a:extLst>
-              <a:ext uri="{FF2B5EF4-FFF2-40B4-BE49-F238E27FC236}">
-                <a16:creationId xmlns:a16="http://schemas.microsoft.com/office/drawing/2014/main" id="{54A2FE5B-4E65-514A-B561-4D65EB41C6D6}"/>
-              </a:ext>
-            </a:extLst>
-          </p:cNvPr>
-          <p:cNvSpPr>
-            <a:spLocks noGrp="1"/>
-          </p:cNvSpPr>
-          <p:nvPr>
-            <p:ph type="title"/>
-          </p:nvPr>
-        </p:nvSpPr>
-        <p:spPr/>
-        <p:txBody>
-          <a:bodyPr/>
-          <a:lstStyle/>
-          <a:p>
-            <a:r>
-              <a:rPr lang="en-US" dirty="0"/>
-              <a:t>Matrix-vector product and </a:t>
-            </a:r>
-          </a:p>
-        </p:txBody>
-      </p:sp>
-      <p:pic>
-        <p:nvPicPr>
-          <p:cNvPr id="4" name="Picture 3">
-            <a:extLst>
-              <a:ext uri="{FF2B5EF4-FFF2-40B4-BE49-F238E27FC236}">
-                <a16:creationId xmlns:a16="http://schemas.microsoft.com/office/drawing/2014/main" id="{EE5C3723-3AE6-B343-A541-4657E9E3D272}"/>
-              </a:ext>
-            </a:extLst>
-          </p:cNvPr>
-          <p:cNvPicPr>
-            <a:picLocks noChangeAspect="1"/>
-          </p:cNvPicPr>
-          <p:nvPr/>
-        </p:nvPicPr>
-        <p:blipFill>
-          <a:blip r:embed="rId2"/>
-          <a:stretch>
-            <a:fillRect/>
-          </a:stretch>
-        </p:blipFill>
-        <p:spPr>
-          <a:xfrm>
-            <a:off x="7176997" y="791489"/>
-            <a:ext cx="2200497" cy="472834"/>
-          </a:xfrm>
-          <a:prstGeom prst="rect">
-            <a:avLst/>
-          </a:prstGeom>
-        </p:spPr>
-      </p:pic>
-      <p:sp>
-        <p:nvSpPr>
-          <p:cNvPr id="5" name="TextBox 4">
-            <a:extLst>
-              <a:ext uri="{FF2B5EF4-FFF2-40B4-BE49-F238E27FC236}">
-                <a16:creationId xmlns:a16="http://schemas.microsoft.com/office/drawing/2014/main" id="{02721168-5878-DA4A-A4E3-4D1863AAFC0B}"/>
-              </a:ext>
-            </a:extLst>
-          </p:cNvPr>
-          <p:cNvSpPr txBox="1"/>
-          <p:nvPr/>
-        </p:nvSpPr>
-        <p:spPr>
-          <a:xfrm>
-            <a:off x="996595" y="1910993"/>
-            <a:ext cx="5650786" cy="4401205"/>
-          </a:xfrm>
-          <a:prstGeom prst="rect">
-            <a:avLst/>
-          </a:prstGeom>
-          <a:noFill/>
-        </p:spPr>
-        <p:txBody>
-          <a:bodyPr wrap="square" rtlCol="0">
-            <a:spAutoFit/>
-          </a:bodyPr>
-          <a:lstStyle/>
-          <a:p>
-            <a:r>
-              <a:rPr lang="en-US" sz="2800" dirty="0"/>
-              <a:t>Inverse matrix </a:t>
-            </a:r>
-            <a:r>
-              <a:rPr lang="en-US" sz="2800" b="1" dirty="0"/>
-              <a:t>A</a:t>
-            </a:r>
-            <a:r>
-              <a:rPr lang="en-US" sz="2800" b="1" baseline="30000" dirty="0"/>
-              <a:t>-1</a:t>
-            </a:r>
-          </a:p>
-          <a:p>
-            <a:endParaRPr lang="en-US" sz="2800" b="1" dirty="0"/>
-          </a:p>
-          <a:p>
-            <a:r>
-              <a:rPr lang="en-US" sz="2800" dirty="0"/>
-              <a:t>If inverse matrix of </a:t>
-            </a:r>
-            <a:r>
-              <a:rPr lang="en-US" sz="2800" b="1" dirty="0"/>
-              <a:t>A</a:t>
-            </a:r>
-            <a:r>
-              <a:rPr lang="en-US" sz="2800" dirty="0"/>
-              <a:t> exists, we have</a:t>
-            </a:r>
-          </a:p>
-          <a:p>
-            <a:endParaRPr lang="en-US" sz="2800" dirty="0"/>
-          </a:p>
-          <a:p>
-            <a:r>
-              <a:rPr lang="en-US" sz="2800" dirty="0"/>
-              <a:t>In MATLAB it is </a:t>
-            </a:r>
-            <a:r>
-              <a:rPr lang="en-US" sz="2800" b="1" dirty="0"/>
-              <a:t>inv</a:t>
-            </a:r>
-            <a:r>
-              <a:rPr lang="en-US" sz="2800" dirty="0"/>
-              <a:t> function. Also the backslash operation “A\b” does it for you…</a:t>
-            </a:r>
-          </a:p>
-          <a:p>
-            <a:endParaRPr lang="en-US" sz="2800" dirty="0"/>
-          </a:p>
-          <a:p>
-            <a:r>
-              <a:rPr lang="en-US" sz="2800" dirty="0"/>
-              <a:t>In Python, </a:t>
-            </a:r>
-            <a:r>
-              <a:rPr lang="en-US" sz="2800" b="1" dirty="0" err="1"/>
-              <a:t>np.linalg.inv</a:t>
-            </a:r>
-            <a:r>
-              <a:rPr lang="en-US" sz="2800" dirty="0"/>
-              <a:t> (or </a:t>
-            </a:r>
-            <a:r>
-              <a:rPr lang="en-US" sz="2800" b="1" dirty="0" err="1"/>
-              <a:t>scipy.linalg.inv</a:t>
-            </a:r>
-            <a:r>
-              <a:rPr lang="en-US" sz="2800" dirty="0"/>
-              <a:t>)</a:t>
-            </a:r>
-          </a:p>
-        </p:txBody>
-      </p:sp>
-      <p:pic>
-        <p:nvPicPr>
-          <p:cNvPr id="11" name="Picture 10">
-            <a:extLst>
-              <a:ext uri="{FF2B5EF4-FFF2-40B4-BE49-F238E27FC236}">
-                <a16:creationId xmlns:a16="http://schemas.microsoft.com/office/drawing/2014/main" id="{40788B21-75D6-6D45-A329-80CFDFAC45CC}"/>
-              </a:ext>
-            </a:extLst>
-          </p:cNvPr>
-          <p:cNvPicPr>
-            <a:picLocks noChangeAspect="1"/>
-          </p:cNvPicPr>
-          <p:nvPr/>
-        </p:nvPicPr>
-        <p:blipFill>
-          <a:blip r:embed="rId3"/>
-          <a:stretch>
-            <a:fillRect/>
-          </a:stretch>
-        </p:blipFill>
-        <p:spPr>
-          <a:xfrm>
-            <a:off x="4341331" y="1910993"/>
-            <a:ext cx="2070100" cy="419100"/>
-          </a:xfrm>
-          <a:prstGeom prst="rect">
-            <a:avLst/>
-          </a:prstGeom>
-        </p:spPr>
-      </p:pic>
-      <p:pic>
-        <p:nvPicPr>
-          <p:cNvPr id="6" name="Picture 5">
-            <a:extLst>
-              <a:ext uri="{FF2B5EF4-FFF2-40B4-BE49-F238E27FC236}">
-                <a16:creationId xmlns:a16="http://schemas.microsoft.com/office/drawing/2014/main" id="{3EFA0539-679E-134B-99ED-8919754D6739}"/>
-              </a:ext>
-            </a:extLst>
-          </p:cNvPr>
-          <p:cNvPicPr>
-            <a:picLocks noChangeAspect="1"/>
-          </p:cNvPicPr>
-          <p:nvPr/>
-        </p:nvPicPr>
-        <p:blipFill>
-          <a:blip r:embed="rId4"/>
-          <a:stretch>
-            <a:fillRect/>
-          </a:stretch>
-        </p:blipFill>
-        <p:spPr>
-          <a:xfrm>
-            <a:off x="6734703" y="1993761"/>
-            <a:ext cx="5121132" cy="3949459"/>
-          </a:xfrm>
-          <a:prstGeom prst="rect">
-            <a:avLst/>
-          </a:prstGeom>
-        </p:spPr>
-      </p:pic>
-    </p:spTree>
-    <p:extLst>
-      <p:ext uri="{BB962C8B-B14F-4D97-AF65-F5344CB8AC3E}">
-        <p14:creationId xmlns:p14="http://schemas.microsoft.com/office/powerpoint/2010/main" val="1568546512"/>
       </p:ext>
     </p:extLst>
   </p:cSld>
@@ -10417,8 +10231,8 @@
         </p:nvSpPr>
         <p:spPr>
           <a:xfrm>
-            <a:off x="1150706" y="1839074"/>
-            <a:ext cx="5835721" cy="523220"/>
+            <a:off x="996595" y="1910993"/>
+            <a:ext cx="5650786" cy="4401205"/>
           </a:xfrm>
           <a:prstGeom prst="rect">
             <a:avLst/>
@@ -10433,24 +10247,142 @@
           <a:p>
             <a:r>
               <a:rPr lang="en-US" sz="2800" dirty="0"/>
-              <a:t>What if </a:t>
+              <a:t>Inverse matrix </a:t>
             </a:r>
             <a:r>
               <a:rPr lang="en-US" sz="2800" b="1" dirty="0"/>
               <a:t>A</a:t>
             </a:r>
             <a:r>
+              <a:rPr lang="en-US" sz="2800" b="1" baseline="30000" dirty="0"/>
+              <a:t>-1</a:t>
+            </a:r>
+          </a:p>
+          <a:p>
+            <a:endParaRPr lang="en-US" sz="2800" b="1" dirty="0"/>
+          </a:p>
+          <a:p>
+            <a:r>
               <a:rPr lang="en-US" sz="2800" dirty="0"/>
-              <a:t> is not a square matrix?</a:t>
-            </a:r>
-            <a:endParaRPr lang="en-US" sz="2800" b="1" dirty="0"/>
-          </a:p>
-        </p:txBody>
-      </p:sp>
+              <a:t>If inverse matrix of </a:t>
+            </a:r>
+            <a:r>
+              <a:rPr lang="en-US" sz="2800" b="1" dirty="0"/>
+              <a:t>A</a:t>
+            </a:r>
+            <a:r>
+              <a:rPr lang="en-US" sz="2800" dirty="0"/>
+              <a:t> exists, we have</a:t>
+            </a:r>
+          </a:p>
+          <a:p>
+            <a:endParaRPr lang="en-US" sz="2800" dirty="0"/>
+          </a:p>
+          <a:p>
+            <a:r>
+              <a:rPr lang="en-US" sz="2800" dirty="0"/>
+              <a:t>In MATLAB it is </a:t>
+            </a:r>
+            <a:r>
+              <a:rPr lang="en-US" sz="2800" b="1" dirty="0"/>
+              <a:t>inv</a:t>
+            </a:r>
+            <a:r>
+              <a:rPr lang="en-US" sz="2800" dirty="0"/>
+              <a:t> function. Also the backslash operation “A\b” does it for you…</a:t>
+            </a:r>
+          </a:p>
+          <a:p>
+            <a:endParaRPr lang="en-US" sz="2800" dirty="0"/>
+          </a:p>
+          <a:p>
+            <a:r>
+              <a:rPr lang="en-US" sz="2800" dirty="0"/>
+              <a:t>In Python, </a:t>
+            </a:r>
+            <a:r>
+              <a:rPr lang="en-US" sz="2800" b="1" dirty="0" err="1"/>
+              <a:t>np.linalg.inv</a:t>
+            </a:r>
+            <a:r>
+              <a:rPr lang="en-US" sz="2800" dirty="0"/>
+              <a:t> (or </a:t>
+            </a:r>
+            <a:r>
+              <a:rPr lang="en-US" sz="2800" b="1" dirty="0" err="1"/>
+              <a:t>scipy.linalg.inv</a:t>
+            </a:r>
+            <a:r>
+              <a:rPr lang="en-US" sz="2800" dirty="0"/>
+              <a:t>)</a:t>
+            </a:r>
+          </a:p>
+        </p:txBody>
+      </p:sp>
+      <p:pic>
+        <p:nvPicPr>
+          <p:cNvPr id="11" name="Picture 10">
+            <a:extLst>
+              <a:ext uri="{FF2B5EF4-FFF2-40B4-BE49-F238E27FC236}">
+                <a16:creationId xmlns:a16="http://schemas.microsoft.com/office/drawing/2014/main" id="{40788B21-75D6-6D45-A329-80CFDFAC45CC}"/>
+              </a:ext>
+            </a:extLst>
+          </p:cNvPr>
+          <p:cNvPicPr>
+            <a:picLocks noChangeAspect="1"/>
+          </p:cNvPicPr>
+          <p:nvPr/>
+        </p:nvPicPr>
+        <p:blipFill>
+          <a:blip r:embed="rId3"/>
+          <a:stretch>
+            <a:fillRect/>
+          </a:stretch>
+        </p:blipFill>
+        <p:spPr>
+          <a:xfrm>
+            <a:off x="4341331" y="1910993"/>
+            <a:ext cx="2070100" cy="419100"/>
+          </a:xfrm>
+          <a:prstGeom prst="rect">
+            <a:avLst/>
+          </a:prstGeom>
+        </p:spPr>
+      </p:pic>
+      <p:pic>
+        <p:nvPicPr>
+          <p:cNvPr id="6" name="Picture 5">
+            <a:extLst>
+              <a:ext uri="{FF2B5EF4-FFF2-40B4-BE49-F238E27FC236}">
+                <a16:creationId xmlns:a16="http://schemas.microsoft.com/office/drawing/2014/main" id="{3EFA0539-679E-134B-99ED-8919754D6739}"/>
+              </a:ext>
+            </a:extLst>
+          </p:cNvPr>
+          <p:cNvPicPr>
+            <a:picLocks noChangeAspect="1"/>
+          </p:cNvPicPr>
+          <p:nvPr/>
+        </p:nvPicPr>
+        <p:blipFill>
+          <a:blip r:embed="rId4"/>
+          <a:stretch>
+            <a:fillRect/>
+          </a:stretch>
+        </p:blipFill>
+        <p:spPr>
+          <a:xfrm>
+            <a:off x="6734703" y="1993761"/>
+            <a:ext cx="5121132" cy="3949459"/>
+          </a:xfrm>
+          <a:prstGeom prst="rect">
+            <a:avLst/>
+          </a:prstGeom>
+        </p:spPr>
+      </p:pic>
     </p:spTree>
     <p:extLst>
       <p:ext uri="{BB962C8B-B14F-4D97-AF65-F5344CB8AC3E}">
-        <p14:creationId xmlns:p14="http://schemas.microsoft.com/office/powerpoint/2010/main" val="1694079258"/>
+        <p14:creationId xmlns:p14="http://schemas.microsoft.com/office/powerpoint/2010/main" val="1568546512"/>
       </p:ext>
     </p:extLst>
   </p:cSld>
@@ -10550,7 +10482,7 @@
         <p:spPr>
           <a:xfrm>
             <a:off x="1150706" y="1839074"/>
-            <a:ext cx="10315254" cy="2677656"/>
+            <a:ext cx="5835721" cy="523220"/>
           </a:xfrm>
           <a:prstGeom prst="rect">
             <a:avLst/>
@@ -10575,56 +10507,14 @@
               <a:rPr lang="en-US" sz="2800" dirty="0"/>
               <a:t> is not a square matrix?</a:t>
             </a:r>
-          </a:p>
-          <a:p>
             <a:endParaRPr lang="en-US" sz="2800" b="1" dirty="0"/>
-          </a:p>
-          <a:p>
-            <a:r>
-              <a:rPr lang="en-US" sz="2800" dirty="0"/>
-              <a:t>Let’s say there are too many (m) equations than (n) unknowns.  </a:t>
-            </a:r>
-          </a:p>
-          <a:p>
-            <a:endParaRPr lang="en-US" sz="2800" b="1" dirty="0"/>
-          </a:p>
-          <a:p>
-            <a:r>
-              <a:rPr lang="en-US" sz="2800" dirty="0"/>
-              <a:t>In this case, there is no unique solution </a:t>
-            </a:r>
-            <a:r>
-              <a:rPr lang="en-US" sz="2800" b="1" dirty="0"/>
-              <a:t>x</a:t>
-            </a:r>
-            <a:r>
-              <a:rPr lang="en-US" sz="2800" dirty="0"/>
-              <a:t> that can satisfy all equations in </a:t>
-            </a:r>
-            <a:r>
-              <a:rPr lang="en-US" sz="2800" b="1" dirty="0"/>
-              <a:t>Ax</a:t>
-            </a:r>
-            <a:r>
-              <a:rPr lang="en-US" sz="2800" dirty="0"/>
-              <a:t> = </a:t>
-            </a:r>
-            <a:r>
-              <a:rPr lang="en-US" sz="2800" b="1" dirty="0"/>
-              <a:t>b </a:t>
-            </a:r>
-            <a:r>
-              <a:rPr lang="en-US" sz="2800" dirty="0"/>
-              <a:t>in the exact sense</a:t>
-            </a:r>
-            <a:endParaRPr lang="en-US" sz="2800" baseline="30000" dirty="0"/>
           </a:p>
         </p:txBody>
       </p:sp>
     </p:spTree>
     <p:extLst>
       <p:ext uri="{BB962C8B-B14F-4D97-AF65-F5344CB8AC3E}">
-        <p14:creationId xmlns:p14="http://schemas.microsoft.com/office/powerpoint/2010/main" val="1679335216"/>
+        <p14:creationId xmlns:p14="http://schemas.microsoft.com/office/powerpoint/2010/main" val="1694079258"/>
       </p:ext>
     </p:extLst>
   </p:cSld>
@@ -10701,8 +10591,8 @@
         </p:blipFill>
         <p:spPr>
           <a:xfrm>
-            <a:off x="7176998" y="791489"/>
-            <a:ext cx="2200497" cy="472835"/>
+            <a:off x="7176997" y="791489"/>
+            <a:ext cx="2200497" cy="472834"/>
           </a:xfrm>
           <a:prstGeom prst="rect">
             <a:avLst/>
@@ -10723,8 +10613,8 @@
         </p:nvSpPr>
         <p:spPr>
           <a:xfrm>
-            <a:off x="1150706" y="1839075"/>
-            <a:ext cx="9659535" cy="3539430"/>
+            <a:off x="1150706" y="1839074"/>
+            <a:ext cx="10315254" cy="2677656"/>
           </a:xfrm>
           <a:prstGeom prst="rect">
             <a:avLst/>
@@ -10739,15 +10629,33 @@
           <a:p>
             <a:r>
               <a:rPr lang="en-US" sz="2800" dirty="0"/>
-              <a:t>Consider</a:t>
+              <a:t>What if </a:t>
             </a:r>
             <a:r>
               <a:rPr lang="en-US" sz="2800" b="1" dirty="0"/>
-              <a:t> A</a:t>
+              <a:t>A</a:t>
             </a:r>
             <a:r>
               <a:rPr lang="en-US" sz="2800" dirty="0"/>
-              <a:t> is (m x 2) matrix, </a:t>
+              <a:t> is not a square matrix?</a:t>
+            </a:r>
+          </a:p>
+          <a:p>
+            <a:endParaRPr lang="en-US" sz="2800" b="1" dirty="0"/>
+          </a:p>
+          <a:p>
+            <a:r>
+              <a:rPr lang="en-US" sz="2800" dirty="0"/>
+              <a:t>Let’s say there are too many (m) equations than (n) unknowns.  </a:t>
+            </a:r>
+          </a:p>
+          <a:p>
+            <a:endParaRPr lang="en-US" sz="2800" b="1" dirty="0"/>
+          </a:p>
+          <a:p>
+            <a:r>
+              <a:rPr lang="en-US" sz="2800" dirty="0"/>
+              <a:t>In this case, there is no unique solution </a:t>
             </a:r>
             <a:r>
               <a:rPr lang="en-US" sz="2800" b="1" dirty="0"/>
@@ -10755,32 +10663,15 @@
             </a:r>
             <a:r>
               <a:rPr lang="en-US" sz="2800" dirty="0"/>
-              <a:t> is (2 x 1) and </a:t>
+              <a:t> that can satisfy all equations in </a:t>
             </a:r>
             <a:r>
               <a:rPr lang="en-US" sz="2800" b="1" dirty="0"/>
-              <a:t>b</a:t>
+              <a:t>Ax</a:t>
             </a:r>
             <a:r>
               <a:rPr lang="en-US" sz="2800" dirty="0"/>
-              <a:t> is (m x 1) and m is much larger than 2. </a:t>
-            </a:r>
-          </a:p>
-          <a:p>
-            <a:endParaRPr lang="en-US" sz="2800" dirty="0"/>
-          </a:p>
-          <a:p>
-            <a:r>
-              <a:rPr lang="en-US" sz="2800" dirty="0"/>
-              <a:t>In this case, </a:t>
-            </a:r>
-            <a:r>
-              <a:rPr lang="en-US" sz="2800" b="1" dirty="0"/>
-              <a:t>A x</a:t>
-            </a:r>
-            <a:r>
-              <a:rPr lang="en-US" sz="2800" dirty="0"/>
-              <a:t> is unlikely equal to </a:t>
+              <a:t> = </a:t>
             </a:r>
             <a:r>
               <a:rPr lang="en-US" sz="2800" b="1" dirty="0"/>
@@ -10788,48 +10679,16 @@
             </a:r>
             <a:r>
               <a:rPr lang="en-US" sz="2800" dirty="0"/>
-              <a:t>in the exact sense. </a:t>
-            </a:r>
-          </a:p>
-          <a:p>
-            <a:endParaRPr lang="en-US" sz="2800" dirty="0"/>
-          </a:p>
-          <a:p>
-            <a:r>
-              <a:rPr lang="en-US" sz="2800" dirty="0"/>
-              <a:t>However, we could look for the approximate solution </a:t>
-            </a:r>
-            <a:r>
-              <a:rPr lang="en-US" sz="2800" b="1" dirty="0"/>
-              <a:t>x</a:t>
-            </a:r>
-            <a:r>
-              <a:rPr lang="en-US" sz="2800" dirty="0"/>
-              <a:t> that minimizes the magnitude of the misfit |</a:t>
-            </a:r>
-            <a:r>
-              <a:rPr lang="en-US" sz="2800" b="1" dirty="0"/>
-              <a:t>Ax</a:t>
-            </a:r>
-            <a:r>
-              <a:rPr lang="en-US" sz="2800" dirty="0"/>
-              <a:t> - </a:t>
-            </a:r>
-            <a:r>
-              <a:rPr lang="en-US" sz="2800" b="1" dirty="0"/>
-              <a:t>b</a:t>
-            </a:r>
-            <a:r>
-              <a:rPr lang="en-US" sz="2800" dirty="0"/>
-              <a:t>| (aka least square method). </a:t>
-            </a:r>
+              <a:t>in the exact sense</a:t>
+            </a:r>
+            <a:endParaRPr lang="en-US" sz="2800" baseline="30000" dirty="0"/>
           </a:p>
         </p:txBody>
       </p:sp>
     </p:spTree>
     <p:extLst>
       <p:ext uri="{BB962C8B-B14F-4D97-AF65-F5344CB8AC3E}">
-        <p14:creationId xmlns:p14="http://schemas.microsoft.com/office/powerpoint/2010/main" val="93516630"/>
+        <p14:creationId xmlns:p14="http://schemas.microsoft.com/office/powerpoint/2010/main" val="1679335216"/>
       </p:ext>
     </p:extLst>
   </p:cSld>
@@ -10928,8 +10787,8 @@
         </p:nvSpPr>
         <p:spPr>
           <a:xfrm>
-            <a:off x="1150706" y="1839076"/>
-            <a:ext cx="5665201" cy="3539430"/>
+            <a:off x="1150706" y="1839075"/>
+            <a:ext cx="9659535" cy="3539430"/>
           </a:xfrm>
           <a:prstGeom prst="rect">
             <a:avLst/>
@@ -10944,29 +10803,31 @@
           <a:p>
             <a:r>
               <a:rPr lang="en-US" sz="2800" dirty="0"/>
-              <a:t>In MATLAB, ”backslash”(</a:t>
+              <a:t>Consider</a:t>
             </a:r>
             <a:r>
               <a:rPr lang="en-US" sz="2800" b="1" dirty="0"/>
-              <a:t>\</a:t>
+              <a:t> A</a:t>
             </a:r>
             <a:r>
               <a:rPr lang="en-US" sz="2800" dirty="0"/>
-              <a:t>) takes care of this problem. </a:t>
-            </a:r>
-          </a:p>
-          <a:p>
+              <a:t> is (m x 2) matrix, </a:t>
+            </a:r>
+            <a:r>
+              <a:rPr lang="en-US" sz="2800" b="1" dirty="0"/>
+              <a:t>x</a:t>
+            </a:r>
             <a:r>
               <a:rPr lang="en-US" sz="2800" dirty="0"/>
-              <a:t>It is also called pseudoinverse problem, and ”</a:t>
-            </a:r>
-            <a:r>
-              <a:rPr lang="en-US" sz="2800" b="1" dirty="0" err="1"/>
-              <a:t>pinv</a:t>
+              <a:t> is (2 x 1) and </a:t>
+            </a:r>
+            <a:r>
+              <a:rPr lang="en-US" sz="2800" b="1" dirty="0"/>
+              <a:t>b</a:t>
             </a:r>
             <a:r>
               <a:rPr lang="en-US" sz="2800" dirty="0"/>
-              <a:t>” is the MATLAB function. </a:t>
+              <a:t> is (m x 1) and m is much larger than 2. </a:t>
             </a:r>
           </a:p>
           <a:p>
@@ -10975,62 +10836,64 @@
           <a:p>
             <a:r>
               <a:rPr lang="en-US" sz="2800" dirty="0"/>
-              <a:t>In python, it is available as </a:t>
-            </a:r>
-            <a:r>
-              <a:rPr lang="en-US" sz="2800" b="1" dirty="0" err="1"/>
-              <a:t>numpy.linalg.pinv</a:t>
+              <a:t>In this case, </a:t>
             </a:r>
             <a:r>
               <a:rPr lang="en-US" sz="2800" b="1" dirty="0"/>
-              <a:t> </a:t>
+              <a:t>A x</a:t>
             </a:r>
             <a:r>
               <a:rPr lang="en-US" sz="2800" dirty="0"/>
-              <a:t>or </a:t>
-            </a:r>
-            <a:r>
-              <a:rPr lang="en-US" sz="2800" b="1" dirty="0" err="1"/>
-              <a:t>scipy.linalg.pinv</a:t>
-            </a:r>
-            <a:endParaRPr lang="en-US" sz="2800" b="1" dirty="0"/>
-          </a:p>
-        </p:txBody>
-      </p:sp>
-      <p:pic>
-        <p:nvPicPr>
-          <p:cNvPr id="6" name="Picture 5">
-            <a:extLst>
-              <a:ext uri="{FF2B5EF4-FFF2-40B4-BE49-F238E27FC236}">
-                <a16:creationId xmlns:a16="http://schemas.microsoft.com/office/drawing/2014/main" id="{0ED6EB18-D496-3248-A074-DEA2D70F76E4}"/>
-              </a:ext>
-            </a:extLst>
-          </p:cNvPr>
-          <p:cNvPicPr>
-            <a:picLocks noChangeAspect="1"/>
-          </p:cNvPicPr>
-          <p:nvPr/>
-        </p:nvPicPr>
-        <p:blipFill>
-          <a:blip r:embed="rId3"/>
-          <a:stretch>
-            <a:fillRect/>
-          </a:stretch>
-        </p:blipFill>
-        <p:spPr>
-          <a:xfrm>
-            <a:off x="7069667" y="1560195"/>
-            <a:ext cx="3028117" cy="4932680"/>
-          </a:xfrm>
-          <a:prstGeom prst="rect">
-            <a:avLst/>
-          </a:prstGeom>
-        </p:spPr>
-      </p:pic>
+              <a:t> is unlikely equal to </a:t>
+            </a:r>
+            <a:r>
+              <a:rPr lang="en-US" sz="2800" b="1" dirty="0"/>
+              <a:t>b </a:t>
+            </a:r>
+            <a:r>
+              <a:rPr lang="en-US" sz="2800" dirty="0"/>
+              <a:t>in the exact sense. </a:t>
+            </a:r>
+          </a:p>
+          <a:p>
+            <a:endParaRPr lang="en-US" sz="2800" dirty="0"/>
+          </a:p>
+          <a:p>
+            <a:r>
+              <a:rPr lang="en-US" sz="2800" dirty="0"/>
+              <a:t>However, we could look for the approximate solution </a:t>
+            </a:r>
+            <a:r>
+              <a:rPr lang="en-US" sz="2800" b="1" dirty="0"/>
+              <a:t>x</a:t>
+            </a:r>
+            <a:r>
+              <a:rPr lang="en-US" sz="2800" dirty="0"/>
+              <a:t> that minimizes the magnitude of the misfit |</a:t>
+            </a:r>
+            <a:r>
+              <a:rPr lang="en-US" sz="2800" b="1" dirty="0"/>
+              <a:t>Ax</a:t>
+            </a:r>
+            <a:r>
+              <a:rPr lang="en-US" sz="2800" dirty="0"/>
+              <a:t> - </a:t>
+            </a:r>
+            <a:r>
+              <a:rPr lang="en-US" sz="2800" b="1" dirty="0"/>
+              <a:t>b</a:t>
+            </a:r>
+            <a:r>
+              <a:rPr lang="en-US" sz="2800" dirty="0"/>
+              <a:t>| (aka least square method). </a:t>
+            </a:r>
+          </a:p>
+        </p:txBody>
+      </p:sp>
     </p:spTree>
     <p:extLst>
       <p:ext uri="{BB962C8B-B14F-4D97-AF65-F5344CB8AC3E}">
-        <p14:creationId xmlns:p14="http://schemas.microsoft.com/office/powerpoint/2010/main" val="1408807648"/>
+        <p14:creationId xmlns:p14="http://schemas.microsoft.com/office/powerpoint/2010/main" val="93516630"/>
       </p:ext>
     </p:extLst>
   </p:cSld>
@@ -11080,15 +10943,7 @@
           <a:p>
             <a:r>
               <a:rPr lang="en-US" dirty="0"/>
-              <a:t>Pseudoinverse of non-square matrix </a:t>
-            </a:r>
-            <a:r>
-              <a:rPr lang="en-US" b="1" dirty="0"/>
-              <a:t>A</a:t>
-            </a:r>
-            <a:r>
-              <a:rPr lang="en-US" dirty="0"/>
-              <a:t> </a:t>
+              <a:t>Matrix-vector product and </a:t>
             </a:r>
           </a:p>
         </p:txBody>
@@ -11115,20 +10970,103 @@
         </p:blipFill>
         <p:spPr>
           <a:xfrm>
-            <a:off x="1922550" y="1705684"/>
-            <a:ext cx="2018375" cy="433700"/>
+            <a:off x="7176998" y="791489"/>
+            <a:ext cx="2200497" cy="472835"/>
           </a:xfrm>
           <a:prstGeom prst="rect">
             <a:avLst/>
           </a:prstGeom>
         </p:spPr>
       </p:pic>
+      <p:sp>
+        <p:nvSpPr>
+          <p:cNvPr id="5" name="TextBox 4">
+            <a:extLst>
+              <a:ext uri="{FF2B5EF4-FFF2-40B4-BE49-F238E27FC236}">
+                <a16:creationId xmlns:a16="http://schemas.microsoft.com/office/drawing/2014/main" id="{02721168-5878-DA4A-A4E3-4D1863AAFC0B}"/>
+              </a:ext>
+            </a:extLst>
+          </p:cNvPr>
+          <p:cNvSpPr txBox="1"/>
+          <p:nvPr/>
+        </p:nvSpPr>
+        <p:spPr>
+          <a:xfrm>
+            <a:off x="1150706" y="1839076"/>
+            <a:ext cx="5665201" cy="3539430"/>
+          </a:xfrm>
+          <a:prstGeom prst="rect">
+            <a:avLst/>
+          </a:prstGeom>
+          <a:noFill/>
+        </p:spPr>
+        <p:txBody>
+          <a:bodyPr wrap="square" rtlCol="0">
+            <a:spAutoFit/>
+          </a:bodyPr>
+          <a:lstStyle/>
+          <a:p>
+            <a:r>
+              <a:rPr lang="en-US" sz="2800" dirty="0"/>
+              <a:t>In MATLAB, ”backslash”(</a:t>
+            </a:r>
+            <a:r>
+              <a:rPr lang="en-US" sz="2800" b="1" dirty="0"/>
+              <a:t>\</a:t>
+            </a:r>
+            <a:r>
+              <a:rPr lang="en-US" sz="2800" dirty="0"/>
+              <a:t>) takes care of this problem. </a:t>
+            </a:r>
+          </a:p>
+          <a:p>
+            <a:r>
+              <a:rPr lang="en-US" sz="2800" dirty="0"/>
+              <a:t>It is also called pseudoinverse problem, and ”</a:t>
+            </a:r>
+            <a:r>
+              <a:rPr lang="en-US" sz="2800" b="1" dirty="0" err="1"/>
+              <a:t>pinv</a:t>
+            </a:r>
+            <a:r>
+              <a:rPr lang="en-US" sz="2800" dirty="0"/>
+              <a:t>” is the MATLAB function. </a:t>
+            </a:r>
+          </a:p>
+          <a:p>
+            <a:endParaRPr lang="en-US" sz="2800" dirty="0"/>
+          </a:p>
+          <a:p>
+            <a:r>
+              <a:rPr lang="en-US" sz="2800" dirty="0"/>
+              <a:t>In python, it is available as </a:t>
+            </a:r>
+            <a:r>
+              <a:rPr lang="en-US" sz="2800" b="1" dirty="0" err="1"/>
+              <a:t>numpy.linalg.pinv</a:t>
+            </a:r>
+            <a:r>
+              <a:rPr lang="en-US" sz="2800" b="1" dirty="0"/>
+              <a:t> </a:t>
+            </a:r>
+            <a:r>
+              <a:rPr lang="en-US" sz="2800" dirty="0"/>
+              <a:t>or </a:t>
+            </a:r>
+            <a:r>
+              <a:rPr lang="en-US" sz="2800" b="1" dirty="0" err="1"/>
+              <a:t>scipy.linalg.pinv</a:t>
+            </a:r>
+            <a:endParaRPr lang="en-US" sz="2800" b="1" dirty="0"/>
+          </a:p>
+        </p:txBody>
+      </p:sp>
       <p:pic>
         <p:nvPicPr>
           <p:cNvPr id="6" name="Picture 5">
             <a:extLst>
               <a:ext uri="{FF2B5EF4-FFF2-40B4-BE49-F238E27FC236}">
-                <a16:creationId xmlns:a16="http://schemas.microsoft.com/office/drawing/2014/main" id="{6C8D5CD1-7E57-C948-A06B-8B2B2A09891D}"/>
+                <a16:creationId xmlns:a16="http://schemas.microsoft.com/office/drawing/2014/main" id="{0ED6EB18-D496-3248-A074-DEA2D70F76E4}"/>
               </a:ext>
             </a:extLst>
           </p:cNvPr>
@@ -11145,264 +11083,18 @@
         </p:blipFill>
         <p:spPr>
           <a:xfrm>
-            <a:off x="1803611" y="2618482"/>
-            <a:ext cx="3809215" cy="525409"/>
+            <a:off x="7069667" y="1560195"/>
+            <a:ext cx="3028117" cy="4932680"/>
           </a:xfrm>
           <a:prstGeom prst="rect">
             <a:avLst/>
           </a:prstGeom>
         </p:spPr>
       </p:pic>
-      <p:pic>
-        <p:nvPicPr>
-          <p:cNvPr id="7" name="Picture 6">
-            <a:extLst>
-              <a:ext uri="{FF2B5EF4-FFF2-40B4-BE49-F238E27FC236}">
-                <a16:creationId xmlns:a16="http://schemas.microsoft.com/office/drawing/2014/main" id="{5F1E929B-F7D0-3F40-9D77-A827B04C45BA}"/>
-              </a:ext>
-            </a:extLst>
-          </p:cNvPr>
-          <p:cNvPicPr>
-            <a:picLocks noChangeAspect="1"/>
-          </p:cNvPicPr>
-          <p:nvPr/>
-        </p:nvPicPr>
-        <p:blipFill>
-          <a:blip r:embed="rId4"/>
-          <a:stretch>
-            <a:fillRect/>
-          </a:stretch>
-        </p:blipFill>
-        <p:spPr>
-          <a:xfrm>
-            <a:off x="1922550" y="3637985"/>
-            <a:ext cx="4173450" cy="695575"/>
-          </a:xfrm>
-          <a:prstGeom prst="rect">
-            <a:avLst/>
-          </a:prstGeom>
-        </p:spPr>
-      </p:pic>
-      <p:sp>
-        <p:nvSpPr>
-          <p:cNvPr id="8" name="Rectangle 7">
-            <a:extLst>
-              <a:ext uri="{FF2B5EF4-FFF2-40B4-BE49-F238E27FC236}">
-                <a16:creationId xmlns:a16="http://schemas.microsoft.com/office/drawing/2014/main" id="{015D211C-69C9-094F-BCC0-E594D674067C}"/>
-              </a:ext>
-            </a:extLst>
-          </p:cNvPr>
-          <p:cNvSpPr/>
-          <p:nvPr/>
-        </p:nvSpPr>
-        <p:spPr>
-          <a:xfrm>
-            <a:off x="2812799" y="3544584"/>
-            <a:ext cx="2961277" cy="986319"/>
-          </a:xfrm>
-          <a:prstGeom prst="rect">
-            <a:avLst/>
-          </a:prstGeom>
-          <a:noFill/>
-          <a:ln>
-            <a:solidFill>
-              <a:schemeClr val="accent1"/>
-            </a:solidFill>
-          </a:ln>
-        </p:spPr>
-        <p:style>
-          <a:lnRef idx="2">
-            <a:schemeClr val="accent1">
-              <a:shade val="50000"/>
-            </a:schemeClr>
-          </a:lnRef>
-          <a:fillRef idx="1">
-            <a:schemeClr val="accent1"/>
-          </a:fillRef>
-          <a:effectRef idx="0">
-            <a:schemeClr val="accent1"/>
-          </a:effectRef>
-          <a:fontRef idx="minor">
-            <a:schemeClr val="lt1"/>
-          </a:fontRef>
-        </p:style>
-        <p:txBody>
-          <a:bodyPr rtlCol="0" anchor="ctr"/>
-          <a:lstStyle/>
-          <a:p>
-            <a:pPr algn="ctr"/>
-            <a:endParaRPr lang="en-US"/>
-          </a:p>
-        </p:txBody>
-      </p:sp>
-      <p:sp>
-        <p:nvSpPr>
-          <p:cNvPr id="9" name="TextBox 8">
-            <a:extLst>
-              <a:ext uri="{FF2B5EF4-FFF2-40B4-BE49-F238E27FC236}">
-                <a16:creationId xmlns:a16="http://schemas.microsoft.com/office/drawing/2014/main" id="{29696A66-C4BF-2B45-B2AF-89A6509BDF7D}"/>
-              </a:ext>
-            </a:extLst>
-          </p:cNvPr>
-          <p:cNvSpPr txBox="1"/>
-          <p:nvPr/>
-        </p:nvSpPr>
-        <p:spPr>
-          <a:xfrm>
-            <a:off x="2812799" y="4840331"/>
-            <a:ext cx="3308279" cy="369332"/>
-          </a:xfrm>
-          <a:prstGeom prst="rect">
-            <a:avLst/>
-          </a:prstGeom>
-          <a:noFill/>
-        </p:spPr>
-        <p:txBody>
-          <a:bodyPr wrap="square" rtlCol="0">
-            <a:spAutoFit/>
-          </a:bodyPr>
-          <a:lstStyle/>
-          <a:p>
-            <a:r>
-              <a:rPr lang="en-US" b="1" dirty="0">
-                <a:solidFill>
-                  <a:schemeClr val="accent1"/>
-                </a:solidFill>
-              </a:rPr>
-              <a:t>This is the pseudoinverse of A</a:t>
-            </a:r>
-          </a:p>
-        </p:txBody>
-      </p:sp>
-      <p:sp>
-        <p:nvSpPr>
-          <p:cNvPr id="10" name="TextBox 9">
-            <a:extLst>
-              <a:ext uri="{FF2B5EF4-FFF2-40B4-BE49-F238E27FC236}">
-                <a16:creationId xmlns:a16="http://schemas.microsoft.com/office/drawing/2014/main" id="{E4CE3A02-2C0F-F340-A0A9-1AE1841D031B}"/>
-              </a:ext>
-            </a:extLst>
-          </p:cNvPr>
-          <p:cNvSpPr txBox="1"/>
-          <p:nvPr/>
-        </p:nvSpPr>
-        <p:spPr>
-          <a:xfrm>
-            <a:off x="6777341" y="2944419"/>
-            <a:ext cx="4952144" cy="1200329"/>
-          </a:xfrm>
-          <a:prstGeom prst="rect">
-            <a:avLst/>
-          </a:prstGeom>
-          <a:noFill/>
-        </p:spPr>
-        <p:txBody>
-          <a:bodyPr wrap="square" rtlCol="0">
-            <a:spAutoFit/>
-          </a:bodyPr>
-          <a:lstStyle/>
-          <a:p>
-            <a:r>
-              <a:rPr lang="en-US" sz="2400" dirty="0"/>
-              <a:t>However, pseudoinverse provides a solution that minimizes the discrepancies between </a:t>
-            </a:r>
-            <a:r>
-              <a:rPr lang="en-US" sz="2400" b="1" dirty="0"/>
-              <a:t>Ax</a:t>
-            </a:r>
-            <a:r>
-              <a:rPr lang="en-US" sz="2400" dirty="0"/>
-              <a:t> and </a:t>
-            </a:r>
-            <a:r>
-              <a:rPr lang="en-US" sz="2400" b="1" dirty="0"/>
-              <a:t>b</a:t>
-            </a:r>
-          </a:p>
-        </p:txBody>
-      </p:sp>
-      <p:sp>
-        <p:nvSpPr>
-          <p:cNvPr id="11" name="TextBox 10">
-            <a:extLst>
-              <a:ext uri="{FF2B5EF4-FFF2-40B4-BE49-F238E27FC236}">
-                <a16:creationId xmlns:a16="http://schemas.microsoft.com/office/drawing/2014/main" id="{FC35E9EA-AEF6-FF43-8D50-574DF642940B}"/>
-              </a:ext>
-            </a:extLst>
-          </p:cNvPr>
-          <p:cNvSpPr txBox="1"/>
-          <p:nvPr/>
-        </p:nvSpPr>
-        <p:spPr>
-          <a:xfrm>
-            <a:off x="4466938" y="1808252"/>
-            <a:ext cx="6886862" cy="369332"/>
-          </a:xfrm>
-          <a:prstGeom prst="rect">
-            <a:avLst/>
-          </a:prstGeom>
-          <a:noFill/>
-        </p:spPr>
-        <p:txBody>
-          <a:bodyPr wrap="square" rtlCol="0">
-            <a:spAutoFit/>
-          </a:bodyPr>
-          <a:lstStyle/>
-          <a:p>
-            <a:r>
-              <a:rPr lang="en-US" dirty="0">
-                <a:sym typeface="Wingdings" pitchFamily="2" charset="2"/>
-              </a:rPr>
-              <a:t> Solution to this equation does not exist because of non-square A</a:t>
-            </a:r>
-            <a:endParaRPr lang="en-US" dirty="0"/>
-          </a:p>
-        </p:txBody>
-      </p:sp>
-      <p:sp>
-        <p:nvSpPr>
-          <p:cNvPr id="3" name="TextBox 2">
-            <a:extLst>
-              <a:ext uri="{FF2B5EF4-FFF2-40B4-BE49-F238E27FC236}">
-                <a16:creationId xmlns:a16="http://schemas.microsoft.com/office/drawing/2014/main" id="{384FE578-8130-1142-B74F-51B30D6C6022}"/>
-              </a:ext>
-            </a:extLst>
-          </p:cNvPr>
-          <p:cNvSpPr txBox="1"/>
-          <p:nvPr/>
-        </p:nvSpPr>
-        <p:spPr>
-          <a:xfrm>
-            <a:off x="4293437" y="5575805"/>
-            <a:ext cx="5383659" cy="830997"/>
-          </a:xfrm>
-          <a:prstGeom prst="rect">
-            <a:avLst/>
-          </a:prstGeom>
-          <a:solidFill>
-            <a:schemeClr val="accent4">
-              <a:lumMod val="20000"/>
-              <a:lumOff val="80000"/>
-            </a:schemeClr>
-          </a:solidFill>
-        </p:spPr>
-        <p:txBody>
-          <a:bodyPr wrap="square" rtlCol="0">
-            <a:spAutoFit/>
-          </a:bodyPr>
-          <a:lstStyle/>
-          <a:p>
-            <a:r>
-              <a:rPr lang="en-US" sz="2400" dirty="0"/>
-              <a:t>The solution, x, is the best-fit solution to Ax = b in the “Least Square” sense! </a:t>
-            </a:r>
-          </a:p>
-        </p:txBody>
-      </p:sp>
     </p:spTree>
     <p:extLst>
       <p:ext uri="{BB962C8B-B14F-4D97-AF65-F5344CB8AC3E}">
-        <p14:creationId xmlns:p14="http://schemas.microsoft.com/office/powerpoint/2010/main" val="1163267709"/>
+        <p14:creationId xmlns:p14="http://schemas.microsoft.com/office/powerpoint/2010/main" val="1408807648"/>
       </p:ext>
     </p:extLst>
   </p:cSld>
@@ -11479,7 +11171,7 @@
         </p:blipFill>
         <p:spPr>
           <a:xfrm>
-            <a:off x="1117529" y="2314040"/>
+            <a:off x="1117530" y="2314041"/>
             <a:ext cx="1943100" cy="2476500"/>
           </a:xfrm>
           <a:prstGeom prst="rect">
@@ -11487,42 +11179,12 @@
           </a:prstGeom>
         </p:spPr>
       </p:pic>
-      <p:pic>
-        <p:nvPicPr>
-          <p:cNvPr id="3" name="Picture 2">
-            <a:extLst>
-              <a:ext uri="{FF2B5EF4-FFF2-40B4-BE49-F238E27FC236}">
-                <a16:creationId xmlns:a16="http://schemas.microsoft.com/office/drawing/2014/main" id="{1F15F7F8-AAA6-A145-A8FF-3FA3C18D3DD4}"/>
-              </a:ext>
-            </a:extLst>
-          </p:cNvPr>
-          <p:cNvPicPr>
-            <a:picLocks noChangeAspect="1"/>
-          </p:cNvPicPr>
-          <p:nvPr/>
-        </p:nvPicPr>
-        <p:blipFill>
-          <a:blip r:embed="rId3"/>
-          <a:stretch>
-            <a:fillRect/>
-          </a:stretch>
-        </p:blipFill>
-        <p:spPr>
-          <a:xfrm>
-            <a:off x="3702693" y="2314040"/>
-            <a:ext cx="1930400" cy="2476500"/>
-          </a:xfrm>
-          <a:prstGeom prst="rect">
-            <a:avLst/>
-          </a:prstGeom>
-        </p:spPr>
-      </p:pic>
-      <p:sp>
-        <p:nvSpPr>
-          <p:cNvPr id="6" name="TextBox 5">
-            <a:extLst>
-              <a:ext uri="{FF2B5EF4-FFF2-40B4-BE49-F238E27FC236}">
-                <a16:creationId xmlns:a16="http://schemas.microsoft.com/office/drawing/2014/main" id="{56B9124B-A9F2-6242-86AF-C32BF396520F}"/>
+      <p:sp>
+        <p:nvSpPr>
+          <p:cNvPr id="5" name="TextBox 4">
+            <a:extLst>
+              <a:ext uri="{FF2B5EF4-FFF2-40B4-BE49-F238E27FC236}">
+                <a16:creationId xmlns:a16="http://schemas.microsoft.com/office/drawing/2014/main" id="{113A8768-E820-1446-904F-5B2A9AC47F5B}"/>
               </a:ext>
             </a:extLst>
           </p:cNvPr>
@@ -11531,8 +11193,8 @@
         </p:nvSpPr>
         <p:spPr>
           <a:xfrm>
-            <a:off x="6452170" y="1713875"/>
-            <a:ext cx="4770634" cy="1200329"/>
+            <a:off x="4597947" y="1564028"/>
+            <a:ext cx="6755853" cy="4154984"/>
           </a:xfrm>
           <a:prstGeom prst="rect">
             <a:avLst/>
@@ -11547,241 +11209,49 @@
           <a:p>
             <a:r>
               <a:rPr lang="en-US" sz="2400" dirty="0"/>
-              <a:t>When there are more then two vectors, they can add together to form another vector</a:t>
-            </a:r>
-          </a:p>
-        </p:txBody>
-      </p:sp>
-      <p:cxnSp>
-        <p:nvCxnSpPr>
-          <p:cNvPr id="8" name="Straight Arrow Connector 7">
-            <a:extLst>
-              <a:ext uri="{FF2B5EF4-FFF2-40B4-BE49-F238E27FC236}">
-                <a16:creationId xmlns:a16="http://schemas.microsoft.com/office/drawing/2014/main" id="{44FE81C6-AA79-F04E-8363-9709F6C7D7D2}"/>
-              </a:ext>
-            </a:extLst>
-          </p:cNvPr>
-          <p:cNvCxnSpPr/>
-          <p:nvPr/>
-        </p:nvCxnSpPr>
-        <p:spPr>
-          <a:xfrm>
-            <a:off x="7109717" y="5075434"/>
-            <a:ext cx="1284270" cy="0"/>
-          </a:xfrm>
-          <a:prstGeom prst="straightConnector1">
-            <a:avLst/>
-          </a:prstGeom>
-          <a:ln w="38100">
-            <a:tailEnd type="triangle"/>
-          </a:ln>
-        </p:spPr>
-        <p:style>
-          <a:lnRef idx="1">
-            <a:schemeClr val="accent1"/>
-          </a:lnRef>
-          <a:fillRef idx="0">
-            <a:schemeClr val="accent1"/>
-          </a:fillRef>
-          <a:effectRef idx="0">
-            <a:schemeClr val="accent1"/>
-          </a:effectRef>
-          <a:fontRef idx="minor">
-            <a:schemeClr val="tx1"/>
-          </a:fontRef>
-        </p:style>
-      </p:cxnSp>
-      <p:cxnSp>
-        <p:nvCxnSpPr>
-          <p:cNvPr id="9" name="Straight Arrow Connector 8">
-            <a:extLst>
-              <a:ext uri="{FF2B5EF4-FFF2-40B4-BE49-F238E27FC236}">
-                <a16:creationId xmlns:a16="http://schemas.microsoft.com/office/drawing/2014/main" id="{7417F668-B880-384D-844B-13F9A0E57F7B}"/>
-              </a:ext>
-            </a:extLst>
-          </p:cNvPr>
-          <p:cNvCxnSpPr>
-            <a:cxnSpLocks/>
-          </p:cNvCxnSpPr>
-          <p:nvPr/>
-        </p:nvCxnSpPr>
-        <p:spPr>
-          <a:xfrm flipV="1">
-            <a:off x="8393987" y="4179870"/>
-            <a:ext cx="1284270" cy="895564"/>
-          </a:xfrm>
-          <a:prstGeom prst="straightConnector1">
-            <a:avLst/>
-          </a:prstGeom>
-          <a:ln w="38100">
-            <a:tailEnd type="triangle"/>
-          </a:ln>
-        </p:spPr>
-        <p:style>
-          <a:lnRef idx="1">
-            <a:schemeClr val="accent1"/>
-          </a:lnRef>
-          <a:fillRef idx="0">
-            <a:schemeClr val="accent1"/>
-          </a:fillRef>
-          <a:effectRef idx="0">
-            <a:schemeClr val="accent1"/>
-          </a:effectRef>
-          <a:fontRef idx="minor">
-            <a:schemeClr val="tx1"/>
-          </a:fontRef>
-        </p:style>
-      </p:cxnSp>
-      <p:cxnSp>
-        <p:nvCxnSpPr>
-          <p:cNvPr id="11" name="Straight Arrow Connector 10">
-            <a:extLst>
-              <a:ext uri="{FF2B5EF4-FFF2-40B4-BE49-F238E27FC236}">
-                <a16:creationId xmlns:a16="http://schemas.microsoft.com/office/drawing/2014/main" id="{6D0A4F3E-4A87-DD43-9D8D-CCC07B443C38}"/>
-              </a:ext>
-            </a:extLst>
-          </p:cNvPr>
-          <p:cNvCxnSpPr>
-            <a:cxnSpLocks/>
-          </p:cNvCxnSpPr>
-          <p:nvPr/>
-        </p:nvCxnSpPr>
-        <p:spPr>
-          <a:xfrm flipV="1">
-            <a:off x="7109717" y="4179870"/>
-            <a:ext cx="2568540" cy="895564"/>
-          </a:xfrm>
-          <a:prstGeom prst="straightConnector1">
-            <a:avLst/>
-          </a:prstGeom>
-          <a:ln w="38100">
-            <a:tailEnd type="triangle"/>
-          </a:ln>
-        </p:spPr>
-        <p:style>
-          <a:lnRef idx="1">
-            <a:schemeClr val="accent1"/>
-          </a:lnRef>
-          <a:fillRef idx="0">
-            <a:schemeClr val="accent1"/>
-          </a:fillRef>
-          <a:effectRef idx="0">
-            <a:schemeClr val="accent1"/>
-          </a:effectRef>
-          <a:fontRef idx="minor">
-            <a:schemeClr val="tx1"/>
-          </a:fontRef>
-        </p:style>
-      </p:cxnSp>
-      <p:sp>
-        <p:nvSpPr>
-          <p:cNvPr id="13" name="TextBox 12">
-            <a:extLst>
-              <a:ext uri="{FF2B5EF4-FFF2-40B4-BE49-F238E27FC236}">
-                <a16:creationId xmlns:a16="http://schemas.microsoft.com/office/drawing/2014/main" id="{ACEC001E-C5CC-C84B-97B6-4ACF2B4CA657}"/>
-              </a:ext>
-            </a:extLst>
-          </p:cNvPr>
-          <p:cNvSpPr txBox="1"/>
-          <p:nvPr/>
-        </p:nvSpPr>
-        <p:spPr>
-          <a:xfrm>
-            <a:off x="7643970" y="4982967"/>
-            <a:ext cx="431515" cy="461665"/>
-          </a:xfrm>
-          <a:prstGeom prst="rect">
-            <a:avLst/>
-          </a:prstGeom>
-          <a:noFill/>
-        </p:spPr>
-        <p:txBody>
-          <a:bodyPr wrap="square" rtlCol="0">
-            <a:spAutoFit/>
-          </a:bodyPr>
-          <a:lstStyle/>
-          <a:p>
-            <a:r>
-              <a:rPr lang="en-US" sz="2400" b="1" dirty="0"/>
-              <a:t>x</a:t>
-            </a:r>
-          </a:p>
-        </p:txBody>
-      </p:sp>
-      <p:sp>
-        <p:nvSpPr>
-          <p:cNvPr id="14" name="TextBox 13">
-            <a:extLst>
-              <a:ext uri="{FF2B5EF4-FFF2-40B4-BE49-F238E27FC236}">
-                <a16:creationId xmlns:a16="http://schemas.microsoft.com/office/drawing/2014/main" id="{ABD916AA-BD14-1A4E-BEEE-142A95EC4686}"/>
-              </a:ext>
-            </a:extLst>
-          </p:cNvPr>
-          <p:cNvSpPr txBox="1"/>
-          <p:nvPr/>
-        </p:nvSpPr>
-        <p:spPr>
-          <a:xfrm>
-            <a:off x="9120594" y="4559707"/>
-            <a:ext cx="431515" cy="461665"/>
-          </a:xfrm>
-          <a:prstGeom prst="rect">
-            <a:avLst/>
-          </a:prstGeom>
-          <a:noFill/>
-        </p:spPr>
-        <p:txBody>
-          <a:bodyPr wrap="square" rtlCol="0">
-            <a:spAutoFit/>
-          </a:bodyPr>
-          <a:lstStyle/>
-          <a:p>
-            <a:r>
-              <a:rPr lang="en-US" sz="2400" b="1" dirty="0"/>
-              <a:t>y</a:t>
-            </a:r>
-          </a:p>
-        </p:txBody>
-      </p:sp>
-      <p:sp>
-        <p:nvSpPr>
-          <p:cNvPr id="15" name="TextBox 14">
-            <a:extLst>
-              <a:ext uri="{FF2B5EF4-FFF2-40B4-BE49-F238E27FC236}">
-                <a16:creationId xmlns:a16="http://schemas.microsoft.com/office/drawing/2014/main" id="{880FBED4-43CC-884F-B64C-F87E7D2D613B}"/>
-              </a:ext>
-            </a:extLst>
-          </p:cNvPr>
-          <p:cNvSpPr txBox="1"/>
-          <p:nvPr/>
-        </p:nvSpPr>
-        <p:spPr>
-          <a:xfrm>
-            <a:off x="7751852" y="4098041"/>
-            <a:ext cx="1491468" cy="461665"/>
-          </a:xfrm>
-          <a:prstGeom prst="rect">
-            <a:avLst/>
-          </a:prstGeom>
-          <a:noFill/>
-        </p:spPr>
-        <p:txBody>
-          <a:bodyPr wrap="square" rtlCol="0">
-            <a:spAutoFit/>
-          </a:bodyPr>
-          <a:lstStyle/>
-          <a:p>
-            <a:r>
-              <a:rPr lang="en-US" sz="2400" b="1" dirty="0"/>
-              <a:t>x </a:t>
-            </a:r>
+              <a:t>In physics, vector has a direction and magnitude, like velocity of a moving object. </a:t>
+            </a:r>
+          </a:p>
+          <a:p>
+            <a:endParaRPr lang="en-US" sz="2400" dirty="0"/>
+          </a:p>
+          <a:p>
             <a:r>
               <a:rPr lang="en-US" sz="2400" dirty="0"/>
-              <a:t>+ </a:t>
-            </a:r>
-            <a:r>
-              <a:rPr lang="en-US" sz="2400" b="1" dirty="0"/>
-              <a:t>y</a:t>
+              <a:t>In data analysis, a series of discrete data can be expressed as a vector (let’s say there are </a:t>
+            </a:r>
+            <a:r>
+              <a:rPr lang="en-US" sz="2400" i="1" dirty="0"/>
+              <a:t>m</a:t>
+            </a:r>
+            <a:r>
+              <a:rPr lang="en-US" sz="2400" dirty="0"/>
+              <a:t> data points, then you have a </a:t>
+            </a:r>
+            <a:r>
+              <a:rPr lang="en-US" sz="2400" i="1" dirty="0"/>
+              <a:t>m</a:t>
+            </a:r>
+            <a:r>
+              <a:rPr lang="en-US" sz="2400" dirty="0"/>
+              <a:t>-dimensional vector)</a:t>
+            </a:r>
+          </a:p>
+          <a:p>
+            <a:endParaRPr lang="en-US" sz="2400" dirty="0"/>
+          </a:p>
+          <a:p>
+            <a:r>
+              <a:rPr lang="en-US" sz="2400" dirty="0"/>
+              <a:t>In computational model, model state can be expressed as a vector (e.g. chemical concentrations in box models, dynamic height in </a:t>
+            </a:r>
+            <a:r>
+              <a:rPr lang="en-US" sz="2400" dirty="0" err="1"/>
+              <a:t>geophys</a:t>
+            </a:r>
+            <a:r>
+              <a:rPr lang="en-US" sz="2400" dirty="0"/>
+              <a:t> fluid dynamics, with m being the number of grid points)</a:t>
             </a:r>
           </a:p>
         </p:txBody>
@@ -11789,7 +11259,7 @@
     </p:spTree>
     <p:extLst>
       <p:ext uri="{BB962C8B-B14F-4D97-AF65-F5344CB8AC3E}">
-        <p14:creationId xmlns:p14="http://schemas.microsoft.com/office/powerpoint/2010/main" val="1315450095"/>
+        <p14:creationId xmlns:p14="http://schemas.microsoft.com/office/powerpoint/2010/main" val="2216921114"/>
       </p:ext>
     </p:extLst>
   </p:cSld>
@@ -11821,7 +11291,7 @@
           <p:cNvPr id="2" name="Title 1">
             <a:extLst>
               <a:ext uri="{FF2B5EF4-FFF2-40B4-BE49-F238E27FC236}">
-                <a16:creationId xmlns:a16="http://schemas.microsoft.com/office/drawing/2014/main" id="{2BBDD2C1-B663-094B-B21C-251630FA8958}"/>
+                <a16:creationId xmlns:a16="http://schemas.microsoft.com/office/drawing/2014/main" id="{54A2FE5B-4E65-514A-B561-4D65EB41C6D6}"/>
               </a:ext>
             </a:extLst>
           </p:cNvPr>
@@ -11832,131 +11302,336 @@
             <p:ph type="title"/>
           </p:nvPr>
         </p:nvSpPr>
-        <p:spPr>
-          <a:xfrm>
-            <a:off x="1899906" y="318680"/>
-            <a:ext cx="8086989" cy="1325563"/>
-          </a:xfrm>
-        </p:spPr>
+        <p:spPr/>
         <p:txBody>
           <a:bodyPr/>
           <a:lstStyle/>
           <a:p>
-            <a:pPr algn="ctr"/>
             <a:r>
               <a:rPr lang="en-US" dirty="0"/>
-              <a:t>Linear regression</a:t>
-            </a:r>
-          </a:p>
-        </p:txBody>
-      </p:sp>
-      <p:sp>
-        <p:nvSpPr>
-          <p:cNvPr id="4" name="Content Placeholder 3">
-            <a:extLst>
-              <a:ext uri="{FF2B5EF4-FFF2-40B4-BE49-F238E27FC236}">
-                <a16:creationId xmlns:a16="http://schemas.microsoft.com/office/drawing/2014/main" id="{D2C2A6AB-92AD-C24F-BE9F-FDD7427E806B}"/>
-              </a:ext>
-            </a:extLst>
-          </p:cNvPr>
-          <p:cNvSpPr>
-            <a:spLocks noGrp="1"/>
-          </p:cNvSpPr>
-          <p:nvPr>
-            <p:ph idx="1"/>
-          </p:nvPr>
-        </p:nvSpPr>
-        <p:spPr>
-          <a:xfrm>
-            <a:off x="1056641" y="1644244"/>
-            <a:ext cx="10137833" cy="4532721"/>
-          </a:xfrm>
-        </p:spPr>
-        <p:txBody>
-          <a:bodyPr/>
-          <a:lstStyle/>
-          <a:p>
+              <a:t>Pseudoinverse of non-square matrix </a:t>
+            </a:r>
+            <a:r>
+              <a:rPr lang="en-US" b="1" dirty="0"/>
+              <a:t>A</a:t>
+            </a:r>
             <a:r>
               <a:rPr lang="en-US" dirty="0"/>
-              <a:t>You have N paired dataset x</a:t>
-            </a:r>
-            <a:r>
-              <a:rPr lang="en-US" baseline="-25000" dirty="0"/>
-              <a:t>i</a:t>
-            </a:r>
-            <a:r>
-              <a:rPr lang="en-US" dirty="0"/>
-              <a:t> and </a:t>
-            </a:r>
-            <a:r>
-              <a:rPr lang="en-US" dirty="0" err="1"/>
-              <a:t>y</a:t>
-            </a:r>
-            <a:r>
-              <a:rPr lang="en-US" baseline="-25000" dirty="0" err="1"/>
-              <a:t>i</a:t>
-            </a:r>
-            <a:endParaRPr lang="en-US" baseline="-25000" dirty="0"/>
-          </a:p>
-          <a:p>
-            <a:r>
-              <a:rPr lang="en-US" dirty="0"/>
-              <a:t>Find the linear relationship y = ax + b that best matches your dataset</a:t>
+              <a:t> </a:t>
             </a:r>
           </a:p>
         </p:txBody>
       </p:sp>
       <p:pic>
         <p:nvPicPr>
-          <p:cNvPr id="1026" name="Picture 2">
-            <a:extLst>
-              <a:ext uri="{FF2B5EF4-FFF2-40B4-BE49-F238E27FC236}">
-                <a16:creationId xmlns:a16="http://schemas.microsoft.com/office/drawing/2014/main" id="{3F965118-A065-D94A-8D4D-8AD986F5FF49}"/>
+          <p:cNvPr id="4" name="Picture 3">
+            <a:extLst>
+              <a:ext uri="{FF2B5EF4-FFF2-40B4-BE49-F238E27FC236}">
+                <a16:creationId xmlns:a16="http://schemas.microsoft.com/office/drawing/2014/main" id="{EE5C3723-3AE6-B343-A541-4657E9E3D272}"/>
               </a:ext>
             </a:extLst>
           </p:cNvPr>
           <p:cNvPicPr>
-            <a:picLocks noChangeAspect="1" noChangeArrowheads="1"/>
+            <a:picLocks noChangeAspect="1"/>
           </p:cNvPicPr>
           <p:nvPr/>
         </p:nvPicPr>
         <p:blipFill>
-          <a:blip r:embed="rId2">
-            <a:extLst>
-              <a:ext uri="{28A0092B-C50C-407E-A947-70E740481C1C}">
-                <a14:useLocalDpi xmlns:a14="http://schemas.microsoft.com/office/drawing/2010/main" val="0"/>
-              </a:ext>
-            </a:extLst>
-          </a:blip>
-          <a:srcRect/>
+          <a:blip r:embed="rId2"/>
           <a:stretch>
             <a:fillRect/>
           </a:stretch>
         </p:blipFill>
-        <p:spPr bwMode="auto">
-          <a:xfrm>
-            <a:off x="3257673" y="3054760"/>
-            <a:ext cx="4908767" cy="3229109"/>
+        <p:spPr>
+          <a:xfrm>
+            <a:off x="1922550" y="1705684"/>
+            <a:ext cx="2018375" cy="433700"/>
+          </a:xfrm>
+          <a:prstGeom prst="rect">
+            <a:avLst/>
+          </a:prstGeom>
+        </p:spPr>
+      </p:pic>
+      <p:pic>
+        <p:nvPicPr>
+          <p:cNvPr id="6" name="Picture 5">
+            <a:extLst>
+              <a:ext uri="{FF2B5EF4-FFF2-40B4-BE49-F238E27FC236}">
+                <a16:creationId xmlns:a16="http://schemas.microsoft.com/office/drawing/2014/main" id="{6C8D5CD1-7E57-C948-A06B-8B2B2A09891D}"/>
+              </a:ext>
+            </a:extLst>
+          </p:cNvPr>
+          <p:cNvPicPr>
+            <a:picLocks noChangeAspect="1"/>
+          </p:cNvPicPr>
+          <p:nvPr/>
+        </p:nvPicPr>
+        <p:blipFill>
+          <a:blip r:embed="rId3"/>
+          <a:stretch>
+            <a:fillRect/>
+          </a:stretch>
+        </p:blipFill>
+        <p:spPr>
+          <a:xfrm>
+            <a:off x="1803611" y="2618482"/>
+            <a:ext cx="3809215" cy="525409"/>
+          </a:xfrm>
+          <a:prstGeom prst="rect">
+            <a:avLst/>
+          </a:prstGeom>
+        </p:spPr>
+      </p:pic>
+      <p:pic>
+        <p:nvPicPr>
+          <p:cNvPr id="7" name="Picture 6">
+            <a:extLst>
+              <a:ext uri="{FF2B5EF4-FFF2-40B4-BE49-F238E27FC236}">
+                <a16:creationId xmlns:a16="http://schemas.microsoft.com/office/drawing/2014/main" id="{5F1E929B-F7D0-3F40-9D77-A827B04C45BA}"/>
+              </a:ext>
+            </a:extLst>
+          </p:cNvPr>
+          <p:cNvPicPr>
+            <a:picLocks noChangeAspect="1"/>
+          </p:cNvPicPr>
+          <p:nvPr/>
+        </p:nvPicPr>
+        <p:blipFill>
+          <a:blip r:embed="rId4"/>
+          <a:stretch>
+            <a:fillRect/>
+          </a:stretch>
+        </p:blipFill>
+        <p:spPr>
+          <a:xfrm>
+            <a:off x="1922550" y="3637985"/>
+            <a:ext cx="4173450" cy="695575"/>
+          </a:xfrm>
+          <a:prstGeom prst="rect">
+            <a:avLst/>
+          </a:prstGeom>
+        </p:spPr>
+      </p:pic>
+      <p:sp>
+        <p:nvSpPr>
+          <p:cNvPr id="8" name="Rectangle 7">
+            <a:extLst>
+              <a:ext uri="{FF2B5EF4-FFF2-40B4-BE49-F238E27FC236}">
+                <a16:creationId xmlns:a16="http://schemas.microsoft.com/office/drawing/2014/main" id="{015D211C-69C9-094F-BCC0-E594D674067C}"/>
+              </a:ext>
+            </a:extLst>
+          </p:cNvPr>
+          <p:cNvSpPr/>
+          <p:nvPr/>
+        </p:nvSpPr>
+        <p:spPr>
+          <a:xfrm>
+            <a:off x="2812799" y="3544584"/>
+            <a:ext cx="2961277" cy="986319"/>
           </a:xfrm>
           <a:prstGeom prst="rect">
             <a:avLst/>
           </a:prstGeom>
           <a:noFill/>
-          <a:extLst>
-            <a:ext uri="{909E8E84-426E-40DD-AFC4-6F175D3DCCD1}">
-              <a14:hiddenFill xmlns:a14="http://schemas.microsoft.com/office/drawing/2010/main">
+          <a:ln>
+            <a:solidFill>
+              <a:schemeClr val="accent1"/>
+            </a:solidFill>
+          </a:ln>
+        </p:spPr>
+        <p:style>
+          <a:lnRef idx="2">
+            <a:schemeClr val="accent1">
+              <a:shade val="50000"/>
+            </a:schemeClr>
+          </a:lnRef>
+          <a:fillRef idx="1">
+            <a:schemeClr val="accent1"/>
+          </a:fillRef>
+          <a:effectRef idx="0">
+            <a:schemeClr val="accent1"/>
+          </a:effectRef>
+          <a:fontRef idx="minor">
+            <a:schemeClr val="lt1"/>
+          </a:fontRef>
+        </p:style>
+        <p:txBody>
+          <a:bodyPr rtlCol="0" anchor="ctr"/>
+          <a:lstStyle/>
+          <a:p>
+            <a:pPr algn="ctr"/>
+            <a:endParaRPr lang="en-US"/>
+          </a:p>
+        </p:txBody>
+      </p:sp>
+      <p:sp>
+        <p:nvSpPr>
+          <p:cNvPr id="9" name="TextBox 8">
+            <a:extLst>
+              <a:ext uri="{FF2B5EF4-FFF2-40B4-BE49-F238E27FC236}">
+                <a16:creationId xmlns:a16="http://schemas.microsoft.com/office/drawing/2014/main" id="{29696A66-C4BF-2B45-B2AF-89A6509BDF7D}"/>
+              </a:ext>
+            </a:extLst>
+          </p:cNvPr>
+          <p:cNvSpPr txBox="1"/>
+          <p:nvPr/>
+        </p:nvSpPr>
+        <p:spPr>
+          <a:xfrm>
+            <a:off x="2812799" y="4840331"/>
+            <a:ext cx="3308279" cy="369332"/>
+          </a:xfrm>
+          <a:prstGeom prst="rect">
+            <a:avLst/>
+          </a:prstGeom>
+          <a:noFill/>
+        </p:spPr>
+        <p:txBody>
+          <a:bodyPr wrap="square" rtlCol="0">
+            <a:spAutoFit/>
+          </a:bodyPr>
+          <a:lstStyle/>
+          <a:p>
+            <a:r>
+              <a:rPr lang="en-US" b="1" dirty="0">
                 <a:solidFill>
-                  <a:srgbClr val="FFFFFF"/>
+                  <a:schemeClr val="accent1"/>
                 </a:solidFill>
-              </a14:hiddenFill>
-            </a:ext>
-          </a:extLst>
-        </p:spPr>
-      </p:pic>
+              </a:rPr>
+              <a:t>This is the pseudoinverse of A</a:t>
+            </a:r>
+          </a:p>
+        </p:txBody>
+      </p:sp>
+      <p:sp>
+        <p:nvSpPr>
+          <p:cNvPr id="10" name="TextBox 9">
+            <a:extLst>
+              <a:ext uri="{FF2B5EF4-FFF2-40B4-BE49-F238E27FC236}">
+                <a16:creationId xmlns:a16="http://schemas.microsoft.com/office/drawing/2014/main" id="{E4CE3A02-2C0F-F340-A0A9-1AE1841D031B}"/>
+              </a:ext>
+            </a:extLst>
+          </p:cNvPr>
+          <p:cNvSpPr txBox="1"/>
+          <p:nvPr/>
+        </p:nvSpPr>
+        <p:spPr>
+          <a:xfrm>
+            <a:off x="6777341" y="2944419"/>
+            <a:ext cx="4952144" cy="1200329"/>
+          </a:xfrm>
+          <a:prstGeom prst="rect">
+            <a:avLst/>
+          </a:prstGeom>
+          <a:noFill/>
+        </p:spPr>
+        <p:txBody>
+          <a:bodyPr wrap="square" rtlCol="0">
+            <a:spAutoFit/>
+          </a:bodyPr>
+          <a:lstStyle/>
+          <a:p>
+            <a:r>
+              <a:rPr lang="en-US" sz="2400" dirty="0"/>
+              <a:t>However, pseudoinverse provides a solution that minimizes the discrepancies between </a:t>
+            </a:r>
+            <a:r>
+              <a:rPr lang="en-US" sz="2400" b="1" dirty="0"/>
+              <a:t>Ax</a:t>
+            </a:r>
+            <a:r>
+              <a:rPr lang="en-US" sz="2400" dirty="0"/>
+              <a:t> and </a:t>
+            </a:r>
+            <a:r>
+              <a:rPr lang="en-US" sz="2400" b="1" dirty="0"/>
+              <a:t>b</a:t>
+            </a:r>
+          </a:p>
+        </p:txBody>
+      </p:sp>
+      <p:sp>
+        <p:nvSpPr>
+          <p:cNvPr id="11" name="TextBox 10">
+            <a:extLst>
+              <a:ext uri="{FF2B5EF4-FFF2-40B4-BE49-F238E27FC236}">
+                <a16:creationId xmlns:a16="http://schemas.microsoft.com/office/drawing/2014/main" id="{FC35E9EA-AEF6-FF43-8D50-574DF642940B}"/>
+              </a:ext>
+            </a:extLst>
+          </p:cNvPr>
+          <p:cNvSpPr txBox="1"/>
+          <p:nvPr/>
+        </p:nvSpPr>
+        <p:spPr>
+          <a:xfrm>
+            <a:off x="4466938" y="1808252"/>
+            <a:ext cx="6886862" cy="369332"/>
+          </a:xfrm>
+          <a:prstGeom prst="rect">
+            <a:avLst/>
+          </a:prstGeom>
+          <a:noFill/>
+        </p:spPr>
+        <p:txBody>
+          <a:bodyPr wrap="square" rtlCol="0">
+            <a:spAutoFit/>
+          </a:bodyPr>
+          <a:lstStyle/>
+          <a:p>
+            <a:r>
+              <a:rPr lang="en-US" dirty="0">
+                <a:sym typeface="Wingdings" pitchFamily="2" charset="2"/>
+              </a:rPr>
+              <a:t> Solution to this equation does not exist because of non-square A</a:t>
+            </a:r>
+            <a:endParaRPr lang="en-US" dirty="0"/>
+          </a:p>
+        </p:txBody>
+      </p:sp>
+      <p:sp>
+        <p:nvSpPr>
+          <p:cNvPr id="3" name="TextBox 2">
+            <a:extLst>
+              <a:ext uri="{FF2B5EF4-FFF2-40B4-BE49-F238E27FC236}">
+                <a16:creationId xmlns:a16="http://schemas.microsoft.com/office/drawing/2014/main" id="{384FE578-8130-1142-B74F-51B30D6C6022}"/>
+              </a:ext>
+            </a:extLst>
+          </p:cNvPr>
+          <p:cNvSpPr txBox="1"/>
+          <p:nvPr/>
+        </p:nvSpPr>
+        <p:spPr>
+          <a:xfrm>
+            <a:off x="4293437" y="5575805"/>
+            <a:ext cx="5383659" cy="830997"/>
+          </a:xfrm>
+          <a:prstGeom prst="rect">
+            <a:avLst/>
+          </a:prstGeom>
+          <a:solidFill>
+            <a:schemeClr val="accent4">
+              <a:lumMod val="20000"/>
+              <a:lumOff val="80000"/>
+            </a:schemeClr>
+          </a:solidFill>
+        </p:spPr>
+        <p:txBody>
+          <a:bodyPr wrap="square" rtlCol="0">
+            <a:spAutoFit/>
+          </a:bodyPr>
+          <a:lstStyle/>
+          <a:p>
+            <a:r>
+              <a:rPr lang="en-US" sz="2400" dirty="0"/>
+              <a:t>The solution, x, is the best-fit solution to Ax = b in the “Least Square” sense! </a:t>
+            </a:r>
+          </a:p>
+        </p:txBody>
+      </p:sp>
     </p:spTree>
     <p:extLst>
       <p:ext uri="{BB962C8B-B14F-4D97-AF65-F5344CB8AC3E}">
-        <p14:creationId xmlns:p14="http://schemas.microsoft.com/office/powerpoint/2010/main" val="1262532753"/>
+        <p14:creationId xmlns:p14="http://schemas.microsoft.com/office/powerpoint/2010/main" val="1163267709"/>
       </p:ext>
     </p:extLst>
   </p:cSld>
@@ -11988,7 +11663,7 @@
           <p:cNvPr id="2" name="Title 1">
             <a:extLst>
               <a:ext uri="{FF2B5EF4-FFF2-40B4-BE49-F238E27FC236}">
-                <a16:creationId xmlns:a16="http://schemas.microsoft.com/office/drawing/2014/main" id="{D21F5BCB-826B-B848-AC75-AE0DD36BAAEE}"/>
+                <a16:creationId xmlns:a16="http://schemas.microsoft.com/office/drawing/2014/main" id="{2BBDD2C1-B663-094B-B21C-251630FA8958}"/>
               </a:ext>
             </a:extLst>
           </p:cNvPr>
@@ -11999,141 +11674,131 @@
             <p:ph type="title"/>
           </p:nvPr>
         </p:nvSpPr>
-        <p:spPr/>
+        <p:spPr>
+          <a:xfrm>
+            <a:off x="1899906" y="318680"/>
+            <a:ext cx="8086989" cy="1325563"/>
+          </a:xfrm>
+        </p:spPr>
         <p:txBody>
           <a:bodyPr/>
           <a:lstStyle/>
           <a:p>
+            <a:pPr algn="ctr"/>
             <a:r>
               <a:rPr lang="en-US" dirty="0"/>
-              <a:t>Linear regression in </a:t>
-            </a:r>
-            <a:r>
-              <a:rPr lang="en-US" b="1" dirty="0"/>
-              <a:t>Ax</a:t>
-            </a:r>
+              <a:t>Linear regression</a:t>
+            </a:r>
+          </a:p>
+        </p:txBody>
+      </p:sp>
+      <p:sp>
+        <p:nvSpPr>
+          <p:cNvPr id="4" name="Content Placeholder 3">
+            <a:extLst>
+              <a:ext uri="{FF2B5EF4-FFF2-40B4-BE49-F238E27FC236}">
+                <a16:creationId xmlns:a16="http://schemas.microsoft.com/office/drawing/2014/main" id="{D2C2A6AB-92AD-C24F-BE9F-FDD7427E806B}"/>
+              </a:ext>
+            </a:extLst>
+          </p:cNvPr>
+          <p:cNvSpPr>
+            <a:spLocks noGrp="1"/>
+          </p:cNvSpPr>
+          <p:nvPr>
+            <p:ph idx="1"/>
+          </p:nvPr>
+        </p:nvSpPr>
+        <p:spPr>
+          <a:xfrm>
+            <a:off x="1056641" y="1644244"/>
+            <a:ext cx="10137833" cy="4532721"/>
+          </a:xfrm>
+        </p:spPr>
+        <p:txBody>
+          <a:bodyPr/>
+          <a:lstStyle/>
+          <a:p>
             <a:r>
               <a:rPr lang="en-US" dirty="0"/>
-              <a:t> = </a:t>
-            </a:r>
-            <a:r>
-              <a:rPr lang="en-US" b="1" dirty="0"/>
-              <a:t>b</a:t>
+              <a:t>You have N paired dataset x</a:t>
+            </a:r>
+            <a:r>
+              <a:rPr lang="en-US" baseline="-25000" dirty="0"/>
+              <a:t>i</a:t>
             </a:r>
             <a:r>
               <a:rPr lang="en-US" dirty="0"/>
-              <a:t> form</a:t>
+              <a:t> and </a:t>
+            </a:r>
+            <a:r>
+              <a:rPr lang="en-US" dirty="0" err="1"/>
+              <a:t>y</a:t>
+            </a:r>
+            <a:r>
+              <a:rPr lang="en-US" baseline="-25000" dirty="0" err="1"/>
+              <a:t>i</a:t>
+            </a:r>
+            <a:endParaRPr lang="en-US" baseline="-25000" dirty="0"/>
+          </a:p>
+          <a:p>
+            <a:r>
+              <a:rPr lang="en-US" dirty="0"/>
+              <a:t>Find the linear relationship y = ax + b that best matches your dataset</a:t>
             </a:r>
           </a:p>
         </p:txBody>
       </p:sp>
       <p:pic>
         <p:nvPicPr>
-          <p:cNvPr id="5" name="Picture 4">
-            <a:extLst>
-              <a:ext uri="{FF2B5EF4-FFF2-40B4-BE49-F238E27FC236}">
-                <a16:creationId xmlns:a16="http://schemas.microsoft.com/office/drawing/2014/main" id="{AE0A21C3-CAE7-9445-BA34-23C0CD4CADA6}"/>
+          <p:cNvPr id="1026" name="Picture 2">
+            <a:extLst>
+              <a:ext uri="{FF2B5EF4-FFF2-40B4-BE49-F238E27FC236}">
+                <a16:creationId xmlns:a16="http://schemas.microsoft.com/office/drawing/2014/main" id="{3F965118-A065-D94A-8D4D-8AD986F5FF49}"/>
               </a:ext>
             </a:extLst>
           </p:cNvPr>
           <p:cNvPicPr>
-            <a:picLocks noChangeAspect="1"/>
+            <a:picLocks noChangeAspect="1" noChangeArrowheads="1"/>
           </p:cNvPicPr>
           <p:nvPr/>
         </p:nvPicPr>
         <p:blipFill>
-          <a:blip r:embed="rId2"/>
+          <a:blip r:embed="rId2">
+            <a:extLst>
+              <a:ext uri="{28A0092B-C50C-407E-A947-70E740481C1C}">
+                <a14:useLocalDpi xmlns:a14="http://schemas.microsoft.com/office/drawing/2010/main" val="0"/>
+              </a:ext>
+            </a:extLst>
+          </a:blip>
+          <a:srcRect/>
           <a:stretch>
             <a:fillRect/>
           </a:stretch>
         </p:blipFill>
-        <p:spPr>
-          <a:xfrm>
-            <a:off x="7905208" y="2136507"/>
-            <a:ext cx="3448593" cy="2037805"/>
-          </a:xfrm>
-          <a:prstGeom prst="rect">
-            <a:avLst/>
-          </a:prstGeom>
-        </p:spPr>
-      </p:pic>
-      <p:sp>
-        <p:nvSpPr>
-          <p:cNvPr id="6" name="TextBox 5">
-            <a:extLst>
-              <a:ext uri="{FF2B5EF4-FFF2-40B4-BE49-F238E27FC236}">
-                <a16:creationId xmlns:a16="http://schemas.microsoft.com/office/drawing/2014/main" id="{D6FAF60F-012F-8047-AFEC-6EA47C8350CB}"/>
-              </a:ext>
-            </a:extLst>
-          </p:cNvPr>
-          <p:cNvSpPr txBox="1"/>
-          <p:nvPr/>
-        </p:nvSpPr>
-        <p:spPr>
-          <a:xfrm>
-            <a:off x="8662125" y="4284614"/>
-            <a:ext cx="2775131" cy="461665"/>
+        <p:spPr bwMode="auto">
+          <a:xfrm>
+            <a:off x="3257673" y="3054760"/>
+            <a:ext cx="4908767" cy="3229109"/>
           </a:xfrm>
           <a:prstGeom prst="rect">
             <a:avLst/>
           </a:prstGeom>
           <a:noFill/>
-        </p:spPr>
-        <p:txBody>
-          <a:bodyPr wrap="square" rtlCol="0">
-            <a:spAutoFit/>
-          </a:bodyPr>
-          <a:lstStyle/>
-          <a:p>
-            <a:r>
-              <a:rPr lang="en-US" sz="2400" b="1" dirty="0"/>
-              <a:t>A          x     </a:t>
-            </a:r>
-            <a:r>
-              <a:rPr lang="en-US" sz="2400" dirty="0"/>
-              <a:t>~</a:t>
-            </a:r>
-            <a:r>
-              <a:rPr lang="en-US" sz="2400" b="1" dirty="0"/>
-              <a:t>    b</a:t>
-            </a:r>
-          </a:p>
-        </p:txBody>
-      </p:sp>
-      <p:pic>
-        <p:nvPicPr>
-          <p:cNvPr id="10" name="Picture 9">
-            <a:extLst>
-              <a:ext uri="{FF2B5EF4-FFF2-40B4-BE49-F238E27FC236}">
-                <a16:creationId xmlns:a16="http://schemas.microsoft.com/office/drawing/2014/main" id="{93814FD6-F638-D748-90D0-5295EED046A8}"/>
-              </a:ext>
-            </a:extLst>
-          </p:cNvPr>
-          <p:cNvPicPr>
-            <a:picLocks noChangeAspect="1"/>
-          </p:cNvPicPr>
-          <p:nvPr/>
-        </p:nvPicPr>
-        <p:blipFill>
-          <a:blip r:embed="rId3"/>
-          <a:stretch>
-            <a:fillRect/>
-          </a:stretch>
-        </p:blipFill>
-        <p:spPr>
-          <a:xfrm>
-            <a:off x="593151" y="1752373"/>
-            <a:ext cx="6570133" cy="4267200"/>
-          </a:xfrm>
-          <a:prstGeom prst="rect">
-            <a:avLst/>
-          </a:prstGeom>
+          <a:extLst>
+            <a:ext uri="{909E8E84-426E-40DD-AFC4-6F175D3DCCD1}">
+              <a14:hiddenFill xmlns:a14="http://schemas.microsoft.com/office/drawing/2010/main">
+                <a:solidFill>
+                  <a:srgbClr val="FFFFFF"/>
+                </a:solidFill>
+              </a14:hiddenFill>
+            </a:ext>
+          </a:extLst>
         </p:spPr>
       </p:pic>
     </p:spTree>
     <p:extLst>
       <p:ext uri="{BB962C8B-B14F-4D97-AF65-F5344CB8AC3E}">
-        <p14:creationId xmlns:p14="http://schemas.microsoft.com/office/powerpoint/2010/main" val="1372652056"/>
+        <p14:creationId xmlns:p14="http://schemas.microsoft.com/office/powerpoint/2010/main" val="1262532753"/>
       </p:ext>
     </p:extLst>
   </p:cSld>
@@ -12206,6 +11871,183 @@
       </p:sp>
       <p:pic>
         <p:nvPicPr>
+          <p:cNvPr id="5" name="Picture 4">
+            <a:extLst>
+              <a:ext uri="{FF2B5EF4-FFF2-40B4-BE49-F238E27FC236}">
+                <a16:creationId xmlns:a16="http://schemas.microsoft.com/office/drawing/2014/main" id="{AE0A21C3-CAE7-9445-BA34-23C0CD4CADA6}"/>
+              </a:ext>
+            </a:extLst>
+          </p:cNvPr>
+          <p:cNvPicPr>
+            <a:picLocks noChangeAspect="1"/>
+          </p:cNvPicPr>
+          <p:nvPr/>
+        </p:nvPicPr>
+        <p:blipFill>
+          <a:blip r:embed="rId2"/>
+          <a:stretch>
+            <a:fillRect/>
+          </a:stretch>
+        </p:blipFill>
+        <p:spPr>
+          <a:xfrm>
+            <a:off x="7905208" y="2136507"/>
+            <a:ext cx="3448593" cy="2037805"/>
+          </a:xfrm>
+          <a:prstGeom prst="rect">
+            <a:avLst/>
+          </a:prstGeom>
+        </p:spPr>
+      </p:pic>
+      <p:sp>
+        <p:nvSpPr>
+          <p:cNvPr id="6" name="TextBox 5">
+            <a:extLst>
+              <a:ext uri="{FF2B5EF4-FFF2-40B4-BE49-F238E27FC236}">
+                <a16:creationId xmlns:a16="http://schemas.microsoft.com/office/drawing/2014/main" id="{D6FAF60F-012F-8047-AFEC-6EA47C8350CB}"/>
+              </a:ext>
+            </a:extLst>
+          </p:cNvPr>
+          <p:cNvSpPr txBox="1"/>
+          <p:nvPr/>
+        </p:nvSpPr>
+        <p:spPr>
+          <a:xfrm>
+            <a:off x="8662125" y="4284614"/>
+            <a:ext cx="2775131" cy="461665"/>
+          </a:xfrm>
+          <a:prstGeom prst="rect">
+            <a:avLst/>
+          </a:prstGeom>
+          <a:noFill/>
+        </p:spPr>
+        <p:txBody>
+          <a:bodyPr wrap="square" rtlCol="0">
+            <a:spAutoFit/>
+          </a:bodyPr>
+          <a:lstStyle/>
+          <a:p>
+            <a:r>
+              <a:rPr lang="en-US" sz="2400" b="1" dirty="0"/>
+              <a:t>A          x     </a:t>
+            </a:r>
+            <a:r>
+              <a:rPr lang="en-US" sz="2400" dirty="0"/>
+              <a:t>~</a:t>
+            </a:r>
+            <a:r>
+              <a:rPr lang="en-US" sz="2400" b="1" dirty="0"/>
+              <a:t>    b</a:t>
+            </a:r>
+          </a:p>
+        </p:txBody>
+      </p:sp>
+      <p:pic>
+        <p:nvPicPr>
+          <p:cNvPr id="10" name="Picture 9">
+            <a:extLst>
+              <a:ext uri="{FF2B5EF4-FFF2-40B4-BE49-F238E27FC236}">
+                <a16:creationId xmlns:a16="http://schemas.microsoft.com/office/drawing/2014/main" id="{93814FD6-F638-D748-90D0-5295EED046A8}"/>
+              </a:ext>
+            </a:extLst>
+          </p:cNvPr>
+          <p:cNvPicPr>
+            <a:picLocks noChangeAspect="1"/>
+          </p:cNvPicPr>
+          <p:nvPr/>
+        </p:nvPicPr>
+        <p:blipFill>
+          <a:blip r:embed="rId3"/>
+          <a:stretch>
+            <a:fillRect/>
+          </a:stretch>
+        </p:blipFill>
+        <p:spPr>
+          <a:xfrm>
+            <a:off x="593151" y="1752373"/>
+            <a:ext cx="6570133" cy="4267200"/>
+          </a:xfrm>
+          <a:prstGeom prst="rect">
+            <a:avLst/>
+          </a:prstGeom>
+        </p:spPr>
+      </p:pic>
+    </p:spTree>
+    <p:extLst>
+      <p:ext uri="{BB962C8B-B14F-4D97-AF65-F5344CB8AC3E}">
+        <p14:creationId xmlns:p14="http://schemas.microsoft.com/office/powerpoint/2010/main" val="1372652056"/>
+      </p:ext>
+    </p:extLst>
+  </p:cSld>
+  <p:clrMapOvr>
+    <a:masterClrMapping/>
+  </p:clrMapOvr>
+</p:sld>
+</file>
+
+<file path=ppt/slides/slide33.xml><?xml version="1.0" encoding="utf-8"?>
+<p:sld xmlns:a="http://schemas.openxmlformats.org/drawingml/2006/main" xmlns:r="http://schemas.openxmlformats.org/officeDocument/2006/relationships" xmlns:p="http://schemas.openxmlformats.org/presentationml/2006/main">
+  <p:cSld>
+    <p:spTree>
+      <p:nvGrpSpPr>
+        <p:cNvPr id="1" name=""/>
+        <p:cNvGrpSpPr/>
+        <p:nvPr/>
+      </p:nvGrpSpPr>
+      <p:grpSpPr>
+        <a:xfrm>
+          <a:off x="0" y="0"/>
+          <a:ext cx="0" cy="0"/>
+          <a:chOff x="0" y="0"/>
+          <a:chExt cx="0" cy="0"/>
+        </a:xfrm>
+      </p:grpSpPr>
+      <p:sp>
+        <p:nvSpPr>
+          <p:cNvPr id="2" name="Title 1">
+            <a:extLst>
+              <a:ext uri="{FF2B5EF4-FFF2-40B4-BE49-F238E27FC236}">
+                <a16:creationId xmlns:a16="http://schemas.microsoft.com/office/drawing/2014/main" id="{D21F5BCB-826B-B848-AC75-AE0DD36BAAEE}"/>
+              </a:ext>
+            </a:extLst>
+          </p:cNvPr>
+          <p:cNvSpPr>
+            <a:spLocks noGrp="1"/>
+          </p:cNvSpPr>
+          <p:nvPr>
+            <p:ph type="title"/>
+          </p:nvPr>
+        </p:nvSpPr>
+        <p:spPr/>
+        <p:txBody>
+          <a:bodyPr/>
+          <a:lstStyle/>
+          <a:p>
+            <a:r>
+              <a:rPr lang="en-US" dirty="0"/>
+              <a:t>Linear regression in </a:t>
+            </a:r>
+            <a:r>
+              <a:rPr lang="en-US" b="1" dirty="0"/>
+              <a:t>Ax</a:t>
+            </a:r>
+            <a:r>
+              <a:rPr lang="en-US" dirty="0"/>
+              <a:t> = </a:t>
+            </a:r>
+            <a:r>
+              <a:rPr lang="en-US" b="1" dirty="0"/>
+              <a:t>b</a:t>
+            </a:r>
+            <a:r>
+              <a:rPr lang="en-US" dirty="0"/>
+              <a:t> form</a:t>
+            </a:r>
+          </a:p>
+        </p:txBody>
+      </p:sp>
+      <p:pic>
+        <p:nvPicPr>
           <p:cNvPr id="10" name="Picture 9">
             <a:extLst>
               <a:ext uri="{FF2B5EF4-FFF2-40B4-BE49-F238E27FC236}">
@@ -12277,7 +12119,7 @@
 </p:sld>
 </file>
 
-<file path=ppt/slides/slide33.xml><?xml version="1.0" encoding="utf-8"?>
+<file path=ppt/slides/slide34.xml><?xml version="1.0" encoding="utf-8"?>
 <p:sld xmlns:a="http://schemas.openxmlformats.org/drawingml/2006/main" xmlns:r="http://schemas.openxmlformats.org/officeDocument/2006/relationships" xmlns:p="http://schemas.openxmlformats.org/presentationml/2006/main">
   <p:cSld>
     <p:spTree>
@@ -12620,350 +12462,6 @@
 </p:sld>
 </file>
 
-<file path=ppt/slides/slide34.xml><?xml version="1.0" encoding="utf-8"?>
-<p:sld xmlns:a="http://schemas.openxmlformats.org/drawingml/2006/main" xmlns:r="http://schemas.openxmlformats.org/officeDocument/2006/relationships" xmlns:p="http://schemas.openxmlformats.org/presentationml/2006/main">
-  <p:cSld>
-    <p:spTree>
-      <p:nvGrpSpPr>
-        <p:cNvPr id="1" name=""/>
-        <p:cNvGrpSpPr/>
-        <p:nvPr/>
-      </p:nvGrpSpPr>
-      <p:grpSpPr>
-        <a:xfrm>
-          <a:off x="0" y="0"/>
-          <a:ext cx="0" cy="0"/>
-          <a:chOff x="0" y="0"/>
-          <a:chExt cx="0" cy="0"/>
-        </a:xfrm>
-      </p:grpSpPr>
-      <p:sp>
-        <p:nvSpPr>
-          <p:cNvPr id="2" name="Title 1">
-            <a:extLst>
-              <a:ext uri="{FF2B5EF4-FFF2-40B4-BE49-F238E27FC236}">
-                <a16:creationId xmlns:a16="http://schemas.microsoft.com/office/drawing/2014/main" id="{D21F5BCB-826B-B848-AC75-AE0DD36BAAEE}"/>
-              </a:ext>
-            </a:extLst>
-          </p:cNvPr>
-          <p:cNvSpPr>
-            <a:spLocks noGrp="1"/>
-          </p:cNvSpPr>
-          <p:nvPr>
-            <p:ph type="title"/>
-          </p:nvPr>
-        </p:nvSpPr>
-        <p:spPr/>
-        <p:txBody>
-          <a:bodyPr/>
-          <a:lstStyle/>
-          <a:p>
-            <a:r>
-              <a:rPr lang="en-US" dirty="0"/>
-              <a:t>Regression coefficient </a:t>
-            </a:r>
-            <a:r>
-              <a:rPr lang="en-US" i="1" dirty="0">
-                <a:solidFill>
-                  <a:srgbClr val="0070C0"/>
-                </a:solidFill>
-              </a:rPr>
-              <a:t>a</a:t>
-            </a:r>
-            <a:r>
-              <a:rPr lang="en-US" dirty="0"/>
-              <a:t> in y = </a:t>
-            </a:r>
-            <a:r>
-              <a:rPr lang="en-US" i="1" dirty="0">
-                <a:solidFill>
-                  <a:srgbClr val="0070C0"/>
-                </a:solidFill>
-              </a:rPr>
-              <a:t>a</a:t>
-            </a:r>
-            <a:r>
-              <a:rPr lang="en-US" dirty="0"/>
-              <a:t>x + b</a:t>
-            </a:r>
-          </a:p>
-        </p:txBody>
-      </p:sp>
-      <p:pic>
-        <p:nvPicPr>
-          <p:cNvPr id="4" name="Picture 3">
-            <a:extLst>
-              <a:ext uri="{FF2B5EF4-FFF2-40B4-BE49-F238E27FC236}">
-                <a16:creationId xmlns:a16="http://schemas.microsoft.com/office/drawing/2014/main" id="{6EFB80A9-60D0-3F44-A21E-90D84927EE95}"/>
-              </a:ext>
-            </a:extLst>
-          </p:cNvPr>
-          <p:cNvPicPr>
-            <a:picLocks noChangeAspect="1"/>
-          </p:cNvPicPr>
-          <p:nvPr/>
-        </p:nvPicPr>
-        <p:blipFill>
-          <a:blip r:embed="rId2"/>
-          <a:stretch>
-            <a:fillRect/>
-          </a:stretch>
-        </p:blipFill>
-        <p:spPr>
-          <a:xfrm>
-            <a:off x="6977996" y="1682710"/>
-            <a:ext cx="4877269" cy="3745895"/>
-          </a:xfrm>
-          <a:prstGeom prst="rect">
-            <a:avLst/>
-          </a:prstGeom>
-        </p:spPr>
-      </p:pic>
-      <p:pic>
-        <p:nvPicPr>
-          <p:cNvPr id="5" name="Picture 4">
-            <a:extLst>
-              <a:ext uri="{FF2B5EF4-FFF2-40B4-BE49-F238E27FC236}">
-                <a16:creationId xmlns:a16="http://schemas.microsoft.com/office/drawing/2014/main" id="{A2772E78-4D07-6F4F-A3F8-65F6F0C3DE49}"/>
-              </a:ext>
-            </a:extLst>
-          </p:cNvPr>
-          <p:cNvPicPr>
-            <a:picLocks noChangeAspect="1"/>
-          </p:cNvPicPr>
-          <p:nvPr/>
-        </p:nvPicPr>
-        <p:blipFill>
-          <a:blip r:embed="rId3"/>
-          <a:stretch>
-            <a:fillRect/>
-          </a:stretch>
-        </p:blipFill>
-        <p:spPr>
-          <a:xfrm>
-            <a:off x="1552544" y="1903330"/>
-            <a:ext cx="1791547" cy="1017599"/>
-          </a:xfrm>
-          <a:prstGeom prst="rect">
-            <a:avLst/>
-          </a:prstGeom>
-        </p:spPr>
-      </p:pic>
-      <p:sp>
-        <p:nvSpPr>
-          <p:cNvPr id="6" name="TextBox 5">
-            <a:extLst>
-              <a:ext uri="{FF2B5EF4-FFF2-40B4-BE49-F238E27FC236}">
-                <a16:creationId xmlns:a16="http://schemas.microsoft.com/office/drawing/2014/main" id="{F82ACAD6-5385-AE41-AE87-0D311793BE48}"/>
-              </a:ext>
-            </a:extLst>
-          </p:cNvPr>
-          <p:cNvSpPr txBox="1"/>
-          <p:nvPr/>
-        </p:nvSpPr>
-        <p:spPr>
-          <a:xfrm>
-            <a:off x="4279285" y="1811176"/>
-            <a:ext cx="2310673" cy="461665"/>
-          </a:xfrm>
-          <a:prstGeom prst="rect">
-            <a:avLst/>
-          </a:prstGeom>
-          <a:noFill/>
-        </p:spPr>
-        <p:txBody>
-          <a:bodyPr wrap="square" rtlCol="0">
-            <a:spAutoFit/>
-          </a:bodyPr>
-          <a:lstStyle/>
-          <a:p>
-            <a:r>
-              <a:rPr lang="en-US" sz="2400" dirty="0"/>
-              <a:t>Covariance</a:t>
-            </a:r>
-          </a:p>
-        </p:txBody>
-      </p:sp>
-      <p:sp>
-        <p:nvSpPr>
-          <p:cNvPr id="8" name="TextBox 7">
-            <a:extLst>
-              <a:ext uri="{FF2B5EF4-FFF2-40B4-BE49-F238E27FC236}">
-                <a16:creationId xmlns:a16="http://schemas.microsoft.com/office/drawing/2014/main" id="{E116F81A-4586-CA47-A95D-B9787C2C0D5E}"/>
-              </a:ext>
-            </a:extLst>
-          </p:cNvPr>
-          <p:cNvSpPr txBox="1"/>
-          <p:nvPr/>
-        </p:nvSpPr>
-        <p:spPr>
-          <a:xfrm>
-            <a:off x="4221224" y="2428486"/>
-            <a:ext cx="2310673" cy="461665"/>
-          </a:xfrm>
-          <a:prstGeom prst="rect">
-            <a:avLst/>
-          </a:prstGeom>
-          <a:noFill/>
-        </p:spPr>
-        <p:txBody>
-          <a:bodyPr wrap="square" rtlCol="0">
-            <a:spAutoFit/>
-          </a:bodyPr>
-          <a:lstStyle/>
-          <a:p>
-            <a:r>
-              <a:rPr lang="en-US" sz="2400" dirty="0"/>
-              <a:t>Variance in x</a:t>
-            </a:r>
-          </a:p>
-        </p:txBody>
-      </p:sp>
-      <p:sp>
-        <p:nvSpPr>
-          <p:cNvPr id="7" name="TextBox 6">
-            <a:extLst>
-              <a:ext uri="{FF2B5EF4-FFF2-40B4-BE49-F238E27FC236}">
-                <a16:creationId xmlns:a16="http://schemas.microsoft.com/office/drawing/2014/main" id="{1FF83262-A642-8B44-9965-8EC4DC9CC862}"/>
-              </a:ext>
-            </a:extLst>
-          </p:cNvPr>
-          <p:cNvSpPr txBox="1"/>
-          <p:nvPr/>
-        </p:nvSpPr>
-        <p:spPr>
-          <a:xfrm>
-            <a:off x="3564704" y="1999336"/>
-            <a:ext cx="476069" cy="666786"/>
-          </a:xfrm>
-          <a:prstGeom prst="rect">
-            <a:avLst/>
-          </a:prstGeom>
-          <a:noFill/>
-        </p:spPr>
-        <p:txBody>
-          <a:bodyPr wrap="square" rtlCol="0">
-            <a:spAutoFit/>
-          </a:bodyPr>
-          <a:lstStyle/>
-          <a:p>
-            <a:r>
-              <a:rPr lang="en-US" sz="3733" dirty="0"/>
-              <a:t>=</a:t>
-            </a:r>
-          </a:p>
-        </p:txBody>
-      </p:sp>
-      <p:cxnSp>
-        <p:nvCxnSpPr>
-          <p:cNvPr id="11" name="Straight Connector 10">
-            <a:extLst>
-              <a:ext uri="{FF2B5EF4-FFF2-40B4-BE49-F238E27FC236}">
-                <a16:creationId xmlns:a16="http://schemas.microsoft.com/office/drawing/2014/main" id="{6F0C96F1-3A0C-A744-9856-EA1DCF75EA82}"/>
-              </a:ext>
-            </a:extLst>
-          </p:cNvPr>
-          <p:cNvCxnSpPr>
-            <a:cxnSpLocks/>
-          </p:cNvCxnSpPr>
-          <p:nvPr/>
-        </p:nvCxnSpPr>
-        <p:spPr>
-          <a:xfrm flipH="1">
-            <a:off x="4180110" y="2350065"/>
-            <a:ext cx="1881055" cy="0"/>
-          </a:xfrm>
-          <a:prstGeom prst="line">
-            <a:avLst/>
-          </a:prstGeom>
-          <a:ln w="28575">
-            <a:solidFill>
-              <a:schemeClr val="tx1"/>
-            </a:solidFill>
-          </a:ln>
-        </p:spPr>
-        <p:style>
-          <a:lnRef idx="1">
-            <a:schemeClr val="dk1"/>
-          </a:lnRef>
-          <a:fillRef idx="0">
-            <a:schemeClr val="dk1"/>
-          </a:fillRef>
-          <a:effectRef idx="0">
-            <a:schemeClr val="dk1"/>
-          </a:effectRef>
-          <a:fontRef idx="minor">
-            <a:schemeClr val="tx1"/>
-          </a:fontRef>
-        </p:style>
-      </p:cxnSp>
-      <p:sp>
-        <p:nvSpPr>
-          <p:cNvPr id="9" name="TextBox 8">
-            <a:extLst>
-              <a:ext uri="{FF2B5EF4-FFF2-40B4-BE49-F238E27FC236}">
-                <a16:creationId xmlns:a16="http://schemas.microsoft.com/office/drawing/2014/main" id="{6B37E842-6088-3246-B060-A210C34CC149}"/>
-              </a:ext>
-            </a:extLst>
-          </p:cNvPr>
-          <p:cNvSpPr txBox="1"/>
-          <p:nvPr/>
-        </p:nvSpPr>
-        <p:spPr>
-          <a:xfrm>
-            <a:off x="1114699" y="3181520"/>
-            <a:ext cx="5201920" cy="1938992"/>
-          </a:xfrm>
-          <a:prstGeom prst="rect">
-            <a:avLst/>
-          </a:prstGeom>
-          <a:noFill/>
-        </p:spPr>
-        <p:txBody>
-          <a:bodyPr wrap="square" rtlCol="0">
-            <a:spAutoFit/>
-          </a:bodyPr>
-          <a:lstStyle/>
-          <a:p>
-            <a:r>
-              <a:rPr lang="en-US" sz="2400" dirty="0"/>
-              <a:t>x : explanatory variable</a:t>
-            </a:r>
-          </a:p>
-          <a:p>
-            <a:r>
-              <a:rPr lang="en-US" sz="2400" dirty="0"/>
-              <a:t>y:  explained variable</a:t>
-            </a:r>
-          </a:p>
-          <a:p>
-            <a:endParaRPr lang="en-US" sz="2400" dirty="0"/>
-          </a:p>
-          <a:p>
-            <a:r>
-              <a:rPr lang="en-US" sz="2400" i="1" dirty="0">
-                <a:solidFill>
-                  <a:srgbClr val="0070C0"/>
-                </a:solidFill>
-              </a:rPr>
-              <a:t>How much variance in y can be explained by the regression?</a:t>
-            </a:r>
-          </a:p>
-        </p:txBody>
-      </p:sp>
-    </p:spTree>
-    <p:extLst>
-      <p:ext uri="{BB962C8B-B14F-4D97-AF65-F5344CB8AC3E}">
-        <p14:creationId xmlns:p14="http://schemas.microsoft.com/office/powerpoint/2010/main" val="2741155547"/>
-      </p:ext>
-    </p:extLst>
-  </p:cSld>
-  <p:clrMapOvr>
-    <a:masterClrMapping/>
-  </p:clrMapOvr>
-</p:sld>
-</file>
-
 <file path=ppt/slides/slide35.xml><?xml version="1.0" encoding="utf-8"?>
 <p:sld xmlns:a="http://schemas.openxmlformats.org/drawingml/2006/main" xmlns:r="http://schemas.openxmlformats.org/officeDocument/2006/relationships" xmlns:p="http://schemas.openxmlformats.org/presentationml/2006/main">
   <p:cSld>
@@ -13055,7 +12553,7 @@
         </p:blipFill>
         <p:spPr>
           <a:xfrm>
-            <a:off x="6977996" y="1682702"/>
+            <a:off x="6977996" y="1682710"/>
             <a:ext cx="4877269" cy="3745895"/>
           </a:xfrm>
           <a:prstGeom prst="rect">
@@ -13295,40 +12793,10 @@
           </a:p>
         </p:txBody>
       </p:sp>
-      <p:pic>
-        <p:nvPicPr>
-          <p:cNvPr id="12" name="Picture 11">
-            <a:extLst>
-              <a:ext uri="{FF2B5EF4-FFF2-40B4-BE49-F238E27FC236}">
-                <a16:creationId xmlns:a16="http://schemas.microsoft.com/office/drawing/2014/main" id="{B76E6204-0EE2-164E-A2D1-BB6F92435DCB}"/>
-              </a:ext>
-            </a:extLst>
-          </p:cNvPr>
-          <p:cNvPicPr>
-            <a:picLocks noChangeAspect="1"/>
-          </p:cNvPicPr>
-          <p:nvPr/>
-        </p:nvPicPr>
-        <p:blipFill>
-          <a:blip r:embed="rId4"/>
-          <a:stretch>
-            <a:fillRect/>
-          </a:stretch>
-        </p:blipFill>
-        <p:spPr>
-          <a:xfrm>
-            <a:off x="1656806" y="5294089"/>
-            <a:ext cx="6610532" cy="1063000"/>
-          </a:xfrm>
-          <a:prstGeom prst="rect">
-            <a:avLst/>
-          </a:prstGeom>
-        </p:spPr>
-      </p:pic>
     </p:spTree>
     <p:extLst>
       <p:ext uri="{BB962C8B-B14F-4D97-AF65-F5344CB8AC3E}">
-        <p14:creationId xmlns:p14="http://schemas.microsoft.com/office/powerpoint/2010/main" val="473184918"/>
+        <p14:creationId xmlns:p14="http://schemas.microsoft.com/office/powerpoint/2010/main" val="2741155547"/>
       </p:ext>
     </p:extLst>
   </p:cSld>
@@ -13360,7 +12828,7 @@
           <p:cNvPr id="2" name="Title 1">
             <a:extLst>
               <a:ext uri="{FF2B5EF4-FFF2-40B4-BE49-F238E27FC236}">
-                <a16:creationId xmlns:a16="http://schemas.microsoft.com/office/drawing/2014/main" id="{2BBDD2C1-B663-094B-B21C-251630FA8958}"/>
+                <a16:creationId xmlns:a16="http://schemas.microsoft.com/office/drawing/2014/main" id="{D21F5BCB-826B-B848-AC75-AE0DD36BAAEE}"/>
               </a:ext>
             </a:extLst>
           </p:cNvPr>
@@ -13371,103 +12839,48 @@
             <p:ph type="title"/>
           </p:nvPr>
         </p:nvSpPr>
-        <p:spPr>
-          <a:xfrm>
-            <a:off x="1899906" y="318680"/>
-            <a:ext cx="8086989" cy="1325563"/>
-          </a:xfrm>
-        </p:spPr>
+        <p:spPr/>
         <p:txBody>
           <a:bodyPr/>
           <a:lstStyle/>
           <a:p>
-            <a:pPr algn="ctr"/>
             <a:r>
               <a:rPr lang="en-US" dirty="0"/>
-              <a:t>R</a:t>
-            </a:r>
-            <a:r>
-              <a:rPr lang="en-US" baseline="30000" dirty="0"/>
-              <a:t>2</a:t>
+              <a:t>Regression coefficient </a:t>
+            </a:r>
+            <a:r>
+              <a:rPr lang="en-US" i="1" dirty="0">
+                <a:solidFill>
+                  <a:srgbClr val="0070C0"/>
+                </a:solidFill>
+              </a:rPr>
+              <a:t>a</a:t>
             </a:r>
             <a:r>
               <a:rPr lang="en-US" dirty="0"/>
-              <a:t> : coefficient of determination</a:t>
-            </a:r>
-          </a:p>
-        </p:txBody>
-      </p:sp>
-      <p:sp>
-        <p:nvSpPr>
-          <p:cNvPr id="4" name="Content Placeholder 3">
-            <a:extLst>
-              <a:ext uri="{FF2B5EF4-FFF2-40B4-BE49-F238E27FC236}">
-                <a16:creationId xmlns:a16="http://schemas.microsoft.com/office/drawing/2014/main" id="{D2C2A6AB-92AD-C24F-BE9F-FDD7427E806B}"/>
-              </a:ext>
-            </a:extLst>
-          </p:cNvPr>
-          <p:cNvSpPr>
-            <a:spLocks noGrp="1"/>
-          </p:cNvSpPr>
-          <p:nvPr>
-            <p:ph idx="1"/>
-          </p:nvPr>
-        </p:nvSpPr>
-        <p:spPr>
-          <a:xfrm>
-            <a:off x="1254035" y="1825625"/>
-            <a:ext cx="9081204" cy="4351339"/>
-          </a:xfrm>
-        </p:spPr>
-        <p:txBody>
-          <a:bodyPr/>
-          <a:lstStyle/>
-          <a:p>
-            <a:pPr marL="0" indent="0">
-              <a:buNone/>
-            </a:pPr>
+              <a:t> in y = </a:t>
+            </a:r>
+            <a:r>
+              <a:rPr lang="en-US" i="1" dirty="0">
+                <a:solidFill>
+                  <a:srgbClr val="0070C0"/>
+                </a:solidFill>
+              </a:rPr>
+              <a:t>a</a:t>
+            </a:r>
             <a:r>
               <a:rPr lang="en-US" dirty="0"/>
-              <a:t>R</a:t>
-            </a:r>
-            <a:r>
-              <a:rPr lang="en-US" baseline="30000" dirty="0"/>
-              <a:t>2</a:t>
-            </a:r>
-            <a:r>
-              <a:rPr lang="en-US" dirty="0"/>
-              <a:t>  measures the fraction of variance explained by the regression. </a:t>
-            </a:r>
-          </a:p>
-          <a:p>
-            <a:pPr marL="0" indent="0">
-              <a:buNone/>
-            </a:pPr>
-            <a:endParaRPr lang="en-US" dirty="0"/>
-          </a:p>
-          <a:p>
-            <a:pPr marL="0" indent="0">
-              <a:buNone/>
-            </a:pPr>
-            <a:r>
-              <a:rPr lang="en-US" dirty="0"/>
-              <a:t>(correlation coefficient) = </a:t>
-            </a:r>
-          </a:p>
-          <a:p>
-            <a:pPr marL="0" indent="0">
-              <a:buNone/>
-            </a:pPr>
-            <a:endParaRPr lang="en-US" dirty="0"/>
+              <a:t>x + b</a:t>
+            </a:r>
           </a:p>
         </p:txBody>
       </p:sp>
       <p:pic>
         <p:nvPicPr>
-          <p:cNvPr id="3" name="Picture 2">
-            <a:extLst>
-              <a:ext uri="{FF2B5EF4-FFF2-40B4-BE49-F238E27FC236}">
-                <a16:creationId xmlns:a16="http://schemas.microsoft.com/office/drawing/2014/main" id="{F23317E9-2FF8-FB42-8DD1-01F274819002}"/>
+          <p:cNvPr id="4" name="Picture 3">
+            <a:extLst>
+              <a:ext uri="{FF2B5EF4-FFF2-40B4-BE49-F238E27FC236}">
+                <a16:creationId xmlns:a16="http://schemas.microsoft.com/office/drawing/2014/main" id="{6EFB80A9-60D0-3F44-A21E-90D84927EE95}"/>
               </a:ext>
             </a:extLst>
           </p:cNvPr>
@@ -13484,20 +12897,50 @@
         </p:blipFill>
         <p:spPr>
           <a:xfrm>
-            <a:off x="5399317" y="3052570"/>
-            <a:ext cx="3158308" cy="1149799"/>
+            <a:off x="6977996" y="1682702"/>
+            <a:ext cx="4877269" cy="3745895"/>
           </a:xfrm>
           <a:prstGeom prst="rect">
             <a:avLst/>
           </a:prstGeom>
         </p:spPr>
       </p:pic>
-      <p:sp>
-        <p:nvSpPr>
-          <p:cNvPr id="7" name="TextBox 6">
-            <a:extLst>
-              <a:ext uri="{FF2B5EF4-FFF2-40B4-BE49-F238E27FC236}">
-                <a16:creationId xmlns:a16="http://schemas.microsoft.com/office/drawing/2014/main" id="{196C8125-BEC3-7A4A-81F9-8A73363DFBBB}"/>
+      <p:pic>
+        <p:nvPicPr>
+          <p:cNvPr id="5" name="Picture 4">
+            <a:extLst>
+              <a:ext uri="{FF2B5EF4-FFF2-40B4-BE49-F238E27FC236}">
+                <a16:creationId xmlns:a16="http://schemas.microsoft.com/office/drawing/2014/main" id="{A2772E78-4D07-6F4F-A3F8-65F6F0C3DE49}"/>
+              </a:ext>
+            </a:extLst>
+          </p:cNvPr>
+          <p:cNvPicPr>
+            <a:picLocks noChangeAspect="1"/>
+          </p:cNvPicPr>
+          <p:nvPr/>
+        </p:nvPicPr>
+        <p:blipFill>
+          <a:blip r:embed="rId3"/>
+          <a:stretch>
+            <a:fillRect/>
+          </a:stretch>
+        </p:blipFill>
+        <p:spPr>
+          <a:xfrm>
+            <a:off x="1552544" y="1903330"/>
+            <a:ext cx="1791547" cy="1017599"/>
+          </a:xfrm>
+          <a:prstGeom prst="rect">
+            <a:avLst/>
+          </a:prstGeom>
+        </p:spPr>
+      </p:pic>
+      <p:sp>
+        <p:nvSpPr>
+          <p:cNvPr id="6" name="TextBox 5">
+            <a:extLst>
+              <a:ext uri="{FF2B5EF4-FFF2-40B4-BE49-F238E27FC236}">
+                <a16:creationId xmlns:a16="http://schemas.microsoft.com/office/drawing/2014/main" id="{F82ACAD6-5385-AE41-AE87-0D311793BE48}"/>
               </a:ext>
             </a:extLst>
           </p:cNvPr>
@@ -13506,8 +12949,8 @@
         </p:nvSpPr>
         <p:spPr>
           <a:xfrm>
-            <a:off x="1579155" y="4667798"/>
-            <a:ext cx="8069943" cy="1938992"/>
+            <a:off x="4279285" y="1811176"/>
+            <a:ext cx="2310673" cy="461665"/>
           </a:xfrm>
           <a:prstGeom prst="rect">
             <a:avLst/>
@@ -13522,26 +12965,212 @@
           <a:p>
             <a:r>
               <a:rPr lang="en-US" sz="2400" dirty="0"/>
-              <a:t>R is called Pearson’s correlation, or simply, </a:t>
-            </a:r>
-            <a:r>
-              <a:rPr lang="en-US" sz="2400" dirty="0" err="1"/>
-              <a:t>r-value</a:t>
-            </a:r>
+              <a:t>Covariance</a:t>
+            </a:r>
+          </a:p>
+        </p:txBody>
+      </p:sp>
+      <p:sp>
+        <p:nvSpPr>
+          <p:cNvPr id="8" name="TextBox 7">
+            <a:extLst>
+              <a:ext uri="{FF2B5EF4-FFF2-40B4-BE49-F238E27FC236}">
+                <a16:creationId xmlns:a16="http://schemas.microsoft.com/office/drawing/2014/main" id="{E116F81A-4586-CA47-A95D-B9787C2C0D5E}"/>
+              </a:ext>
+            </a:extLst>
+          </p:cNvPr>
+          <p:cNvSpPr txBox="1"/>
+          <p:nvPr/>
+        </p:nvSpPr>
+        <p:spPr>
+          <a:xfrm>
+            <a:off x="4221224" y="2428486"/>
+            <a:ext cx="2310673" cy="461665"/>
+          </a:xfrm>
+          <a:prstGeom prst="rect">
+            <a:avLst/>
+          </a:prstGeom>
+          <a:noFill/>
+        </p:spPr>
+        <p:txBody>
+          <a:bodyPr wrap="square" rtlCol="0">
+            <a:spAutoFit/>
+          </a:bodyPr>
+          <a:lstStyle/>
+          <a:p>
             <a:r>
               <a:rPr lang="en-US" sz="2400" dirty="0"/>
-              <a:t>. This quantifies a measure of the relationship between the two variable. It varies from -1 to +1. You can think of it as a unitless, normalized covariance. </a:t>
+              <a:t>Variance in x</a:t>
+            </a:r>
+          </a:p>
+        </p:txBody>
+      </p:sp>
+      <p:sp>
+        <p:nvSpPr>
+          <p:cNvPr id="7" name="TextBox 6">
+            <a:extLst>
+              <a:ext uri="{FF2B5EF4-FFF2-40B4-BE49-F238E27FC236}">
+                <a16:creationId xmlns:a16="http://schemas.microsoft.com/office/drawing/2014/main" id="{1FF83262-A642-8B44-9965-8EC4DC9CC862}"/>
+              </a:ext>
+            </a:extLst>
+          </p:cNvPr>
+          <p:cNvSpPr txBox="1"/>
+          <p:nvPr/>
+        </p:nvSpPr>
+        <p:spPr>
+          <a:xfrm>
+            <a:off x="3564704" y="1999336"/>
+            <a:ext cx="476069" cy="666786"/>
+          </a:xfrm>
+          <a:prstGeom prst="rect">
+            <a:avLst/>
+          </a:prstGeom>
+          <a:noFill/>
+        </p:spPr>
+        <p:txBody>
+          <a:bodyPr wrap="square" rtlCol="0">
+            <a:spAutoFit/>
+          </a:bodyPr>
+          <a:lstStyle/>
+          <a:p>
+            <a:r>
+              <a:rPr lang="en-US" sz="3733" dirty="0"/>
+              <a:t>=</a:t>
+            </a:r>
+          </a:p>
+        </p:txBody>
+      </p:sp>
+      <p:cxnSp>
+        <p:nvCxnSpPr>
+          <p:cNvPr id="11" name="Straight Connector 10">
+            <a:extLst>
+              <a:ext uri="{FF2B5EF4-FFF2-40B4-BE49-F238E27FC236}">
+                <a16:creationId xmlns:a16="http://schemas.microsoft.com/office/drawing/2014/main" id="{6F0C96F1-3A0C-A744-9856-EA1DCF75EA82}"/>
+              </a:ext>
+            </a:extLst>
+          </p:cNvPr>
+          <p:cNvCxnSpPr>
+            <a:cxnSpLocks/>
+          </p:cNvCxnSpPr>
+          <p:nvPr/>
+        </p:nvCxnSpPr>
+        <p:spPr>
+          <a:xfrm flipH="1">
+            <a:off x="4180110" y="2350065"/>
+            <a:ext cx="1881055" cy="0"/>
+          </a:xfrm>
+          <a:prstGeom prst="line">
+            <a:avLst/>
+          </a:prstGeom>
+          <a:ln w="28575">
+            <a:solidFill>
+              <a:schemeClr val="tx1"/>
+            </a:solidFill>
+          </a:ln>
+        </p:spPr>
+        <p:style>
+          <a:lnRef idx="1">
+            <a:schemeClr val="dk1"/>
+          </a:lnRef>
+          <a:fillRef idx="0">
+            <a:schemeClr val="dk1"/>
+          </a:fillRef>
+          <a:effectRef idx="0">
+            <a:schemeClr val="dk1"/>
+          </a:effectRef>
+          <a:fontRef idx="minor">
+            <a:schemeClr val="tx1"/>
+          </a:fontRef>
+        </p:style>
+      </p:cxnSp>
+      <p:sp>
+        <p:nvSpPr>
+          <p:cNvPr id="9" name="TextBox 8">
+            <a:extLst>
+              <a:ext uri="{FF2B5EF4-FFF2-40B4-BE49-F238E27FC236}">
+                <a16:creationId xmlns:a16="http://schemas.microsoft.com/office/drawing/2014/main" id="{6B37E842-6088-3246-B060-A210C34CC149}"/>
+              </a:ext>
+            </a:extLst>
+          </p:cNvPr>
+          <p:cNvSpPr txBox="1"/>
+          <p:nvPr/>
+        </p:nvSpPr>
+        <p:spPr>
+          <a:xfrm>
+            <a:off x="1114699" y="3181520"/>
+            <a:ext cx="5201920" cy="1938992"/>
+          </a:xfrm>
+          <a:prstGeom prst="rect">
+            <a:avLst/>
+          </a:prstGeom>
+          <a:noFill/>
+        </p:spPr>
+        <p:txBody>
+          <a:bodyPr wrap="square" rtlCol="0">
+            <a:spAutoFit/>
+          </a:bodyPr>
+          <a:lstStyle/>
+          <a:p>
+            <a:r>
+              <a:rPr lang="en-US" sz="2400" dirty="0"/>
+              <a:t>x : explanatory variable</a:t>
+            </a:r>
+          </a:p>
+          <a:p>
+            <a:r>
+              <a:rPr lang="en-US" sz="2400" dirty="0"/>
+              <a:t>y:  explained variable</a:t>
             </a:r>
           </a:p>
           <a:p>
             <a:endParaRPr lang="en-US" sz="2400" dirty="0"/>
           </a:p>
-        </p:txBody>
-      </p:sp>
+          <a:p>
+            <a:r>
+              <a:rPr lang="en-US" sz="2400" i="1" dirty="0">
+                <a:solidFill>
+                  <a:srgbClr val="0070C0"/>
+                </a:solidFill>
+              </a:rPr>
+              <a:t>How much variance in y can be explained by the regression?</a:t>
+            </a:r>
+          </a:p>
+        </p:txBody>
+      </p:sp>
+      <p:pic>
+        <p:nvPicPr>
+          <p:cNvPr id="12" name="Picture 11">
+            <a:extLst>
+              <a:ext uri="{FF2B5EF4-FFF2-40B4-BE49-F238E27FC236}">
+                <a16:creationId xmlns:a16="http://schemas.microsoft.com/office/drawing/2014/main" id="{B76E6204-0EE2-164E-A2D1-BB6F92435DCB}"/>
+              </a:ext>
+            </a:extLst>
+          </p:cNvPr>
+          <p:cNvPicPr>
+            <a:picLocks noChangeAspect="1"/>
+          </p:cNvPicPr>
+          <p:nvPr/>
+        </p:nvPicPr>
+        <p:blipFill>
+          <a:blip r:embed="rId4"/>
+          <a:stretch>
+            <a:fillRect/>
+          </a:stretch>
+        </p:blipFill>
+        <p:spPr>
+          <a:xfrm>
+            <a:off x="1656806" y="5294089"/>
+            <a:ext cx="6610532" cy="1063000"/>
+          </a:xfrm>
+          <a:prstGeom prst="rect">
+            <a:avLst/>
+          </a:prstGeom>
+        </p:spPr>
+      </p:pic>
     </p:spTree>
     <p:extLst>
       <p:ext uri="{BB962C8B-B14F-4D97-AF65-F5344CB8AC3E}">
-        <p14:creationId xmlns:p14="http://schemas.microsoft.com/office/powerpoint/2010/main" val="433276699"/>
+        <p14:creationId xmlns:p14="http://schemas.microsoft.com/office/powerpoint/2010/main" val="473184918"/>
       </p:ext>
     </p:extLst>
   </p:cSld>
@@ -13573,7 +13202,7 @@
           <p:cNvPr id="2" name="Title 1">
             <a:extLst>
               <a:ext uri="{FF2B5EF4-FFF2-40B4-BE49-F238E27FC236}">
-                <a16:creationId xmlns:a16="http://schemas.microsoft.com/office/drawing/2014/main" id="{860A8311-43FE-914E-9444-E065264DE67C}"/>
+                <a16:creationId xmlns:a16="http://schemas.microsoft.com/office/drawing/2014/main" id="{2BBDD2C1-B663-094B-B21C-251630FA8958}"/>
               </a:ext>
             </a:extLst>
           </p:cNvPr>
@@ -13584,24 +13213,38 @@
             <p:ph type="title"/>
           </p:nvPr>
         </p:nvSpPr>
-        <p:spPr/>
+        <p:spPr>
+          <a:xfrm>
+            <a:off x="1899906" y="318680"/>
+            <a:ext cx="8086989" cy="1325563"/>
+          </a:xfrm>
+        </p:spPr>
         <p:txBody>
           <a:bodyPr/>
           <a:lstStyle/>
           <a:p>
+            <a:pPr algn="ctr"/>
             <a:r>
               <a:rPr lang="en-US" dirty="0"/>
-              <a:t>Standardization (z-transform)</a:t>
-            </a:r>
-          </a:p>
-        </p:txBody>
-      </p:sp>
-      <p:sp>
-        <p:nvSpPr>
-          <p:cNvPr id="3" name="Content Placeholder 2">
-            <a:extLst>
-              <a:ext uri="{FF2B5EF4-FFF2-40B4-BE49-F238E27FC236}">
-                <a16:creationId xmlns:a16="http://schemas.microsoft.com/office/drawing/2014/main" id="{ED68EB75-6220-774F-8F55-36A70E31475C}"/>
+              <a:t>R</a:t>
+            </a:r>
+            <a:r>
+              <a:rPr lang="en-US" baseline="30000" dirty="0"/>
+              <a:t>2</a:t>
+            </a:r>
+            <a:r>
+              <a:rPr lang="en-US" dirty="0"/>
+              <a:t> : coefficient of determination</a:t>
+            </a:r>
+          </a:p>
+        </p:txBody>
+      </p:sp>
+      <p:sp>
+        <p:nvSpPr>
+          <p:cNvPr id="4" name="Content Placeholder 3">
+            <a:extLst>
+              <a:ext uri="{FF2B5EF4-FFF2-40B4-BE49-F238E27FC236}">
+                <a16:creationId xmlns:a16="http://schemas.microsoft.com/office/drawing/2014/main" id="{D2C2A6AB-92AD-C24F-BE9F-FDD7427E806B}"/>
               </a:ext>
             </a:extLst>
           </p:cNvPr>
@@ -13612,48 +13255,61 @@
             <p:ph idx="1"/>
           </p:nvPr>
         </p:nvSpPr>
-        <p:spPr/>
+        <p:spPr>
+          <a:xfrm>
+            <a:off x="1254035" y="1825625"/>
+            <a:ext cx="9081204" cy="4351339"/>
+          </a:xfrm>
+        </p:spPr>
         <p:txBody>
           <a:bodyPr/>
           <a:lstStyle/>
           <a:p>
+            <a:pPr marL="0" indent="0">
+              <a:buNone/>
+            </a:pPr>
             <a:r>
               <a:rPr lang="en-US" dirty="0"/>
-              <a:t>Transforms the data so it has zero mean and 1 standard deviation.</a:t>
-            </a:r>
-          </a:p>
-          <a:p>
+              <a:t>R</a:t>
+            </a:r>
+            <a:r>
+              <a:rPr lang="en-US" baseline="30000" dirty="0"/>
+              <a:t>2</a:t>
+            </a:r>
+            <a:r>
+              <a:rPr lang="en-US" dirty="0"/>
+              <a:t>  measures the fraction of variance explained by the regression. </a:t>
+            </a:r>
+          </a:p>
+          <a:p>
+            <a:pPr marL="0" indent="0">
+              <a:buNone/>
+            </a:pPr>
             <a:endParaRPr lang="en-US" dirty="0"/>
           </a:p>
           <a:p>
+            <a:pPr marL="0" indent="0">
+              <a:buNone/>
+            </a:pPr>
+            <a:r>
+              <a:rPr lang="en-US" dirty="0"/>
+              <a:t>(correlation coefficient) = </a:t>
+            </a:r>
+          </a:p>
+          <a:p>
+            <a:pPr marL="0" indent="0">
+              <a:buNone/>
+            </a:pPr>
             <a:endParaRPr lang="en-US" dirty="0"/>
-          </a:p>
-          <a:p>
-            <a:endParaRPr lang="en-US" dirty="0"/>
-          </a:p>
-          <a:p>
-            <a:r>
-              <a:rPr lang="en-US" dirty="0"/>
-              <a:t>This is useful when you want to evaluate the relationship between two variables</a:t>
-            </a:r>
-          </a:p>
-          <a:p>
-            <a:endParaRPr lang="en-US" dirty="0"/>
-          </a:p>
-          <a:p>
-            <a:r>
-              <a:rPr lang="en-US" dirty="0"/>
-              <a:t>Covariance between the two standardized variables are equal to their correlation</a:t>
-            </a:r>
           </a:p>
         </p:txBody>
       </p:sp>
       <p:pic>
         <p:nvPicPr>
-          <p:cNvPr id="4" name="Picture 3">
-            <a:extLst>
-              <a:ext uri="{FF2B5EF4-FFF2-40B4-BE49-F238E27FC236}">
-                <a16:creationId xmlns:a16="http://schemas.microsoft.com/office/drawing/2014/main" id="{80A12209-7073-3D44-8B4E-AECCF51ED0A2}"/>
+          <p:cNvPr id="3" name="Picture 2">
+            <a:extLst>
+              <a:ext uri="{FF2B5EF4-FFF2-40B4-BE49-F238E27FC236}">
+                <a16:creationId xmlns:a16="http://schemas.microsoft.com/office/drawing/2014/main" id="{F23317E9-2FF8-FB42-8DD1-01F274819002}"/>
               </a:ext>
             </a:extLst>
           </p:cNvPr>
@@ -13670,18 +13326,64 @@
         </p:blipFill>
         <p:spPr>
           <a:xfrm>
-            <a:off x="1756230" y="2603138"/>
-            <a:ext cx="1994263" cy="843727"/>
+            <a:off x="5399317" y="3052570"/>
+            <a:ext cx="3158308" cy="1149799"/>
           </a:xfrm>
           <a:prstGeom prst="rect">
             <a:avLst/>
           </a:prstGeom>
         </p:spPr>
       </p:pic>
+      <p:sp>
+        <p:nvSpPr>
+          <p:cNvPr id="7" name="TextBox 6">
+            <a:extLst>
+              <a:ext uri="{FF2B5EF4-FFF2-40B4-BE49-F238E27FC236}">
+                <a16:creationId xmlns:a16="http://schemas.microsoft.com/office/drawing/2014/main" id="{196C8125-BEC3-7A4A-81F9-8A73363DFBBB}"/>
+              </a:ext>
+            </a:extLst>
+          </p:cNvPr>
+          <p:cNvSpPr txBox="1"/>
+          <p:nvPr/>
+        </p:nvSpPr>
+        <p:spPr>
+          <a:xfrm>
+            <a:off x="1579155" y="4667798"/>
+            <a:ext cx="8069943" cy="1938992"/>
+          </a:xfrm>
+          <a:prstGeom prst="rect">
+            <a:avLst/>
+          </a:prstGeom>
+          <a:noFill/>
+        </p:spPr>
+        <p:txBody>
+          <a:bodyPr wrap="square" rtlCol="0">
+            <a:spAutoFit/>
+          </a:bodyPr>
+          <a:lstStyle/>
+          <a:p>
+            <a:r>
+              <a:rPr lang="en-US" sz="2400" dirty="0"/>
+              <a:t>R is called Pearson’s correlation, or simply, </a:t>
+            </a:r>
+            <a:r>
+              <a:rPr lang="en-US" sz="2400" dirty="0" err="1"/>
+              <a:t>r-value</a:t>
+            </a:r>
+            <a:r>
+              <a:rPr lang="en-US" sz="2400" dirty="0"/>
+              <a:t>. This quantifies a measure of the relationship between the two variable. It varies from -1 to +1. You can think of it as a unitless, normalized covariance. </a:t>
+            </a:r>
+          </a:p>
+          <a:p>
+            <a:endParaRPr lang="en-US" sz="2400" dirty="0"/>
+          </a:p>
+        </p:txBody>
+      </p:sp>
     </p:spTree>
     <p:extLst>
       <p:ext uri="{BB962C8B-B14F-4D97-AF65-F5344CB8AC3E}">
-        <p14:creationId xmlns:p14="http://schemas.microsoft.com/office/powerpoint/2010/main" val="1616182441"/>
+        <p14:creationId xmlns:p14="http://schemas.microsoft.com/office/powerpoint/2010/main" val="433276699"/>
       </p:ext>
     </p:extLst>
   </p:cSld>
@@ -13713,7 +13415,7 @@
           <p:cNvPr id="2" name="Title 1">
             <a:extLst>
               <a:ext uri="{FF2B5EF4-FFF2-40B4-BE49-F238E27FC236}">
-                <a16:creationId xmlns:a16="http://schemas.microsoft.com/office/drawing/2014/main" id="{A5FF210D-1C5F-A043-AD1A-EE8096B41E70}"/>
+                <a16:creationId xmlns:a16="http://schemas.microsoft.com/office/drawing/2014/main" id="{860A8311-43FE-914E-9444-E065264DE67C}"/>
               </a:ext>
             </a:extLst>
           </p:cNvPr>
@@ -13731,106 +13433,97 @@
           <a:p>
             <a:r>
               <a:rPr lang="en-US" dirty="0"/>
-              <a:t>Application to Atlanta’s temperature data</a:t>
-            </a:r>
-          </a:p>
-        </p:txBody>
-      </p:sp>
-      <p:sp>
-        <p:nvSpPr>
-          <p:cNvPr id="14" name="TextBox 13">
-            <a:extLst>
-              <a:ext uri="{FF2B5EF4-FFF2-40B4-BE49-F238E27FC236}">
-                <a16:creationId xmlns:a16="http://schemas.microsoft.com/office/drawing/2014/main" id="{50BC1A3C-92F6-AB41-B159-3814154704D1}"/>
-              </a:ext>
-            </a:extLst>
-          </p:cNvPr>
-          <p:cNvSpPr txBox="1"/>
-          <p:nvPr/>
-        </p:nvSpPr>
-        <p:spPr>
-          <a:xfrm>
-            <a:off x="7233361" y="2074783"/>
-            <a:ext cx="4378476" cy="2308324"/>
-          </a:xfrm>
-          <a:prstGeom prst="rect">
-            <a:avLst/>
-          </a:prstGeom>
-          <a:noFill/>
-        </p:spPr>
-        <p:txBody>
-          <a:bodyPr wrap="square" rtlCol="0">
-            <a:spAutoFit/>
-          </a:bodyPr>
-          <a:lstStyle/>
-          <a:p>
-            <a:r>
-              <a:rPr lang="en-US" sz="2400" dirty="0"/>
-              <a:t>Temperature of Atlanta appears to be warming up. </a:t>
-            </a:r>
-          </a:p>
-          <a:p>
-            <a:endParaRPr lang="en-US" sz="2400" dirty="0"/>
-          </a:p>
-          <a:p>
-            <a:r>
-              <a:rPr lang="en-US" sz="2400" dirty="0"/>
-              <a:t>Let’s estimate the linear trend, which is a regression of temperature (y) onto time (x). </a:t>
+              <a:t>Standardization (z-transform)</a:t>
+            </a:r>
+          </a:p>
+        </p:txBody>
+      </p:sp>
+      <p:sp>
+        <p:nvSpPr>
+          <p:cNvPr id="3" name="Content Placeholder 2">
+            <a:extLst>
+              <a:ext uri="{FF2B5EF4-FFF2-40B4-BE49-F238E27FC236}">
+                <a16:creationId xmlns:a16="http://schemas.microsoft.com/office/drawing/2014/main" id="{ED68EB75-6220-774F-8F55-36A70E31475C}"/>
+              </a:ext>
+            </a:extLst>
+          </p:cNvPr>
+          <p:cNvSpPr>
+            <a:spLocks noGrp="1"/>
+          </p:cNvSpPr>
+          <p:nvPr>
+            <p:ph idx="1"/>
+          </p:nvPr>
+        </p:nvSpPr>
+        <p:spPr/>
+        <p:txBody>
+          <a:bodyPr/>
+          <a:lstStyle/>
+          <a:p>
+            <a:r>
+              <a:rPr lang="en-US" dirty="0"/>
+              <a:t>Transforms the data so it has zero mean and 1 standard deviation.</a:t>
+            </a:r>
+          </a:p>
+          <a:p>
+            <a:endParaRPr lang="en-US" dirty="0"/>
+          </a:p>
+          <a:p>
+            <a:endParaRPr lang="en-US" dirty="0"/>
+          </a:p>
+          <a:p>
+            <a:endParaRPr lang="en-US" dirty="0"/>
+          </a:p>
+          <a:p>
+            <a:r>
+              <a:rPr lang="en-US" dirty="0"/>
+              <a:t>This is useful when you want to evaluate the relationship between two variables</a:t>
+            </a:r>
+          </a:p>
+          <a:p>
+            <a:endParaRPr lang="en-US" dirty="0"/>
+          </a:p>
+          <a:p>
+            <a:r>
+              <a:rPr lang="en-US" dirty="0"/>
+              <a:t>Covariance between the two standardized variables are equal to their correlation</a:t>
             </a:r>
           </a:p>
         </p:txBody>
       </p:sp>
       <p:pic>
         <p:nvPicPr>
-          <p:cNvPr id="1026" name="Picture 2">
-            <a:extLst>
-              <a:ext uri="{FF2B5EF4-FFF2-40B4-BE49-F238E27FC236}">
-                <a16:creationId xmlns:a16="http://schemas.microsoft.com/office/drawing/2014/main" id="{113D19EB-B1AF-0D42-B495-E06CA7885969}"/>
+          <p:cNvPr id="4" name="Picture 3">
+            <a:extLst>
+              <a:ext uri="{FF2B5EF4-FFF2-40B4-BE49-F238E27FC236}">
+                <a16:creationId xmlns:a16="http://schemas.microsoft.com/office/drawing/2014/main" id="{80A12209-7073-3D44-8B4E-AECCF51ED0A2}"/>
               </a:ext>
             </a:extLst>
           </p:cNvPr>
           <p:cNvPicPr>
-            <a:picLocks noChangeAspect="1" noChangeArrowheads="1"/>
+            <a:picLocks noChangeAspect="1"/>
           </p:cNvPicPr>
           <p:nvPr/>
         </p:nvPicPr>
         <p:blipFill>
-          <a:blip r:embed="rId3">
-            <a:extLst>
-              <a:ext uri="{28A0092B-C50C-407E-A947-70E740481C1C}">
-                <a14:useLocalDpi xmlns:a14="http://schemas.microsoft.com/office/drawing/2010/main" val="0"/>
-              </a:ext>
-            </a:extLst>
-          </a:blip>
-          <a:srcRect/>
+          <a:blip r:embed="rId2"/>
           <a:stretch>
             <a:fillRect/>
           </a:stretch>
         </p:blipFill>
-        <p:spPr bwMode="auto">
-          <a:xfrm>
-            <a:off x="580164" y="1864939"/>
-            <a:ext cx="6468533" cy="4436533"/>
-          </a:xfrm>
-          <a:prstGeom prst="rect">
-            <a:avLst/>
-          </a:prstGeom>
-          <a:noFill/>
-          <a:extLst>
-            <a:ext uri="{909E8E84-426E-40DD-AFC4-6F175D3DCCD1}">
-              <a14:hiddenFill xmlns:a14="http://schemas.microsoft.com/office/drawing/2010/main">
-                <a:solidFill>
-                  <a:srgbClr val="FFFFFF"/>
-                </a:solidFill>
-              </a14:hiddenFill>
-            </a:ext>
-          </a:extLst>
+        <p:spPr>
+          <a:xfrm>
+            <a:off x="1756230" y="2603138"/>
+            <a:ext cx="1994263" cy="843727"/>
+          </a:xfrm>
+          <a:prstGeom prst="rect">
+            <a:avLst/>
+          </a:prstGeom>
         </p:spPr>
       </p:pic>
     </p:spTree>
     <p:extLst>
       <p:ext uri="{BB962C8B-B14F-4D97-AF65-F5344CB8AC3E}">
-        <p14:creationId xmlns:p14="http://schemas.microsoft.com/office/powerpoint/2010/main" val="3244944977"/>
+        <p14:creationId xmlns:p14="http://schemas.microsoft.com/office/powerpoint/2010/main" val="1616182441"/>
       </p:ext>
     </p:extLst>
   </p:cSld>
@@ -13900,7 +13593,7 @@
         <p:spPr>
           <a:xfrm>
             <a:off x="7233361" y="2074783"/>
-            <a:ext cx="4378476" cy="3416320"/>
+            <a:ext cx="4378476" cy="2308324"/>
           </a:xfrm>
           <a:prstGeom prst="rect">
             <a:avLst/>
@@ -13924,49 +13617,17 @@
           <a:p>
             <a:r>
               <a:rPr lang="en-US" sz="2400" dirty="0"/>
-              <a:t>Let’s estimate the linear trend</a:t>
-            </a:r>
-          </a:p>
-          <a:p>
-            <a:endParaRPr lang="en-US" sz="2400" dirty="0"/>
-          </a:p>
-          <a:p>
-            <a:r>
-              <a:rPr lang="en-US" sz="2400" dirty="0"/>
-              <a:t>y = ax + b</a:t>
-            </a:r>
-          </a:p>
-          <a:p>
-            <a:endParaRPr lang="en-US" sz="2400" dirty="0"/>
-          </a:p>
-          <a:p>
-            <a:r>
-              <a:rPr lang="en-US" sz="2400" dirty="0"/>
-              <a:t>a = 0.016 °F/year</a:t>
-            </a:r>
-          </a:p>
-          <a:p>
-            <a:r>
-              <a:rPr lang="en-US" sz="2400" dirty="0"/>
-              <a:t>R</a:t>
-            </a:r>
-            <a:r>
-              <a:rPr lang="en-US" sz="2400" baseline="30000" dirty="0"/>
-              <a:t>2</a:t>
-            </a:r>
-            <a:r>
-              <a:rPr lang="en-US" sz="2400" dirty="0"/>
-              <a:t> = 0.21</a:t>
+              <a:t>Let’s estimate the linear trend, which is a regression of temperature (y) onto time (x). </a:t>
             </a:r>
           </a:p>
         </p:txBody>
       </p:sp>
       <p:pic>
         <p:nvPicPr>
-          <p:cNvPr id="2050" name="Picture 2">
-            <a:extLst>
-              <a:ext uri="{FF2B5EF4-FFF2-40B4-BE49-F238E27FC236}">
-                <a16:creationId xmlns:a16="http://schemas.microsoft.com/office/drawing/2014/main" id="{1BF19C82-D4E3-9948-8F42-9DA6C06B94DA}"/>
+          <p:cNvPr id="1026" name="Picture 2">
+            <a:extLst>
+              <a:ext uri="{FF2B5EF4-FFF2-40B4-BE49-F238E27FC236}">
+                <a16:creationId xmlns:a16="http://schemas.microsoft.com/office/drawing/2014/main" id="{113D19EB-B1AF-0D42-B495-E06CA7885969}"/>
               </a:ext>
             </a:extLst>
           </p:cNvPr>
@@ -13990,7 +13651,7 @@
         </p:blipFill>
         <p:spPr bwMode="auto">
           <a:xfrm>
-            <a:off x="462610" y="1805708"/>
+            <a:off x="580164" y="1864939"/>
             <a:ext cx="6468533" cy="4436533"/>
           </a:xfrm>
           <a:prstGeom prst="rect">
@@ -14011,7 +13672,7 @@
     </p:spTree>
     <p:extLst>
       <p:ext uri="{BB962C8B-B14F-4D97-AF65-F5344CB8AC3E}">
-        <p14:creationId xmlns:p14="http://schemas.microsoft.com/office/powerpoint/2010/main" val="1229637080"/>
+        <p14:creationId xmlns:p14="http://schemas.microsoft.com/office/powerpoint/2010/main" val="3244944977"/>
       </p:ext>
     </p:extLst>
   </p:cSld>
@@ -14040,61 +13701,6 @@
       </p:grpSpPr>
       <p:sp>
         <p:nvSpPr>
-          <p:cNvPr id="7" name="Rectangle 6">
-            <a:extLst>
-              <a:ext uri="{FF2B5EF4-FFF2-40B4-BE49-F238E27FC236}">
-                <a16:creationId xmlns:a16="http://schemas.microsoft.com/office/drawing/2014/main" id="{70A5322B-4D74-7D4A-8106-51EEA2410E23}"/>
-              </a:ext>
-            </a:extLst>
-          </p:cNvPr>
-          <p:cNvSpPr/>
-          <p:nvPr/>
-        </p:nvSpPr>
-        <p:spPr>
-          <a:xfrm>
-            <a:off x="8435083" y="2671281"/>
-            <a:ext cx="3452117" cy="2979506"/>
-          </a:xfrm>
-          <a:prstGeom prst="rect">
-            <a:avLst/>
-          </a:prstGeom>
-          <a:solidFill>
-            <a:schemeClr val="accent1">
-              <a:lumMod val="20000"/>
-              <a:lumOff val="80000"/>
-            </a:schemeClr>
-          </a:solidFill>
-          <a:ln>
-            <a:noFill/>
-          </a:ln>
-        </p:spPr>
-        <p:style>
-          <a:lnRef idx="2">
-            <a:schemeClr val="accent1">
-              <a:shade val="50000"/>
-            </a:schemeClr>
-          </a:lnRef>
-          <a:fillRef idx="1">
-            <a:schemeClr val="accent1"/>
-          </a:fillRef>
-          <a:effectRef idx="0">
-            <a:schemeClr val="accent1"/>
-          </a:effectRef>
-          <a:fontRef idx="minor">
-            <a:schemeClr val="lt1"/>
-          </a:fontRef>
-        </p:style>
-        <p:txBody>
-          <a:bodyPr rtlCol="0" anchor="ctr"/>
-          <a:lstStyle/>
-          <a:p>
-            <a:pPr algn="ctr"/>
-            <a:endParaRPr lang="en-US"/>
-          </a:p>
-        </p:txBody>
-      </p:sp>
-      <p:sp>
-        <p:nvSpPr>
           <p:cNvPr id="2" name="Title 1">
             <a:extLst>
               <a:ext uri="{FF2B5EF4-FFF2-40B4-BE49-F238E27FC236}">
@@ -14121,6 +13727,66 @@
           </a:p>
         </p:txBody>
       </p:sp>
+      <p:pic>
+        <p:nvPicPr>
+          <p:cNvPr id="4" name="Picture 3">
+            <a:extLst>
+              <a:ext uri="{FF2B5EF4-FFF2-40B4-BE49-F238E27FC236}">
+                <a16:creationId xmlns:a16="http://schemas.microsoft.com/office/drawing/2014/main" id="{95D05495-A375-804C-AC65-7EAB76DF7C02}"/>
+              </a:ext>
+            </a:extLst>
+          </p:cNvPr>
+          <p:cNvPicPr>
+            <a:picLocks noChangeAspect="1"/>
+          </p:cNvPicPr>
+          <p:nvPr/>
+        </p:nvPicPr>
+        <p:blipFill>
+          <a:blip r:embed="rId2"/>
+          <a:stretch>
+            <a:fillRect/>
+          </a:stretch>
+        </p:blipFill>
+        <p:spPr>
+          <a:xfrm>
+            <a:off x="1117529" y="2314040"/>
+            <a:ext cx="1943100" cy="2476500"/>
+          </a:xfrm>
+          <a:prstGeom prst="rect">
+            <a:avLst/>
+          </a:prstGeom>
+        </p:spPr>
+      </p:pic>
+      <p:pic>
+        <p:nvPicPr>
+          <p:cNvPr id="3" name="Picture 2">
+            <a:extLst>
+              <a:ext uri="{FF2B5EF4-FFF2-40B4-BE49-F238E27FC236}">
+                <a16:creationId xmlns:a16="http://schemas.microsoft.com/office/drawing/2014/main" id="{1F15F7F8-AAA6-A145-A8FF-3FA3C18D3DD4}"/>
+              </a:ext>
+            </a:extLst>
+          </p:cNvPr>
+          <p:cNvPicPr>
+            <a:picLocks noChangeAspect="1"/>
+          </p:cNvPicPr>
+          <p:nvPr/>
+        </p:nvPicPr>
+        <p:blipFill>
+          <a:blip r:embed="rId3"/>
+          <a:stretch>
+            <a:fillRect/>
+          </a:stretch>
+        </p:blipFill>
+        <p:spPr>
+          <a:xfrm>
+            <a:off x="3702693" y="2314040"/>
+            <a:ext cx="1930400" cy="2476500"/>
+          </a:xfrm>
+          <a:prstGeom prst="rect">
+            <a:avLst/>
+          </a:prstGeom>
+        </p:spPr>
+      </p:pic>
       <p:sp>
         <p:nvSpPr>
           <p:cNvPr id="6" name="TextBox 5">
@@ -14135,8 +13801,8 @@
         </p:nvSpPr>
         <p:spPr>
           <a:xfrm>
-            <a:off x="986319" y="1713875"/>
-            <a:ext cx="10236485" cy="830997"/>
+            <a:off x="6452170" y="1713875"/>
+            <a:ext cx="4770634" cy="1200329"/>
           </a:xfrm>
           <a:prstGeom prst="rect">
             <a:avLst/>
@@ -14151,17 +13817,7 @@
           <a:p>
             <a:r>
               <a:rPr lang="en-US" sz="2400" dirty="0"/>
-              <a:t>Vectors can multiply together: </a:t>
-            </a:r>
-            <a:r>
-              <a:rPr lang="en-US" sz="2400" b="1" dirty="0"/>
-              <a:t>inner product produces a scalar</a:t>
-            </a:r>
-          </a:p>
-          <a:p>
-            <a:r>
-              <a:rPr lang="en-US" sz="2400" b="1" dirty="0"/>
-              <a:t>(remember “row times column”)</a:t>
+              <a:t>When there are more then two vectors, they can add together to form another vector</a:t>
             </a:r>
           </a:p>
         </p:txBody>
@@ -14180,7 +13836,7 @@
         </p:nvCxnSpPr>
         <p:spPr>
           <a:xfrm>
-            <a:off x="9185095" y="4472682"/>
+            <a:off x="7109717" y="5075434"/>
             <a:ext cx="1284270" cy="0"/>
           </a:xfrm>
           <a:prstGeom prst="straightConnector1">
@@ -14221,7 +13877,7 @@
         </p:nvCxnSpPr>
         <p:spPr>
           <a:xfrm flipV="1">
-            <a:off x="9185095" y="3577118"/>
+            <a:off x="8393987" y="4179870"/>
             <a:ext cx="1284270" cy="895564"/>
           </a:xfrm>
           <a:prstGeom prst="straightConnector1">
@@ -14246,6 +13902,47 @@
           </a:fontRef>
         </p:style>
       </p:cxnSp>
+      <p:cxnSp>
+        <p:nvCxnSpPr>
+          <p:cNvPr id="11" name="Straight Arrow Connector 10">
+            <a:extLst>
+              <a:ext uri="{FF2B5EF4-FFF2-40B4-BE49-F238E27FC236}">
+                <a16:creationId xmlns:a16="http://schemas.microsoft.com/office/drawing/2014/main" id="{6D0A4F3E-4A87-DD43-9D8D-CCC07B443C38}"/>
+              </a:ext>
+            </a:extLst>
+          </p:cNvPr>
+          <p:cNvCxnSpPr>
+            <a:cxnSpLocks/>
+          </p:cNvCxnSpPr>
+          <p:nvPr/>
+        </p:nvCxnSpPr>
+        <p:spPr>
+          <a:xfrm flipV="1">
+            <a:off x="7109717" y="4179870"/>
+            <a:ext cx="2568540" cy="895564"/>
+          </a:xfrm>
+          <a:prstGeom prst="straightConnector1">
+            <a:avLst/>
+          </a:prstGeom>
+          <a:ln w="38100">
+            <a:tailEnd type="triangle"/>
+          </a:ln>
+        </p:spPr>
+        <p:style>
+          <a:lnRef idx="1">
+            <a:schemeClr val="accent1"/>
+          </a:lnRef>
+          <a:fillRef idx="0">
+            <a:schemeClr val="accent1"/>
+          </a:fillRef>
+          <a:effectRef idx="0">
+            <a:schemeClr val="accent1"/>
+          </a:effectRef>
+          <a:fontRef idx="minor">
+            <a:schemeClr val="tx1"/>
+          </a:fontRef>
+        </p:style>
+      </p:cxnSp>
       <p:sp>
         <p:nvSpPr>
           <p:cNvPr id="13" name="TextBox 12">
@@ -14260,7 +13957,7 @@
         </p:nvSpPr>
         <p:spPr>
           <a:xfrm>
-            <a:off x="9822093" y="4472682"/>
+            <a:off x="7643970" y="4982967"/>
             <a:ext cx="431515" cy="461665"/>
           </a:xfrm>
           <a:prstGeom prst="rect">
@@ -14295,7 +13992,7 @@
         </p:nvSpPr>
         <p:spPr>
           <a:xfrm>
-            <a:off x="9662842" y="3393529"/>
+            <a:off x="9120594" y="4559707"/>
             <a:ext cx="431515" cy="461665"/>
           </a:xfrm>
           <a:prstGeom prst="rect">
@@ -14316,102 +14013,12 @@
           </a:p>
         </p:txBody>
       </p:sp>
-      <p:pic>
-        <p:nvPicPr>
-          <p:cNvPr id="5" name="Picture 4">
-            <a:extLst>
-              <a:ext uri="{FF2B5EF4-FFF2-40B4-BE49-F238E27FC236}">
-                <a16:creationId xmlns:a16="http://schemas.microsoft.com/office/drawing/2014/main" id="{3B79EE93-E31E-FC43-A890-FE1701CCBA1B}"/>
-              </a:ext>
-            </a:extLst>
-          </p:cNvPr>
-          <p:cNvPicPr>
-            <a:picLocks noChangeAspect="1"/>
-          </p:cNvPicPr>
-          <p:nvPr/>
-        </p:nvPicPr>
-        <p:blipFill>
-          <a:blip r:embed="rId2"/>
-          <a:stretch>
-            <a:fillRect/>
-          </a:stretch>
-        </p:blipFill>
-        <p:spPr>
-          <a:xfrm>
-            <a:off x="1690955" y="2820770"/>
-            <a:ext cx="5644793" cy="2100639"/>
-          </a:xfrm>
-          <a:prstGeom prst="rect">
-            <a:avLst/>
-          </a:prstGeom>
-        </p:spPr>
-      </p:pic>
-      <p:pic>
-        <p:nvPicPr>
-          <p:cNvPr id="12" name="Picture 11">
-            <a:extLst>
-              <a:ext uri="{FF2B5EF4-FFF2-40B4-BE49-F238E27FC236}">
-                <a16:creationId xmlns:a16="http://schemas.microsoft.com/office/drawing/2014/main" id="{39475108-7641-7B4C-9DB5-5C69C2B4510D}"/>
-              </a:ext>
-            </a:extLst>
-          </p:cNvPr>
-          <p:cNvPicPr>
-            <a:picLocks noChangeAspect="1"/>
-          </p:cNvPicPr>
-          <p:nvPr/>
-        </p:nvPicPr>
-        <p:blipFill>
-          <a:blip r:embed="rId3"/>
-          <a:stretch>
-            <a:fillRect/>
-          </a:stretch>
-        </p:blipFill>
-        <p:spPr>
-          <a:xfrm>
-            <a:off x="2115192" y="5382489"/>
-            <a:ext cx="5105400" cy="368300"/>
-          </a:xfrm>
-          <a:prstGeom prst="rect">
-            <a:avLst/>
-          </a:prstGeom>
-        </p:spPr>
-      </p:pic>
-      <p:pic>
-        <p:nvPicPr>
-          <p:cNvPr id="3" name="Picture 2">
-            <a:extLst>
-              <a:ext uri="{FF2B5EF4-FFF2-40B4-BE49-F238E27FC236}">
-                <a16:creationId xmlns:a16="http://schemas.microsoft.com/office/drawing/2014/main" id="{1CD6B84D-9D60-0146-AA8C-A00CE8D91F35}"/>
-              </a:ext>
-            </a:extLst>
-          </p:cNvPr>
-          <p:cNvPicPr>
-            <a:picLocks noChangeAspect="1"/>
-          </p:cNvPicPr>
-          <p:nvPr/>
-        </p:nvPicPr>
-        <p:blipFill>
-          <a:blip r:embed="rId4"/>
-          <a:stretch>
-            <a:fillRect/>
-          </a:stretch>
-        </p:blipFill>
-        <p:spPr>
-          <a:xfrm>
-            <a:off x="9017428" y="4975531"/>
-            <a:ext cx="2472359" cy="341333"/>
-          </a:xfrm>
-          <a:prstGeom prst="rect">
-            <a:avLst/>
-          </a:prstGeom>
-        </p:spPr>
-      </p:pic>
-      <p:sp>
-        <p:nvSpPr>
-          <p:cNvPr id="4" name="TextBox 3">
-            <a:extLst>
-              <a:ext uri="{FF2B5EF4-FFF2-40B4-BE49-F238E27FC236}">
-                <a16:creationId xmlns:a16="http://schemas.microsoft.com/office/drawing/2014/main" id="{B4272492-ABA9-C047-9454-DF989D027593}"/>
+      <p:sp>
+        <p:nvSpPr>
+          <p:cNvPr id="15" name="TextBox 14">
+            <a:extLst>
+              <a:ext uri="{FF2B5EF4-FFF2-40B4-BE49-F238E27FC236}">
+                <a16:creationId xmlns:a16="http://schemas.microsoft.com/office/drawing/2014/main" id="{880FBED4-43CC-884F-B64C-F87E7D2D613B}"/>
               </a:ext>
             </a:extLst>
           </p:cNvPr>
@@ -14420,8 +14027,8 @@
         </p:nvSpPr>
         <p:spPr>
           <a:xfrm>
-            <a:off x="8578920" y="2806576"/>
-            <a:ext cx="2835671" cy="461665"/>
+            <a:off x="7751852" y="4098041"/>
+            <a:ext cx="1491468" cy="461665"/>
           </a:xfrm>
           <a:prstGeom prst="rect">
             <a:avLst/>
@@ -14435,45 +14042,16 @@
           <a:lstStyle/>
           <a:p>
             <a:r>
+              <a:rPr lang="en-US" sz="2400" b="1" dirty="0"/>
+              <a:t>x </a:t>
+            </a:r>
+            <a:r>
               <a:rPr lang="en-US" sz="2400" dirty="0"/>
-              <a:t>In a 2D example, </a:t>
-            </a:r>
-          </a:p>
-        </p:txBody>
-      </p:sp>
-      <p:sp>
-        <p:nvSpPr>
-          <p:cNvPr id="15" name="TextBox 14">
-            <a:extLst>
-              <a:ext uri="{FF2B5EF4-FFF2-40B4-BE49-F238E27FC236}">
-                <a16:creationId xmlns:a16="http://schemas.microsoft.com/office/drawing/2014/main" id="{4FF0F0F7-3C13-AB47-BDAD-81479B070DC4}"/>
-              </a:ext>
-            </a:extLst>
-          </p:cNvPr>
-          <p:cNvSpPr txBox="1"/>
-          <p:nvPr/>
-        </p:nvSpPr>
-        <p:spPr>
-          <a:xfrm>
-            <a:off x="9534417" y="4123942"/>
-            <a:ext cx="585627" cy="369332"/>
-          </a:xfrm>
-          <a:prstGeom prst="rect">
-            <a:avLst/>
-          </a:prstGeom>
-          <a:noFill/>
-        </p:spPr>
-        <p:txBody>
-          <a:bodyPr wrap="square" rtlCol="0">
-            <a:spAutoFit/>
-          </a:bodyPr>
-          <a:lstStyle/>
-          <a:p>
-            <a:r>
-              <a:rPr lang="en-US" dirty="0">
-                <a:latin typeface="Symbol" pitchFamily="2" charset="2"/>
-              </a:rPr>
-              <a:t>q</a:t>
+              <a:t>+ </a:t>
+            </a:r>
+            <a:r>
+              <a:rPr lang="en-US" sz="2400" b="1" dirty="0"/>
+              <a:t>y</a:t>
             </a:r>
           </a:p>
         </p:txBody>
@@ -14481,7 +14059,7 @@
     </p:spTree>
     <p:extLst>
       <p:ext uri="{BB962C8B-B14F-4D97-AF65-F5344CB8AC3E}">
-        <p14:creationId xmlns:p14="http://schemas.microsoft.com/office/powerpoint/2010/main" val="1745877298"/>
+        <p14:creationId xmlns:p14="http://schemas.microsoft.com/office/powerpoint/2010/main" val="1315450095"/>
       </p:ext>
     </p:extLst>
   </p:cSld>
@@ -14659,50 +14237,10 @@
           </a:extLst>
         </p:spPr>
       </p:pic>
-      <p:sp>
-        <p:nvSpPr>
-          <p:cNvPr id="3" name="TextBox 2">
-            <a:extLst>
-              <a:ext uri="{FF2B5EF4-FFF2-40B4-BE49-F238E27FC236}">
-                <a16:creationId xmlns:a16="http://schemas.microsoft.com/office/drawing/2014/main" id="{23966720-4EB8-0E42-8999-2758D2F4C76F}"/>
-              </a:ext>
-            </a:extLst>
-          </p:cNvPr>
-          <p:cNvSpPr txBox="1"/>
-          <p:nvPr/>
-        </p:nvSpPr>
-        <p:spPr>
-          <a:xfrm>
-            <a:off x="7233361" y="5619933"/>
-            <a:ext cx="4645132" cy="830997"/>
-          </a:xfrm>
-          <a:prstGeom prst="rect">
-            <a:avLst/>
-          </a:prstGeom>
-          <a:noFill/>
-          <a:ln>
-            <a:solidFill>
-              <a:schemeClr val="accent1"/>
-            </a:solidFill>
-          </a:ln>
-        </p:spPr>
-        <p:txBody>
-          <a:bodyPr wrap="square" rtlCol="0">
-            <a:spAutoFit/>
-          </a:bodyPr>
-          <a:lstStyle/>
-          <a:p>
-            <a:r>
-              <a:rPr lang="en-US" sz="2400" dirty="0"/>
-              <a:t>Linear trend explains 21% of the total variance in the data.  </a:t>
-            </a:r>
-          </a:p>
-        </p:txBody>
-      </p:sp>
     </p:spTree>
     <p:extLst>
       <p:ext uri="{BB962C8B-B14F-4D97-AF65-F5344CB8AC3E}">
-        <p14:creationId xmlns:p14="http://schemas.microsoft.com/office/powerpoint/2010/main" val="1711126385"/>
+        <p14:creationId xmlns:p14="http://schemas.microsoft.com/office/powerpoint/2010/main" val="1229637080"/>
       </p:ext>
     </p:extLst>
   </p:cSld>
@@ -14750,20 +14288,95 @@
           <a:bodyPr/>
           <a:lstStyle/>
           <a:p>
-            <a:pPr algn="ctr"/>
             <a:r>
               <a:rPr lang="en-US" dirty="0"/>
-              <a:t>Comparing different cities (mean January temperature) </a:t>
+              <a:t>Application to Atlanta’s temperature data</a:t>
+            </a:r>
+          </a:p>
+        </p:txBody>
+      </p:sp>
+      <p:sp>
+        <p:nvSpPr>
+          <p:cNvPr id="14" name="TextBox 13">
+            <a:extLst>
+              <a:ext uri="{FF2B5EF4-FFF2-40B4-BE49-F238E27FC236}">
+                <a16:creationId xmlns:a16="http://schemas.microsoft.com/office/drawing/2014/main" id="{50BC1A3C-92F6-AB41-B159-3814154704D1}"/>
+              </a:ext>
+            </a:extLst>
+          </p:cNvPr>
+          <p:cNvSpPr txBox="1"/>
+          <p:nvPr/>
+        </p:nvSpPr>
+        <p:spPr>
+          <a:xfrm>
+            <a:off x="7233361" y="2074783"/>
+            <a:ext cx="4378476" cy="3416320"/>
+          </a:xfrm>
+          <a:prstGeom prst="rect">
+            <a:avLst/>
+          </a:prstGeom>
+          <a:noFill/>
+        </p:spPr>
+        <p:txBody>
+          <a:bodyPr wrap="square" rtlCol="0">
+            <a:spAutoFit/>
+          </a:bodyPr>
+          <a:lstStyle/>
+          <a:p>
+            <a:r>
+              <a:rPr lang="en-US" sz="2400" dirty="0"/>
+              <a:t>Temperature of Atlanta appears to be warming up. </a:t>
+            </a:r>
+          </a:p>
+          <a:p>
+            <a:endParaRPr lang="en-US" sz="2400" dirty="0"/>
+          </a:p>
+          <a:p>
+            <a:r>
+              <a:rPr lang="en-US" sz="2400" dirty="0"/>
+              <a:t>Let’s estimate the linear trend</a:t>
+            </a:r>
+          </a:p>
+          <a:p>
+            <a:endParaRPr lang="en-US" sz="2400" dirty="0"/>
+          </a:p>
+          <a:p>
+            <a:r>
+              <a:rPr lang="en-US" sz="2400" dirty="0"/>
+              <a:t>y = ax + b</a:t>
+            </a:r>
+          </a:p>
+          <a:p>
+            <a:endParaRPr lang="en-US" sz="2400" dirty="0"/>
+          </a:p>
+          <a:p>
+            <a:r>
+              <a:rPr lang="en-US" sz="2400" dirty="0"/>
+              <a:t>a = 0.016 °F/year</a:t>
+            </a:r>
+          </a:p>
+          <a:p>
+            <a:r>
+              <a:rPr lang="en-US" sz="2400" dirty="0"/>
+              <a:t>R</a:t>
+            </a:r>
+            <a:r>
+              <a:rPr lang="en-US" sz="2400" baseline="30000" dirty="0"/>
+              <a:t>2</a:t>
+            </a:r>
+            <a:r>
+              <a:rPr lang="en-US" sz="2400" dirty="0"/>
+              <a:t> = 0.21</a:t>
             </a:r>
           </a:p>
         </p:txBody>
       </p:sp>
       <p:pic>
         <p:nvPicPr>
-          <p:cNvPr id="3074" name="Picture 2">
-            <a:extLst>
-              <a:ext uri="{FF2B5EF4-FFF2-40B4-BE49-F238E27FC236}">
-                <a16:creationId xmlns:a16="http://schemas.microsoft.com/office/drawing/2014/main" id="{7803E2B5-5FA4-2649-8DD0-7ABF93E12746}"/>
+          <p:cNvPr id="2050" name="Picture 2">
+            <a:extLst>
+              <a:ext uri="{FF2B5EF4-FFF2-40B4-BE49-F238E27FC236}">
+                <a16:creationId xmlns:a16="http://schemas.microsoft.com/office/drawing/2014/main" id="{1BF19C82-D4E3-9948-8F42-9DA6C06B94DA}"/>
               </a:ext>
             </a:extLst>
           </p:cNvPr>
@@ -14773,7 +14386,7 @@
           <p:nvPr/>
         </p:nvPicPr>
         <p:blipFill>
-          <a:blip r:embed="rId2">
+          <a:blip r:embed="rId3">
             <a:extLst>
               <a:ext uri="{28A0092B-C50C-407E-A947-70E740481C1C}">
                 <a14:useLocalDpi xmlns:a14="http://schemas.microsoft.com/office/drawing/2010/main" val="0"/>
@@ -14787,8 +14400,8 @@
         </p:blipFill>
         <p:spPr bwMode="auto">
           <a:xfrm>
-            <a:off x="2487960" y="1597155"/>
-            <a:ext cx="7131824" cy="4865984"/>
+            <a:off x="462610" y="1805708"/>
+            <a:ext cx="6468533" cy="4436533"/>
           </a:xfrm>
           <a:prstGeom prst="rect">
             <a:avLst/>
@@ -14805,10 +14418,50 @@
           </a:extLst>
         </p:spPr>
       </p:pic>
+      <p:sp>
+        <p:nvSpPr>
+          <p:cNvPr id="3" name="TextBox 2">
+            <a:extLst>
+              <a:ext uri="{FF2B5EF4-FFF2-40B4-BE49-F238E27FC236}">
+                <a16:creationId xmlns:a16="http://schemas.microsoft.com/office/drawing/2014/main" id="{23966720-4EB8-0E42-8999-2758D2F4C76F}"/>
+              </a:ext>
+            </a:extLst>
+          </p:cNvPr>
+          <p:cNvSpPr txBox="1"/>
+          <p:nvPr/>
+        </p:nvSpPr>
+        <p:spPr>
+          <a:xfrm>
+            <a:off x="7233361" y="5619933"/>
+            <a:ext cx="4645132" cy="830997"/>
+          </a:xfrm>
+          <a:prstGeom prst="rect">
+            <a:avLst/>
+          </a:prstGeom>
+          <a:noFill/>
+          <a:ln>
+            <a:solidFill>
+              <a:schemeClr val="accent1"/>
+            </a:solidFill>
+          </a:ln>
+        </p:spPr>
+        <p:txBody>
+          <a:bodyPr wrap="square" rtlCol="0">
+            <a:spAutoFit/>
+          </a:bodyPr>
+          <a:lstStyle/>
+          <a:p>
+            <a:r>
+              <a:rPr lang="en-US" sz="2400" dirty="0"/>
+              <a:t>Linear trend explains 21% of the total variance in the data.  </a:t>
+            </a:r>
+          </a:p>
+        </p:txBody>
+      </p:sp>
     </p:spTree>
     <p:extLst>
       <p:ext uri="{BB962C8B-B14F-4D97-AF65-F5344CB8AC3E}">
-        <p14:creationId xmlns:p14="http://schemas.microsoft.com/office/powerpoint/2010/main" val="2759087603"/>
+        <p14:creationId xmlns:p14="http://schemas.microsoft.com/office/powerpoint/2010/main" val="1711126385"/>
       </p:ext>
     </p:extLst>
   </p:cSld>
@@ -14859,17 +14512,17 @@
             <a:pPr algn="ctr"/>
             <a:r>
               <a:rPr lang="en-US" dirty="0"/>
-              <a:t>Comparing two cities (scatter plot)</a:t>
+              <a:t>Comparing different cities (mean January temperature) </a:t>
             </a:r>
           </a:p>
         </p:txBody>
       </p:sp>
       <p:pic>
         <p:nvPicPr>
-          <p:cNvPr id="4098" name="Picture 2">
-            <a:extLst>
-              <a:ext uri="{FF2B5EF4-FFF2-40B4-BE49-F238E27FC236}">
-                <a16:creationId xmlns:a16="http://schemas.microsoft.com/office/drawing/2014/main" id="{CEF9CAE1-24A9-E64A-9AC3-C8D2D03E6452}"/>
+          <p:cNvPr id="3074" name="Picture 2">
+            <a:extLst>
+              <a:ext uri="{FF2B5EF4-FFF2-40B4-BE49-F238E27FC236}">
+                <a16:creationId xmlns:a16="http://schemas.microsoft.com/office/drawing/2014/main" id="{7803E2B5-5FA4-2649-8DD0-7ABF93E12746}"/>
               </a:ext>
             </a:extLst>
           </p:cNvPr>
@@ -14893,8 +14546,8 @@
         </p:blipFill>
         <p:spPr bwMode="auto">
           <a:xfrm>
-            <a:off x="2608972" y="1690688"/>
-            <a:ext cx="6468533" cy="4436533"/>
+            <a:off x="2487960" y="1597155"/>
+            <a:ext cx="7131824" cy="4865984"/>
           </a:xfrm>
           <a:prstGeom prst="rect">
             <a:avLst/>
@@ -14911,45 +14564,10 @@
           </a:extLst>
         </p:spPr>
       </p:pic>
-      <p:sp>
-        <p:nvSpPr>
-          <p:cNvPr id="7" name="TextBox 6">
-            <a:extLst>
-              <a:ext uri="{FF2B5EF4-FFF2-40B4-BE49-F238E27FC236}">
-                <a16:creationId xmlns:a16="http://schemas.microsoft.com/office/drawing/2014/main" id="{162BC4B5-39F8-614D-A9A2-4481B050BC2D}"/>
-              </a:ext>
-            </a:extLst>
-          </p:cNvPr>
-          <p:cNvSpPr txBox="1"/>
-          <p:nvPr/>
-        </p:nvSpPr>
-        <p:spPr>
-          <a:xfrm>
-            <a:off x="7389540" y="4660002"/>
-            <a:ext cx="1694985" cy="666786"/>
-          </a:xfrm>
-          <a:prstGeom prst="rect">
-            <a:avLst/>
-          </a:prstGeom>
-          <a:noFill/>
-        </p:spPr>
-        <p:txBody>
-          <a:bodyPr wrap="square" rtlCol="0">
-            <a:spAutoFit/>
-          </a:bodyPr>
-          <a:lstStyle/>
-          <a:p>
-            <a:r>
-              <a:rPr lang="en-US" sz="3733" dirty="0"/>
-              <a:t>R=0.6</a:t>
-            </a:r>
-          </a:p>
-        </p:txBody>
-      </p:sp>
     </p:spTree>
     <p:extLst>
       <p:ext uri="{BB962C8B-B14F-4D97-AF65-F5344CB8AC3E}">
-        <p14:creationId xmlns:p14="http://schemas.microsoft.com/office/powerpoint/2010/main" val="3791506606"/>
+        <p14:creationId xmlns:p14="http://schemas.microsoft.com/office/powerpoint/2010/main" val="2759087603"/>
       </p:ext>
     </p:extLst>
   </p:cSld>
@@ -15007,10 +14625,10 @@
       </p:sp>
       <p:pic>
         <p:nvPicPr>
-          <p:cNvPr id="5122" name="Picture 2">
-            <a:extLst>
-              <a:ext uri="{FF2B5EF4-FFF2-40B4-BE49-F238E27FC236}">
-                <a16:creationId xmlns:a16="http://schemas.microsoft.com/office/drawing/2014/main" id="{966DEBF1-1BD3-0D43-AA8D-C8C95E432962}"/>
+          <p:cNvPr id="4098" name="Picture 2">
+            <a:extLst>
+              <a:ext uri="{FF2B5EF4-FFF2-40B4-BE49-F238E27FC236}">
+                <a16:creationId xmlns:a16="http://schemas.microsoft.com/office/drawing/2014/main" id="{CEF9CAE1-24A9-E64A-9AC3-C8D2D03E6452}"/>
               </a:ext>
             </a:extLst>
           </p:cNvPr>
@@ -15034,7 +14652,7 @@
         </p:blipFill>
         <p:spPr bwMode="auto">
           <a:xfrm>
-            <a:off x="2504895" y="1690688"/>
+            <a:off x="2608972" y="1690688"/>
             <a:ext cx="6468533" cy="4436533"/>
           </a:xfrm>
           <a:prstGeom prst="rect">
@@ -15054,10 +14672,10 @@
       </p:pic>
       <p:sp>
         <p:nvSpPr>
-          <p:cNvPr id="3" name="TextBox 2">
-            <a:extLst>
-              <a:ext uri="{FF2B5EF4-FFF2-40B4-BE49-F238E27FC236}">
-                <a16:creationId xmlns:a16="http://schemas.microsoft.com/office/drawing/2014/main" id="{A4246856-5B0C-694D-ADFD-ED247B08D572}"/>
+          <p:cNvPr id="7" name="TextBox 6">
+            <a:extLst>
+              <a:ext uri="{FF2B5EF4-FFF2-40B4-BE49-F238E27FC236}">
+                <a16:creationId xmlns:a16="http://schemas.microsoft.com/office/drawing/2014/main" id="{162BC4B5-39F8-614D-A9A2-4481B050BC2D}"/>
               </a:ext>
             </a:extLst>
           </p:cNvPr>
@@ -15066,7 +14684,7 @@
         </p:nvSpPr>
         <p:spPr>
           <a:xfrm>
-            <a:off x="6705601" y="4674870"/>
+            <a:off x="7389540" y="4660002"/>
             <a:ext cx="1694985" cy="666786"/>
           </a:xfrm>
           <a:prstGeom prst="rect">
@@ -15082,7 +14700,7 @@
           <a:p>
             <a:r>
               <a:rPr lang="en-US" sz="3733" dirty="0"/>
-              <a:t>R=0.87</a:t>
+              <a:t>R=0.6</a:t>
             </a:r>
           </a:p>
         </p:txBody>
@@ -15090,7 +14708,7 @@
     </p:spTree>
     <p:extLst>
       <p:ext uri="{BB962C8B-B14F-4D97-AF65-F5344CB8AC3E}">
-        <p14:creationId xmlns:p14="http://schemas.microsoft.com/office/powerpoint/2010/main" val="2377832834"/>
+        <p14:creationId xmlns:p14="http://schemas.microsoft.com/office/powerpoint/2010/main" val="3791506606"/>
       </p:ext>
     </p:extLst>
   </p:cSld>
@@ -15117,12 +14735,41 @@
           <a:chExt cx="0" cy="0"/>
         </a:xfrm>
       </p:grpSpPr>
+      <p:sp>
+        <p:nvSpPr>
+          <p:cNvPr id="2" name="Title 1">
+            <a:extLst>
+              <a:ext uri="{FF2B5EF4-FFF2-40B4-BE49-F238E27FC236}">
+                <a16:creationId xmlns:a16="http://schemas.microsoft.com/office/drawing/2014/main" id="{A5FF210D-1C5F-A043-AD1A-EE8096B41E70}"/>
+              </a:ext>
+            </a:extLst>
+          </p:cNvPr>
+          <p:cNvSpPr>
+            <a:spLocks noGrp="1"/>
+          </p:cNvSpPr>
+          <p:nvPr>
+            <p:ph type="title"/>
+          </p:nvPr>
+        </p:nvSpPr>
+        <p:spPr/>
+        <p:txBody>
+          <a:bodyPr/>
+          <a:lstStyle/>
+          <a:p>
+            <a:pPr algn="ctr"/>
+            <a:r>
+              <a:rPr lang="en-US" dirty="0"/>
+              <a:t>Comparing two cities (scatter plot)</a:t>
+            </a:r>
+          </a:p>
+        </p:txBody>
+      </p:sp>
       <p:pic>
         <p:nvPicPr>
-          <p:cNvPr id="6146" name="Picture 2">
-            <a:extLst>
-              <a:ext uri="{FF2B5EF4-FFF2-40B4-BE49-F238E27FC236}">
-                <a16:creationId xmlns:a16="http://schemas.microsoft.com/office/drawing/2014/main" id="{16A383E1-95D0-3747-8F9C-6BE031CEB235}"/>
+          <p:cNvPr id="5122" name="Picture 2">
+            <a:extLst>
+              <a:ext uri="{FF2B5EF4-FFF2-40B4-BE49-F238E27FC236}">
+                <a16:creationId xmlns:a16="http://schemas.microsoft.com/office/drawing/2014/main" id="{966DEBF1-1BD3-0D43-AA8D-C8C95E432962}"/>
               </a:ext>
             </a:extLst>
           </p:cNvPr>
@@ -15146,8 +14793,8 @@
         </p:blipFill>
         <p:spPr bwMode="auto">
           <a:xfrm>
-            <a:off x="2430552" y="1485504"/>
-            <a:ext cx="6468533" cy="4470400"/>
+            <a:off x="2504895" y="1690688"/>
+            <a:ext cx="6468533" cy="4436533"/>
           </a:xfrm>
           <a:prstGeom prst="rect">
             <a:avLst/>
@@ -15166,35 +14813,6 @@
       </p:pic>
       <p:sp>
         <p:nvSpPr>
-          <p:cNvPr id="2" name="Title 1">
-            <a:extLst>
-              <a:ext uri="{FF2B5EF4-FFF2-40B4-BE49-F238E27FC236}">
-                <a16:creationId xmlns:a16="http://schemas.microsoft.com/office/drawing/2014/main" id="{A5FF210D-1C5F-A043-AD1A-EE8096B41E70}"/>
-              </a:ext>
-            </a:extLst>
-          </p:cNvPr>
-          <p:cNvSpPr>
-            <a:spLocks noGrp="1"/>
-          </p:cNvSpPr>
-          <p:nvPr>
-            <p:ph type="title"/>
-          </p:nvPr>
-        </p:nvSpPr>
-        <p:spPr/>
-        <p:txBody>
-          <a:bodyPr/>
-          <a:lstStyle/>
-          <a:p>
-            <a:pPr algn="ctr"/>
-            <a:r>
-              <a:rPr lang="en-US" dirty="0"/>
-              <a:t>Comparing two cities</a:t>
-            </a:r>
-          </a:p>
-        </p:txBody>
-      </p:sp>
-      <p:sp>
-        <p:nvSpPr>
           <p:cNvPr id="3" name="TextBox 2">
             <a:extLst>
               <a:ext uri="{FF2B5EF4-FFF2-40B4-BE49-F238E27FC236}">
@@ -15207,7 +14825,7 @@
         </p:nvSpPr>
         <p:spPr>
           <a:xfrm>
-            <a:off x="6884017" y="4674870"/>
+            <a:off x="6705601" y="4674870"/>
             <a:ext cx="1694985" cy="666786"/>
           </a:xfrm>
           <a:prstGeom prst="rect">
@@ -15223,7 +14841,7 @@
           <a:p>
             <a:r>
               <a:rPr lang="en-US" sz="3733" dirty="0"/>
-              <a:t>R=0.05</a:t>
+              <a:t>R=0.87</a:t>
             </a:r>
           </a:p>
         </p:txBody>
@@ -15231,7 +14849,7 @@
     </p:spTree>
     <p:extLst>
       <p:ext uri="{BB962C8B-B14F-4D97-AF65-F5344CB8AC3E}">
-        <p14:creationId xmlns:p14="http://schemas.microsoft.com/office/powerpoint/2010/main" val="936780806"/>
+        <p14:creationId xmlns:p14="http://schemas.microsoft.com/office/powerpoint/2010/main" val="2377832834"/>
       </p:ext>
     </p:extLst>
   </p:cSld>
@@ -15258,6 +14876,53 @@
           <a:chExt cx="0" cy="0"/>
         </a:xfrm>
       </p:grpSpPr>
+      <p:pic>
+        <p:nvPicPr>
+          <p:cNvPr id="6146" name="Picture 2">
+            <a:extLst>
+              <a:ext uri="{FF2B5EF4-FFF2-40B4-BE49-F238E27FC236}">
+                <a16:creationId xmlns:a16="http://schemas.microsoft.com/office/drawing/2014/main" id="{16A383E1-95D0-3747-8F9C-6BE031CEB235}"/>
+              </a:ext>
+            </a:extLst>
+          </p:cNvPr>
+          <p:cNvPicPr>
+            <a:picLocks noChangeAspect="1" noChangeArrowheads="1"/>
+          </p:cNvPicPr>
+          <p:nvPr/>
+        </p:nvPicPr>
+        <p:blipFill>
+          <a:blip r:embed="rId2">
+            <a:extLst>
+              <a:ext uri="{28A0092B-C50C-407E-A947-70E740481C1C}">
+                <a14:useLocalDpi xmlns:a14="http://schemas.microsoft.com/office/drawing/2010/main" val="0"/>
+              </a:ext>
+            </a:extLst>
+          </a:blip>
+          <a:srcRect/>
+          <a:stretch>
+            <a:fillRect/>
+          </a:stretch>
+        </p:blipFill>
+        <p:spPr bwMode="auto">
+          <a:xfrm>
+            <a:off x="2430552" y="1485504"/>
+            <a:ext cx="6468533" cy="4470400"/>
+          </a:xfrm>
+          <a:prstGeom prst="rect">
+            <a:avLst/>
+          </a:prstGeom>
+          <a:noFill/>
+          <a:extLst>
+            <a:ext uri="{909E8E84-426E-40DD-AFC4-6F175D3DCCD1}">
+              <a14:hiddenFill xmlns:a14="http://schemas.microsoft.com/office/drawing/2010/main">
+                <a:solidFill>
+                  <a:srgbClr val="FFFFFF"/>
+                </a:solidFill>
+              </a14:hiddenFill>
+            </a:ext>
+          </a:extLst>
+        </p:spPr>
+      </p:pic>
       <p:sp>
         <p:nvSpPr>
           <p:cNvPr id="2" name="Title 1">
@@ -15282,121 +14947,42 @@
             <a:pPr algn="ctr"/>
             <a:r>
               <a:rPr lang="en-US" dirty="0"/>
-              <a:t>Covariance matrix</a:t>
-            </a:r>
-          </a:p>
-        </p:txBody>
-      </p:sp>
-      <p:sp>
-        <p:nvSpPr>
-          <p:cNvPr id="3" name="Content Placeholder 2">
-            <a:extLst>
-              <a:ext uri="{FF2B5EF4-FFF2-40B4-BE49-F238E27FC236}">
-                <a16:creationId xmlns:a16="http://schemas.microsoft.com/office/drawing/2014/main" id="{1A23C817-F963-6249-BF2E-43509B3539B7}"/>
-              </a:ext>
-            </a:extLst>
-          </p:cNvPr>
-          <p:cNvSpPr>
-            <a:spLocks noGrp="1"/>
-          </p:cNvSpPr>
-          <p:nvPr>
-            <p:ph idx="1"/>
-          </p:nvPr>
-        </p:nvSpPr>
-        <p:spPr>
-          <a:xfrm>
-            <a:off x="1111405" y="1825625"/>
-            <a:ext cx="10515600" cy="4351339"/>
-          </a:xfrm>
-        </p:spPr>
-        <p:txBody>
-          <a:bodyPr>
-            <a:normAutofit/>
+              <a:t>Comparing two cities</a:t>
+            </a:r>
+          </a:p>
+        </p:txBody>
+      </p:sp>
+      <p:sp>
+        <p:nvSpPr>
+          <p:cNvPr id="3" name="TextBox 2">
+            <a:extLst>
+              <a:ext uri="{FF2B5EF4-FFF2-40B4-BE49-F238E27FC236}">
+                <a16:creationId xmlns:a16="http://schemas.microsoft.com/office/drawing/2014/main" id="{A4246856-5B0C-694D-ADFD-ED247B08D572}"/>
+              </a:ext>
+            </a:extLst>
+          </p:cNvPr>
+          <p:cNvSpPr txBox="1"/>
+          <p:nvPr/>
+        </p:nvSpPr>
+        <p:spPr>
+          <a:xfrm>
+            <a:off x="6884017" y="4674870"/>
+            <a:ext cx="1694985" cy="666786"/>
+          </a:xfrm>
+          <a:prstGeom prst="rect">
+            <a:avLst/>
+          </a:prstGeom>
+          <a:noFill/>
+        </p:spPr>
+        <p:txBody>
+          <a:bodyPr wrap="square" rtlCol="0">
+            <a:spAutoFit/>
           </a:bodyPr>
           <a:lstStyle/>
           <a:p>
-            <a:pPr marL="0" indent="0">
-              <a:buNone/>
-            </a:pPr>
-            <a:r>
-              <a:rPr lang="en-US" u="sng" dirty="0"/>
-              <a:t>Data matrix: D</a:t>
-            </a:r>
-          </a:p>
-          <a:p>
-            <a:pPr marL="0" indent="0">
-              <a:buNone/>
-            </a:pPr>
-            <a:r>
-              <a:rPr lang="en-US" dirty="0"/>
-              <a:t>Temperature records from (M) cities are stored as row vector (M x N) matrix</a:t>
-            </a:r>
-          </a:p>
-          <a:p>
-            <a:pPr marL="0" indent="0">
-              <a:buNone/>
-            </a:pPr>
-            <a:r>
-              <a:rPr lang="en-US" dirty="0"/>
-              <a:t>We subtract mean value from each rows. </a:t>
-            </a:r>
-          </a:p>
-          <a:p>
-            <a:pPr marL="0" indent="0">
-              <a:buNone/>
-            </a:pPr>
-            <a:endParaRPr lang="en-US" dirty="0"/>
-          </a:p>
-          <a:p>
-            <a:pPr marL="0" indent="0">
-              <a:buNone/>
-            </a:pPr>
-            <a:r>
-              <a:rPr lang="en-US" dirty="0"/>
-              <a:t>C = 1/N-1 * DD</a:t>
-            </a:r>
-            <a:r>
-              <a:rPr lang="en-US" baseline="30000" dirty="0"/>
-              <a:t>T</a:t>
-            </a:r>
-          </a:p>
-          <a:p>
-            <a:pPr marL="0" indent="0">
-              <a:buNone/>
-            </a:pPr>
-            <a:endParaRPr lang="en-US" dirty="0"/>
-          </a:p>
-          <a:p>
-            <a:pPr marL="0" indent="0">
-              <a:buNone/>
-            </a:pPr>
-            <a:r>
-              <a:rPr lang="en-US" dirty="0"/>
-              <a:t> can be calculated as </a:t>
-            </a:r>
-            <a:r>
-              <a:rPr lang="en-US" b="1" dirty="0" err="1"/>
-              <a:t>np.cov</a:t>
-            </a:r>
-            <a:r>
-              <a:rPr lang="en-US" b="1" dirty="0"/>
-              <a:t>(D) </a:t>
-            </a:r>
-            <a:r>
-              <a:rPr lang="en-US" dirty="0"/>
-              <a:t>in python, </a:t>
-            </a:r>
-            <a:r>
-              <a:rPr lang="en-US" b="1" dirty="0" err="1"/>
-              <a:t>cov</a:t>
-            </a:r>
-            <a:r>
-              <a:rPr lang="en-US" b="1" dirty="0"/>
-              <a:t>(D)</a:t>
-            </a:r>
-            <a:r>
-              <a:rPr lang="en-US" dirty="0"/>
-              <a:t> in MATLAB</a:t>
+            <a:r>
+              <a:rPr lang="en-US" sz="3733" dirty="0"/>
+              <a:t>R=0.05</a:t>
             </a:r>
           </a:p>
         </p:txBody>
@@ -15404,7 +14990,7 @@
     </p:spTree>
     <p:extLst>
       <p:ext uri="{BB962C8B-B14F-4D97-AF65-F5344CB8AC3E}">
-        <p14:creationId xmlns:p14="http://schemas.microsoft.com/office/powerpoint/2010/main" val="4184661515"/>
+        <p14:creationId xmlns:p14="http://schemas.microsoft.com/office/powerpoint/2010/main" val="936780806"/>
       </p:ext>
     </p:extLst>
   </p:cSld>
@@ -15478,8 +15064,8 @@
         </p:nvSpPr>
         <p:spPr>
           <a:xfrm>
-            <a:off x="1723960" y="1795889"/>
-            <a:ext cx="9629840" cy="4351339"/>
+            <a:off x="1111405" y="1825625"/>
+            <a:ext cx="10515600" cy="4351339"/>
           </a:xfrm>
         </p:spPr>
         <p:txBody>
@@ -15493,45 +15079,91 @@
             </a:pPr>
             <a:r>
               <a:rPr lang="en-US" u="sng" dirty="0"/>
-              <a:t>Covariance matrix: C for January temperature</a:t>
-            </a:r>
-          </a:p>
-        </p:txBody>
-      </p:sp>
-      <p:pic>
-        <p:nvPicPr>
-          <p:cNvPr id="5" name="Picture 4">
-            <a:extLst>
-              <a:ext uri="{FF2B5EF4-FFF2-40B4-BE49-F238E27FC236}">
-                <a16:creationId xmlns:a16="http://schemas.microsoft.com/office/drawing/2014/main" id="{06540032-5D77-F346-8232-7F8CBE58295E}"/>
-              </a:ext>
-            </a:extLst>
-          </p:cNvPr>
-          <p:cNvPicPr>
-            <a:picLocks noChangeAspect="1"/>
-          </p:cNvPicPr>
-          <p:nvPr/>
-        </p:nvPicPr>
-        <p:blipFill>
-          <a:blip r:embed="rId2"/>
-          <a:stretch>
-            <a:fillRect/>
-          </a:stretch>
-        </p:blipFill>
-        <p:spPr>
-          <a:xfrm>
-            <a:off x="2218510" y="2583508"/>
-            <a:ext cx="7754980" cy="3377936"/>
-          </a:xfrm>
-          <a:prstGeom prst="rect">
-            <a:avLst/>
-          </a:prstGeom>
-        </p:spPr>
-      </p:pic>
+              <a:t>Data matrix: D</a:t>
+            </a:r>
+          </a:p>
+          <a:p>
+            <a:pPr marL="0" indent="0">
+              <a:buNone/>
+            </a:pPr>
+            <a:r>
+              <a:rPr lang="en-US" dirty="0"/>
+              <a:t>Temperature records from (M) cities are stored as row vector (M x N) matrix</a:t>
+            </a:r>
+          </a:p>
+          <a:p>
+            <a:pPr marL="0" indent="0">
+              <a:buNone/>
+            </a:pPr>
+            <a:r>
+              <a:rPr lang="en-US" dirty="0"/>
+              <a:t>We subtract mean value from each rows. </a:t>
+            </a:r>
+          </a:p>
+          <a:p>
+            <a:pPr marL="0" indent="0">
+              <a:buNone/>
+            </a:pPr>
+            <a:endParaRPr lang="en-US" dirty="0"/>
+          </a:p>
+          <a:p>
+            <a:pPr marL="0" indent="0">
+              <a:buNone/>
+            </a:pPr>
+            <a:r>
+              <a:rPr lang="en-US" dirty="0"/>
+              <a:t>C = 1/N-1 * DD</a:t>
+            </a:r>
+            <a:r>
+              <a:rPr lang="en-US" baseline="30000" dirty="0"/>
+              <a:t>T</a:t>
+            </a:r>
+          </a:p>
+          <a:p>
+            <a:pPr marL="0" indent="0">
+              <a:buNone/>
+            </a:pPr>
+            <a:endParaRPr lang="en-US" dirty="0"/>
+          </a:p>
+          <a:p>
+            <a:pPr marL="0" indent="0">
+              <a:buNone/>
+            </a:pPr>
+            <a:r>
+              <a:rPr lang="en-US" dirty="0"/>
+              <a:t> can be calculated as </a:t>
+            </a:r>
+            <a:r>
+              <a:rPr lang="en-US" b="1" dirty="0" err="1"/>
+              <a:t>np.cov</a:t>
+            </a:r>
+            <a:r>
+              <a:rPr lang="en-US" b="1" dirty="0"/>
+              <a:t>(D) </a:t>
+            </a:r>
+            <a:r>
+              <a:rPr lang="en-US" dirty="0"/>
+              <a:t>in python, </a:t>
+            </a:r>
+            <a:r>
+              <a:rPr lang="en-US" b="1" dirty="0" err="1"/>
+              <a:t>cov</a:t>
+            </a:r>
+            <a:r>
+              <a:rPr lang="en-US" b="1" dirty="0"/>
+              <a:t>(D)</a:t>
+            </a:r>
+            <a:r>
+              <a:rPr lang="en-US" dirty="0"/>
+              <a:t> in MATLAB</a:t>
+            </a:r>
+          </a:p>
+        </p:txBody>
+      </p:sp>
     </p:spTree>
     <p:extLst>
       <p:ext uri="{BB962C8B-B14F-4D97-AF65-F5344CB8AC3E}">
-        <p14:creationId xmlns:p14="http://schemas.microsoft.com/office/powerpoint/2010/main" val="3020752612"/>
+        <p14:creationId xmlns:p14="http://schemas.microsoft.com/office/powerpoint/2010/main" val="4184661515"/>
       </p:ext>
     </p:extLst>
   </p:cSld>
@@ -15582,6 +15214,133 @@
             <a:pPr algn="ctr"/>
             <a:r>
               <a:rPr lang="en-US" dirty="0"/>
+              <a:t>Covariance matrix</a:t>
+            </a:r>
+          </a:p>
+        </p:txBody>
+      </p:sp>
+      <p:sp>
+        <p:nvSpPr>
+          <p:cNvPr id="3" name="Content Placeholder 2">
+            <a:extLst>
+              <a:ext uri="{FF2B5EF4-FFF2-40B4-BE49-F238E27FC236}">
+                <a16:creationId xmlns:a16="http://schemas.microsoft.com/office/drawing/2014/main" id="{1A23C817-F963-6249-BF2E-43509B3539B7}"/>
+              </a:ext>
+            </a:extLst>
+          </p:cNvPr>
+          <p:cNvSpPr>
+            <a:spLocks noGrp="1"/>
+          </p:cNvSpPr>
+          <p:nvPr>
+            <p:ph idx="1"/>
+          </p:nvPr>
+        </p:nvSpPr>
+        <p:spPr>
+          <a:xfrm>
+            <a:off x="1723960" y="1795889"/>
+            <a:ext cx="9629840" cy="4351339"/>
+          </a:xfrm>
+        </p:spPr>
+        <p:txBody>
+          <a:bodyPr>
+            <a:normAutofit/>
+          </a:bodyPr>
+          <a:lstStyle/>
+          <a:p>
+            <a:pPr marL="0" indent="0">
+              <a:buNone/>
+            </a:pPr>
+            <a:r>
+              <a:rPr lang="en-US" u="sng" dirty="0"/>
+              <a:t>Covariance matrix: C for January temperature</a:t>
+            </a:r>
+          </a:p>
+        </p:txBody>
+      </p:sp>
+      <p:pic>
+        <p:nvPicPr>
+          <p:cNvPr id="5" name="Picture 4">
+            <a:extLst>
+              <a:ext uri="{FF2B5EF4-FFF2-40B4-BE49-F238E27FC236}">
+                <a16:creationId xmlns:a16="http://schemas.microsoft.com/office/drawing/2014/main" id="{06540032-5D77-F346-8232-7F8CBE58295E}"/>
+              </a:ext>
+            </a:extLst>
+          </p:cNvPr>
+          <p:cNvPicPr>
+            <a:picLocks noChangeAspect="1"/>
+          </p:cNvPicPr>
+          <p:nvPr/>
+        </p:nvPicPr>
+        <p:blipFill>
+          <a:blip r:embed="rId2"/>
+          <a:stretch>
+            <a:fillRect/>
+          </a:stretch>
+        </p:blipFill>
+        <p:spPr>
+          <a:xfrm>
+            <a:off x="2218510" y="2583508"/>
+            <a:ext cx="7754980" cy="3377936"/>
+          </a:xfrm>
+          <a:prstGeom prst="rect">
+            <a:avLst/>
+          </a:prstGeom>
+        </p:spPr>
+      </p:pic>
+    </p:spTree>
+    <p:extLst>
+      <p:ext uri="{BB962C8B-B14F-4D97-AF65-F5344CB8AC3E}">
+        <p14:creationId xmlns:p14="http://schemas.microsoft.com/office/powerpoint/2010/main" val="3020752612"/>
+      </p:ext>
+    </p:extLst>
+  </p:cSld>
+  <p:clrMapOvr>
+    <a:masterClrMapping/>
+  </p:clrMapOvr>
+</p:sld>
+</file>
+
+<file path=ppt/slides/slide48.xml><?xml version="1.0" encoding="utf-8"?>
+<p:sld xmlns:a="http://schemas.openxmlformats.org/drawingml/2006/main" xmlns:r="http://schemas.openxmlformats.org/officeDocument/2006/relationships" xmlns:p="http://schemas.openxmlformats.org/presentationml/2006/main">
+  <p:cSld>
+    <p:spTree>
+      <p:nvGrpSpPr>
+        <p:cNvPr id="1" name=""/>
+        <p:cNvGrpSpPr/>
+        <p:nvPr/>
+      </p:nvGrpSpPr>
+      <p:grpSpPr>
+        <a:xfrm>
+          <a:off x="0" y="0"/>
+          <a:ext cx="0" cy="0"/>
+          <a:chOff x="0" y="0"/>
+          <a:chExt cx="0" cy="0"/>
+        </a:xfrm>
+      </p:grpSpPr>
+      <p:sp>
+        <p:nvSpPr>
+          <p:cNvPr id="2" name="Title 1">
+            <a:extLst>
+              <a:ext uri="{FF2B5EF4-FFF2-40B4-BE49-F238E27FC236}">
+                <a16:creationId xmlns:a16="http://schemas.microsoft.com/office/drawing/2014/main" id="{A5FF210D-1C5F-A043-AD1A-EE8096B41E70}"/>
+              </a:ext>
+            </a:extLst>
+          </p:cNvPr>
+          <p:cNvSpPr>
+            <a:spLocks noGrp="1"/>
+          </p:cNvSpPr>
+          <p:nvPr>
+            <p:ph type="title"/>
+          </p:nvPr>
+        </p:nvSpPr>
+        <p:spPr/>
+        <p:txBody>
+          <a:bodyPr/>
+          <a:lstStyle/>
+          <a:p>
+            <a:pPr algn="ctr"/>
+            <a:r>
+              <a:rPr lang="en-US" dirty="0"/>
               <a:t>Correlation matrix</a:t>
             </a:r>
           </a:p>
@@ -15686,7 +15445,7 @@
 </p:sld>
 </file>
 
-<file path=ppt/slides/slide48.xml><?xml version="1.0" encoding="utf-8"?>
+<file path=ppt/slides/slide49.xml><?xml version="1.0" encoding="utf-8"?>
 <p:sld xmlns:a="http://schemas.openxmlformats.org/drawingml/2006/main" xmlns:r="http://schemas.openxmlformats.org/officeDocument/2006/relationships" xmlns:p="http://schemas.openxmlformats.org/presentationml/2006/main">
   <p:cSld>
     <p:spTree>
@@ -16110,6 +15869,476 @@
       </p:sp>
       <p:pic>
         <p:nvPicPr>
+          <p:cNvPr id="5" name="Picture 4">
+            <a:extLst>
+              <a:ext uri="{FF2B5EF4-FFF2-40B4-BE49-F238E27FC236}">
+                <a16:creationId xmlns:a16="http://schemas.microsoft.com/office/drawing/2014/main" id="{3B79EE93-E31E-FC43-A890-FE1701CCBA1B}"/>
+              </a:ext>
+            </a:extLst>
+          </p:cNvPr>
+          <p:cNvPicPr>
+            <a:picLocks noChangeAspect="1"/>
+          </p:cNvPicPr>
+          <p:nvPr/>
+        </p:nvPicPr>
+        <p:blipFill>
+          <a:blip r:embed="rId2"/>
+          <a:stretch>
+            <a:fillRect/>
+          </a:stretch>
+        </p:blipFill>
+        <p:spPr>
+          <a:xfrm>
+            <a:off x="1690955" y="2820770"/>
+            <a:ext cx="5644793" cy="2100639"/>
+          </a:xfrm>
+          <a:prstGeom prst="rect">
+            <a:avLst/>
+          </a:prstGeom>
+        </p:spPr>
+      </p:pic>
+      <p:pic>
+        <p:nvPicPr>
+          <p:cNvPr id="12" name="Picture 11">
+            <a:extLst>
+              <a:ext uri="{FF2B5EF4-FFF2-40B4-BE49-F238E27FC236}">
+                <a16:creationId xmlns:a16="http://schemas.microsoft.com/office/drawing/2014/main" id="{39475108-7641-7B4C-9DB5-5C69C2B4510D}"/>
+              </a:ext>
+            </a:extLst>
+          </p:cNvPr>
+          <p:cNvPicPr>
+            <a:picLocks noChangeAspect="1"/>
+          </p:cNvPicPr>
+          <p:nvPr/>
+        </p:nvPicPr>
+        <p:blipFill>
+          <a:blip r:embed="rId3"/>
+          <a:stretch>
+            <a:fillRect/>
+          </a:stretch>
+        </p:blipFill>
+        <p:spPr>
+          <a:xfrm>
+            <a:off x="2115192" y="5382489"/>
+            <a:ext cx="5105400" cy="368300"/>
+          </a:xfrm>
+          <a:prstGeom prst="rect">
+            <a:avLst/>
+          </a:prstGeom>
+        </p:spPr>
+      </p:pic>
+      <p:pic>
+        <p:nvPicPr>
+          <p:cNvPr id="3" name="Picture 2">
+            <a:extLst>
+              <a:ext uri="{FF2B5EF4-FFF2-40B4-BE49-F238E27FC236}">
+                <a16:creationId xmlns:a16="http://schemas.microsoft.com/office/drawing/2014/main" id="{1CD6B84D-9D60-0146-AA8C-A00CE8D91F35}"/>
+              </a:ext>
+            </a:extLst>
+          </p:cNvPr>
+          <p:cNvPicPr>
+            <a:picLocks noChangeAspect="1"/>
+          </p:cNvPicPr>
+          <p:nvPr/>
+        </p:nvPicPr>
+        <p:blipFill>
+          <a:blip r:embed="rId4"/>
+          <a:stretch>
+            <a:fillRect/>
+          </a:stretch>
+        </p:blipFill>
+        <p:spPr>
+          <a:xfrm>
+            <a:off x="9017428" y="4975531"/>
+            <a:ext cx="2472359" cy="341333"/>
+          </a:xfrm>
+          <a:prstGeom prst="rect">
+            <a:avLst/>
+          </a:prstGeom>
+        </p:spPr>
+      </p:pic>
+      <p:sp>
+        <p:nvSpPr>
+          <p:cNvPr id="4" name="TextBox 3">
+            <a:extLst>
+              <a:ext uri="{FF2B5EF4-FFF2-40B4-BE49-F238E27FC236}">
+                <a16:creationId xmlns:a16="http://schemas.microsoft.com/office/drawing/2014/main" id="{B4272492-ABA9-C047-9454-DF989D027593}"/>
+              </a:ext>
+            </a:extLst>
+          </p:cNvPr>
+          <p:cNvSpPr txBox="1"/>
+          <p:nvPr/>
+        </p:nvSpPr>
+        <p:spPr>
+          <a:xfrm>
+            <a:off x="8578920" y="2806576"/>
+            <a:ext cx="2835671" cy="461665"/>
+          </a:xfrm>
+          <a:prstGeom prst="rect">
+            <a:avLst/>
+          </a:prstGeom>
+          <a:noFill/>
+        </p:spPr>
+        <p:txBody>
+          <a:bodyPr wrap="square" rtlCol="0">
+            <a:spAutoFit/>
+          </a:bodyPr>
+          <a:lstStyle/>
+          <a:p>
+            <a:r>
+              <a:rPr lang="en-US" sz="2400" dirty="0"/>
+              <a:t>In a 2D example, </a:t>
+            </a:r>
+          </a:p>
+        </p:txBody>
+      </p:sp>
+      <p:sp>
+        <p:nvSpPr>
+          <p:cNvPr id="15" name="TextBox 14">
+            <a:extLst>
+              <a:ext uri="{FF2B5EF4-FFF2-40B4-BE49-F238E27FC236}">
+                <a16:creationId xmlns:a16="http://schemas.microsoft.com/office/drawing/2014/main" id="{4FF0F0F7-3C13-AB47-BDAD-81479B070DC4}"/>
+              </a:ext>
+            </a:extLst>
+          </p:cNvPr>
+          <p:cNvSpPr txBox="1"/>
+          <p:nvPr/>
+        </p:nvSpPr>
+        <p:spPr>
+          <a:xfrm>
+            <a:off x="9534417" y="4123942"/>
+            <a:ext cx="585627" cy="369332"/>
+          </a:xfrm>
+          <a:prstGeom prst="rect">
+            <a:avLst/>
+          </a:prstGeom>
+          <a:noFill/>
+        </p:spPr>
+        <p:txBody>
+          <a:bodyPr wrap="square" rtlCol="0">
+            <a:spAutoFit/>
+          </a:bodyPr>
+          <a:lstStyle/>
+          <a:p>
+            <a:r>
+              <a:rPr lang="en-US" dirty="0">
+                <a:latin typeface="Symbol" pitchFamily="2" charset="2"/>
+              </a:rPr>
+              <a:t>q</a:t>
+            </a:r>
+          </a:p>
+        </p:txBody>
+      </p:sp>
+    </p:spTree>
+    <p:extLst>
+      <p:ext uri="{BB962C8B-B14F-4D97-AF65-F5344CB8AC3E}">
+        <p14:creationId xmlns:p14="http://schemas.microsoft.com/office/powerpoint/2010/main" val="1745877298"/>
+      </p:ext>
+    </p:extLst>
+  </p:cSld>
+  <p:clrMapOvr>
+    <a:masterClrMapping/>
+  </p:clrMapOvr>
+</p:sld>
+</file>
+
+<file path=ppt/slides/slide6.xml><?xml version="1.0" encoding="utf-8"?>
+<p:sld xmlns:a="http://schemas.openxmlformats.org/drawingml/2006/main" xmlns:r="http://schemas.openxmlformats.org/officeDocument/2006/relationships" xmlns:p="http://schemas.openxmlformats.org/presentationml/2006/main">
+  <p:cSld>
+    <p:spTree>
+      <p:nvGrpSpPr>
+        <p:cNvPr id="1" name=""/>
+        <p:cNvGrpSpPr/>
+        <p:nvPr/>
+      </p:nvGrpSpPr>
+      <p:grpSpPr>
+        <a:xfrm>
+          <a:off x="0" y="0"/>
+          <a:ext cx="0" cy="0"/>
+          <a:chOff x="0" y="0"/>
+          <a:chExt cx="0" cy="0"/>
+        </a:xfrm>
+      </p:grpSpPr>
+      <p:sp>
+        <p:nvSpPr>
+          <p:cNvPr id="7" name="Rectangle 6">
+            <a:extLst>
+              <a:ext uri="{FF2B5EF4-FFF2-40B4-BE49-F238E27FC236}">
+                <a16:creationId xmlns:a16="http://schemas.microsoft.com/office/drawing/2014/main" id="{70A5322B-4D74-7D4A-8106-51EEA2410E23}"/>
+              </a:ext>
+            </a:extLst>
+          </p:cNvPr>
+          <p:cNvSpPr/>
+          <p:nvPr/>
+        </p:nvSpPr>
+        <p:spPr>
+          <a:xfrm>
+            <a:off x="8435083" y="2671281"/>
+            <a:ext cx="3452117" cy="2979506"/>
+          </a:xfrm>
+          <a:prstGeom prst="rect">
+            <a:avLst/>
+          </a:prstGeom>
+          <a:solidFill>
+            <a:schemeClr val="accent1">
+              <a:lumMod val="20000"/>
+              <a:lumOff val="80000"/>
+            </a:schemeClr>
+          </a:solidFill>
+          <a:ln>
+            <a:noFill/>
+          </a:ln>
+        </p:spPr>
+        <p:style>
+          <a:lnRef idx="2">
+            <a:schemeClr val="accent1">
+              <a:shade val="50000"/>
+            </a:schemeClr>
+          </a:lnRef>
+          <a:fillRef idx="1">
+            <a:schemeClr val="accent1"/>
+          </a:fillRef>
+          <a:effectRef idx="0">
+            <a:schemeClr val="accent1"/>
+          </a:effectRef>
+          <a:fontRef idx="minor">
+            <a:schemeClr val="lt1"/>
+          </a:fontRef>
+        </p:style>
+        <p:txBody>
+          <a:bodyPr rtlCol="0" anchor="ctr"/>
+          <a:lstStyle/>
+          <a:p>
+            <a:pPr algn="ctr"/>
+            <a:endParaRPr lang="en-US"/>
+          </a:p>
+        </p:txBody>
+      </p:sp>
+      <p:sp>
+        <p:nvSpPr>
+          <p:cNvPr id="2" name="Title 1">
+            <a:extLst>
+              <a:ext uri="{FF2B5EF4-FFF2-40B4-BE49-F238E27FC236}">
+                <a16:creationId xmlns:a16="http://schemas.microsoft.com/office/drawing/2014/main" id="{1745A517-9B32-3C4F-AD4E-6BDC62A00540}"/>
+              </a:ext>
+            </a:extLst>
+          </p:cNvPr>
+          <p:cNvSpPr>
+            <a:spLocks noGrp="1"/>
+          </p:cNvSpPr>
+          <p:nvPr>
+            <p:ph type="title"/>
+          </p:nvPr>
+        </p:nvSpPr>
+        <p:spPr/>
+        <p:txBody>
+          <a:bodyPr/>
+          <a:lstStyle/>
+          <a:p>
+            <a:r>
+              <a:rPr lang="en-US" dirty="0"/>
+              <a:t>Vector</a:t>
+            </a:r>
+          </a:p>
+        </p:txBody>
+      </p:sp>
+      <p:sp>
+        <p:nvSpPr>
+          <p:cNvPr id="6" name="TextBox 5">
+            <a:extLst>
+              <a:ext uri="{FF2B5EF4-FFF2-40B4-BE49-F238E27FC236}">
+                <a16:creationId xmlns:a16="http://schemas.microsoft.com/office/drawing/2014/main" id="{56B9124B-A9F2-6242-86AF-C32BF396520F}"/>
+              </a:ext>
+            </a:extLst>
+          </p:cNvPr>
+          <p:cNvSpPr txBox="1"/>
+          <p:nvPr/>
+        </p:nvSpPr>
+        <p:spPr>
+          <a:xfrm>
+            <a:off x="986319" y="1713875"/>
+            <a:ext cx="10236485" cy="830997"/>
+          </a:xfrm>
+          <a:prstGeom prst="rect">
+            <a:avLst/>
+          </a:prstGeom>
+          <a:noFill/>
+        </p:spPr>
+        <p:txBody>
+          <a:bodyPr wrap="square" rtlCol="0">
+            <a:spAutoFit/>
+          </a:bodyPr>
+          <a:lstStyle/>
+          <a:p>
+            <a:r>
+              <a:rPr lang="en-US" sz="2400" dirty="0"/>
+              <a:t>Vectors can multiply together: </a:t>
+            </a:r>
+            <a:r>
+              <a:rPr lang="en-US" sz="2400" b="1" dirty="0"/>
+              <a:t>inner product produces a scalar</a:t>
+            </a:r>
+          </a:p>
+          <a:p>
+            <a:r>
+              <a:rPr lang="en-US" sz="2400" b="1" dirty="0"/>
+              <a:t>(remember “row times column”)</a:t>
+            </a:r>
+          </a:p>
+        </p:txBody>
+      </p:sp>
+      <p:cxnSp>
+        <p:nvCxnSpPr>
+          <p:cNvPr id="8" name="Straight Arrow Connector 7">
+            <a:extLst>
+              <a:ext uri="{FF2B5EF4-FFF2-40B4-BE49-F238E27FC236}">
+                <a16:creationId xmlns:a16="http://schemas.microsoft.com/office/drawing/2014/main" id="{44FE81C6-AA79-F04E-8363-9709F6C7D7D2}"/>
+              </a:ext>
+            </a:extLst>
+          </p:cNvPr>
+          <p:cNvCxnSpPr/>
+          <p:nvPr/>
+        </p:nvCxnSpPr>
+        <p:spPr>
+          <a:xfrm>
+            <a:off x="9185095" y="4472682"/>
+            <a:ext cx="1284270" cy="0"/>
+          </a:xfrm>
+          <a:prstGeom prst="straightConnector1">
+            <a:avLst/>
+          </a:prstGeom>
+          <a:ln w="38100">
+            <a:tailEnd type="triangle"/>
+          </a:ln>
+        </p:spPr>
+        <p:style>
+          <a:lnRef idx="1">
+            <a:schemeClr val="accent1"/>
+          </a:lnRef>
+          <a:fillRef idx="0">
+            <a:schemeClr val="accent1"/>
+          </a:fillRef>
+          <a:effectRef idx="0">
+            <a:schemeClr val="accent1"/>
+          </a:effectRef>
+          <a:fontRef idx="minor">
+            <a:schemeClr val="tx1"/>
+          </a:fontRef>
+        </p:style>
+      </p:cxnSp>
+      <p:cxnSp>
+        <p:nvCxnSpPr>
+          <p:cNvPr id="9" name="Straight Arrow Connector 8">
+            <a:extLst>
+              <a:ext uri="{FF2B5EF4-FFF2-40B4-BE49-F238E27FC236}">
+                <a16:creationId xmlns:a16="http://schemas.microsoft.com/office/drawing/2014/main" id="{7417F668-B880-384D-844B-13F9A0E57F7B}"/>
+              </a:ext>
+            </a:extLst>
+          </p:cNvPr>
+          <p:cNvCxnSpPr>
+            <a:cxnSpLocks/>
+          </p:cNvCxnSpPr>
+          <p:nvPr/>
+        </p:nvCxnSpPr>
+        <p:spPr>
+          <a:xfrm flipV="1">
+            <a:off x="9185095" y="3577118"/>
+            <a:ext cx="1284270" cy="895564"/>
+          </a:xfrm>
+          <a:prstGeom prst="straightConnector1">
+            <a:avLst/>
+          </a:prstGeom>
+          <a:ln w="38100">
+            <a:tailEnd type="triangle"/>
+          </a:ln>
+        </p:spPr>
+        <p:style>
+          <a:lnRef idx="1">
+            <a:schemeClr val="accent1"/>
+          </a:lnRef>
+          <a:fillRef idx="0">
+            <a:schemeClr val="accent1"/>
+          </a:fillRef>
+          <a:effectRef idx="0">
+            <a:schemeClr val="accent1"/>
+          </a:effectRef>
+          <a:fontRef idx="minor">
+            <a:schemeClr val="tx1"/>
+          </a:fontRef>
+        </p:style>
+      </p:cxnSp>
+      <p:sp>
+        <p:nvSpPr>
+          <p:cNvPr id="13" name="TextBox 12">
+            <a:extLst>
+              <a:ext uri="{FF2B5EF4-FFF2-40B4-BE49-F238E27FC236}">
+                <a16:creationId xmlns:a16="http://schemas.microsoft.com/office/drawing/2014/main" id="{ACEC001E-C5CC-C84B-97B6-4ACF2B4CA657}"/>
+              </a:ext>
+            </a:extLst>
+          </p:cNvPr>
+          <p:cNvSpPr txBox="1"/>
+          <p:nvPr/>
+        </p:nvSpPr>
+        <p:spPr>
+          <a:xfrm>
+            <a:off x="9822093" y="4472682"/>
+            <a:ext cx="431515" cy="461665"/>
+          </a:xfrm>
+          <a:prstGeom prst="rect">
+            <a:avLst/>
+          </a:prstGeom>
+          <a:noFill/>
+        </p:spPr>
+        <p:txBody>
+          <a:bodyPr wrap="square" rtlCol="0">
+            <a:spAutoFit/>
+          </a:bodyPr>
+          <a:lstStyle/>
+          <a:p>
+            <a:r>
+              <a:rPr lang="en-US" sz="2400" b="1" dirty="0"/>
+              <a:t>x</a:t>
+            </a:r>
+          </a:p>
+        </p:txBody>
+      </p:sp>
+      <p:sp>
+        <p:nvSpPr>
+          <p:cNvPr id="14" name="TextBox 13">
+            <a:extLst>
+              <a:ext uri="{FF2B5EF4-FFF2-40B4-BE49-F238E27FC236}">
+                <a16:creationId xmlns:a16="http://schemas.microsoft.com/office/drawing/2014/main" id="{ABD916AA-BD14-1A4E-BEEE-142A95EC4686}"/>
+              </a:ext>
+            </a:extLst>
+          </p:cNvPr>
+          <p:cNvSpPr txBox="1"/>
+          <p:nvPr/>
+        </p:nvSpPr>
+        <p:spPr>
+          <a:xfrm>
+            <a:off x="9662842" y="3393529"/>
+            <a:ext cx="431515" cy="461665"/>
+          </a:xfrm>
+          <a:prstGeom prst="rect">
+            <a:avLst/>
+          </a:prstGeom>
+          <a:noFill/>
+        </p:spPr>
+        <p:txBody>
+          <a:bodyPr wrap="square" rtlCol="0">
+            <a:spAutoFit/>
+          </a:bodyPr>
+          <a:lstStyle/>
+          <a:p>
+            <a:r>
+              <a:rPr lang="en-US" sz="2400" b="1" dirty="0"/>
+              <a:t>y</a:t>
+            </a:r>
+          </a:p>
+        </p:txBody>
+      </p:sp>
+      <p:pic>
+        <p:nvPicPr>
           <p:cNvPr id="3" name="Picture 2">
             <a:extLst>
               <a:ext uri="{FF2B5EF4-FFF2-40B4-BE49-F238E27FC236}">
@@ -16440,7 +16669,7 @@
 </p:sld>
 </file>
 
-<file path=ppt/slides/slide6.xml><?xml version="1.0" encoding="utf-8"?>
+<file path=ppt/slides/slide7.xml><?xml version="1.0" encoding="utf-8"?>
 <p:sld xmlns:a="http://schemas.openxmlformats.org/drawingml/2006/main" xmlns:r="http://schemas.openxmlformats.org/officeDocument/2006/relationships" xmlns:p="http://schemas.openxmlformats.org/presentationml/2006/main">
   <p:cSld>
     <p:spTree>
@@ -17075,7 +17304,7 @@
 </p:sld>
 </file>
 
-<file path=ppt/slides/slide7.xml><?xml version="1.0" encoding="utf-8"?>
+<file path=ppt/slides/slide8.xml><?xml version="1.0" encoding="utf-8"?>
 <p:sld xmlns:a="http://schemas.openxmlformats.org/drawingml/2006/main" xmlns:r="http://schemas.openxmlformats.org/officeDocument/2006/relationships" xmlns:p="http://schemas.openxmlformats.org/presentationml/2006/main">
   <p:cSld>
     <p:spTree>
@@ -17527,133 +17756,6 @@
     <p:extLst>
       <p:ext uri="{BB962C8B-B14F-4D97-AF65-F5344CB8AC3E}">
         <p14:creationId xmlns:p14="http://schemas.microsoft.com/office/powerpoint/2010/main" val="2392519224"/>
-      </p:ext>
-    </p:extLst>
-  </p:cSld>
-  <p:clrMapOvr>
-    <a:masterClrMapping/>
-  </p:clrMapOvr>
-</p:sld>
-</file>
-
-<file path=ppt/slides/slide8.xml><?xml version="1.0" encoding="utf-8"?>
-<p:sld xmlns:a="http://schemas.openxmlformats.org/drawingml/2006/main" xmlns:r="http://schemas.openxmlformats.org/officeDocument/2006/relationships" xmlns:p="http://schemas.openxmlformats.org/presentationml/2006/main">
-  <p:cSld>
-    <p:spTree>
-      <p:nvGrpSpPr>
-        <p:cNvPr id="1" name=""/>
-        <p:cNvGrpSpPr/>
-        <p:nvPr/>
-      </p:nvGrpSpPr>
-      <p:grpSpPr>
-        <a:xfrm>
-          <a:off x="0" y="0"/>
-          <a:ext cx="0" cy="0"/>
-          <a:chOff x="0" y="0"/>
-          <a:chExt cx="0" cy="0"/>
-        </a:xfrm>
-      </p:grpSpPr>
-      <p:sp>
-        <p:nvSpPr>
-          <p:cNvPr id="2" name="Title 1">
-            <a:extLst>
-              <a:ext uri="{FF2B5EF4-FFF2-40B4-BE49-F238E27FC236}">
-                <a16:creationId xmlns:a16="http://schemas.microsoft.com/office/drawing/2014/main" id="{1745A517-9B32-3C4F-AD4E-6BDC62A00540}"/>
-              </a:ext>
-            </a:extLst>
-          </p:cNvPr>
-          <p:cNvSpPr>
-            <a:spLocks noGrp="1"/>
-          </p:cNvSpPr>
-          <p:nvPr>
-            <p:ph type="title"/>
-          </p:nvPr>
-        </p:nvSpPr>
-        <p:spPr/>
-        <p:txBody>
-          <a:bodyPr/>
-          <a:lstStyle/>
-          <a:p>
-            <a:r>
-              <a:rPr lang="en-US" dirty="0"/>
-              <a:t>Vector</a:t>
-            </a:r>
-          </a:p>
-        </p:txBody>
-      </p:sp>
-      <p:sp>
-        <p:nvSpPr>
-          <p:cNvPr id="6" name="TextBox 5">
-            <a:extLst>
-              <a:ext uri="{FF2B5EF4-FFF2-40B4-BE49-F238E27FC236}">
-                <a16:creationId xmlns:a16="http://schemas.microsoft.com/office/drawing/2014/main" id="{56B9124B-A9F2-6242-86AF-C32BF396520F}"/>
-              </a:ext>
-            </a:extLst>
-          </p:cNvPr>
-          <p:cNvSpPr txBox="1"/>
-          <p:nvPr/>
-        </p:nvSpPr>
-        <p:spPr>
-          <a:xfrm>
-            <a:off x="986319" y="1713875"/>
-            <a:ext cx="10236485" cy="830997"/>
-          </a:xfrm>
-          <a:prstGeom prst="rect">
-            <a:avLst/>
-          </a:prstGeom>
-          <a:noFill/>
-        </p:spPr>
-        <p:txBody>
-          <a:bodyPr wrap="square" rtlCol="0">
-            <a:spAutoFit/>
-          </a:bodyPr>
-          <a:lstStyle/>
-          <a:p>
-            <a:r>
-              <a:rPr lang="en-US" sz="2400" dirty="0"/>
-              <a:t>Vectors can multiply together in another different ways: </a:t>
-            </a:r>
-            <a:r>
-              <a:rPr lang="en-US" sz="2400" b="1" dirty="0"/>
-              <a:t>outer product produces a matrix (again, remember “row times column”)</a:t>
-            </a:r>
-          </a:p>
-        </p:txBody>
-      </p:sp>
-      <p:pic>
-        <p:nvPicPr>
-          <p:cNvPr id="11" name="Picture 10">
-            <a:extLst>
-              <a:ext uri="{FF2B5EF4-FFF2-40B4-BE49-F238E27FC236}">
-                <a16:creationId xmlns:a16="http://schemas.microsoft.com/office/drawing/2014/main" id="{B65124D3-7372-5E43-8B98-7F929B3C16F8}"/>
-              </a:ext>
-            </a:extLst>
-          </p:cNvPr>
-          <p:cNvPicPr>
-            <a:picLocks noChangeAspect="1"/>
-          </p:cNvPicPr>
-          <p:nvPr/>
-        </p:nvPicPr>
-        <p:blipFill>
-          <a:blip r:embed="rId2"/>
-          <a:stretch>
-            <a:fillRect/>
-          </a:stretch>
-        </p:blipFill>
-        <p:spPr>
-          <a:xfrm>
-            <a:off x="764211" y="3022957"/>
-            <a:ext cx="10680700" cy="2476500"/>
-          </a:xfrm>
-          <a:prstGeom prst="rect">
-            <a:avLst/>
-          </a:prstGeom>
-        </p:spPr>
-      </p:pic>
-    </p:spTree>
-    <p:extLst>
-      <p:ext uri="{BB962C8B-B14F-4D97-AF65-F5344CB8AC3E}">
-        <p14:creationId xmlns:p14="http://schemas.microsoft.com/office/powerpoint/2010/main" val="277505722"/>
       </p:ext>
     </p:extLst>
   </p:cSld>
@@ -17685,7 +17787,7 @@
           <p:cNvPr id="2" name="Title 1">
             <a:extLst>
               <a:ext uri="{FF2B5EF4-FFF2-40B4-BE49-F238E27FC236}">
-                <a16:creationId xmlns:a16="http://schemas.microsoft.com/office/drawing/2014/main" id="{F797BC71-2A28-424B-982C-10D2454404C4}"/>
+                <a16:creationId xmlns:a16="http://schemas.microsoft.com/office/drawing/2014/main" id="{1745A517-9B32-3C4F-AD4E-6BDC62A00540}"/>
               </a:ext>
             </a:extLst>
           </p:cNvPr>
@@ -17703,17 +17805,56 @@
           <a:p>
             <a:r>
               <a:rPr lang="en-US" dirty="0"/>
-              <a:t>Inner product and (co)variance</a:t>
+              <a:t>Vector</a:t>
+            </a:r>
+          </a:p>
+        </p:txBody>
+      </p:sp>
+      <p:sp>
+        <p:nvSpPr>
+          <p:cNvPr id="6" name="TextBox 5">
+            <a:extLst>
+              <a:ext uri="{FF2B5EF4-FFF2-40B4-BE49-F238E27FC236}">
+                <a16:creationId xmlns:a16="http://schemas.microsoft.com/office/drawing/2014/main" id="{56B9124B-A9F2-6242-86AF-C32BF396520F}"/>
+              </a:ext>
+            </a:extLst>
+          </p:cNvPr>
+          <p:cNvSpPr txBox="1"/>
+          <p:nvPr/>
+        </p:nvSpPr>
+        <p:spPr>
+          <a:xfrm>
+            <a:off x="986319" y="1713875"/>
+            <a:ext cx="10236485" cy="830997"/>
+          </a:xfrm>
+          <a:prstGeom prst="rect">
+            <a:avLst/>
+          </a:prstGeom>
+          <a:noFill/>
+        </p:spPr>
+        <p:txBody>
+          <a:bodyPr wrap="square" rtlCol="0">
+            <a:spAutoFit/>
+          </a:bodyPr>
+          <a:lstStyle/>
+          <a:p>
+            <a:r>
+              <a:rPr lang="en-US" sz="2400" dirty="0"/>
+              <a:t>Vectors can multiply together in another different ways: </a:t>
+            </a:r>
+            <a:r>
+              <a:rPr lang="en-US" sz="2400" b="1" dirty="0"/>
+              <a:t>outer product produces a matrix (again, remember “row times column”)</a:t>
             </a:r>
           </a:p>
         </p:txBody>
       </p:sp>
       <p:pic>
         <p:nvPicPr>
-          <p:cNvPr id="4" name="Picture 3">
-            <a:extLst>
-              <a:ext uri="{FF2B5EF4-FFF2-40B4-BE49-F238E27FC236}">
-                <a16:creationId xmlns:a16="http://schemas.microsoft.com/office/drawing/2014/main" id="{39C16AA7-6DDA-B447-851C-8D8FF6336463}"/>
+          <p:cNvPr id="11" name="Picture 10">
+            <a:extLst>
+              <a:ext uri="{FF2B5EF4-FFF2-40B4-BE49-F238E27FC236}">
+                <a16:creationId xmlns:a16="http://schemas.microsoft.com/office/drawing/2014/main" id="{B65124D3-7372-5E43-8B98-7F929B3C16F8}"/>
               </a:ext>
             </a:extLst>
           </p:cNvPr>
@@ -17730,53 +17871,18 @@
         </p:blipFill>
         <p:spPr>
           <a:xfrm>
-            <a:off x="1117529" y="2314040"/>
-            <a:ext cx="1943100" cy="2476500"/>
+            <a:off x="764211" y="3022957"/>
+            <a:ext cx="10680700" cy="2476500"/>
           </a:xfrm>
           <a:prstGeom prst="rect">
             <a:avLst/>
           </a:prstGeom>
         </p:spPr>
       </p:pic>
-      <p:sp>
-        <p:nvSpPr>
-          <p:cNvPr id="5" name="TextBox 4">
-            <a:extLst>
-              <a:ext uri="{FF2B5EF4-FFF2-40B4-BE49-F238E27FC236}">
-                <a16:creationId xmlns:a16="http://schemas.microsoft.com/office/drawing/2014/main" id="{404127EB-2BE2-B845-B20A-2B64848A593A}"/>
-              </a:ext>
-            </a:extLst>
-          </p:cNvPr>
-          <p:cNvSpPr txBox="1"/>
-          <p:nvPr/>
-        </p:nvSpPr>
-        <p:spPr>
-          <a:xfrm>
-            <a:off x="4767208" y="2644170"/>
-            <a:ext cx="5661061" cy="1569660"/>
-          </a:xfrm>
-          <a:prstGeom prst="rect">
-            <a:avLst/>
-          </a:prstGeom>
-          <a:noFill/>
-        </p:spPr>
-        <p:txBody>
-          <a:bodyPr wrap="square" rtlCol="0">
-            <a:spAutoFit/>
-          </a:bodyPr>
-          <a:lstStyle/>
-          <a:p>
-            <a:r>
-              <a:rPr lang="en-US" sz="2400" dirty="0"/>
-              <a:t>In data analysis, vector can contain a collection of measurements (e.g. mean August temperature of Atlanta from last 140 years)</a:t>
-            </a:r>
-          </a:p>
-        </p:txBody>
-      </p:sp>
     </p:spTree>
     <p:extLst>
       <p:ext uri="{BB962C8B-B14F-4D97-AF65-F5344CB8AC3E}">
-        <p14:creationId xmlns:p14="http://schemas.microsoft.com/office/powerpoint/2010/main" val="3400138912"/>
+        <p14:creationId xmlns:p14="http://schemas.microsoft.com/office/powerpoint/2010/main" val="277505722"/>
       </p:ext>
     </p:extLst>
   </p:cSld>
